--- a/Infer_Temp/graphs.pptx
+++ b/Infer_Temp/graphs.pptx
@@ -4,6 +4,9 @@
   <p:sldMasterIdLst>
     <p:sldMasterId id="2147483648" r:id="rId1"/>
   </p:sldMasterIdLst>
+  <p:notesMasterIdLst>
+    <p:notesMasterId r:id="rId3"/>
+  </p:notesMasterIdLst>
   <p:sldIdLst>
     <p:sldId id="256" r:id="rId2"/>
   </p:sldIdLst>
@@ -104,7 +107,446 @@
       </a:defRPr>
     </a:lvl9pPr>
   </p:defaultTextStyle>
+  <p:extLst>
+    <p:ext uri="{EFAFB233-063F-42B5-8137-9DF3F51BA10A}">
+      <p15:sldGuideLst xmlns:p15="http://schemas.microsoft.com/office/powerpoint/2012/main"/>
+    </p:ext>
+  </p:extLst>
 </p:presentation>
+</file>
+
+<file path=ppt/notesMasters/notesMaster1.xml><?xml version="1.0" encoding="utf-8"?>
+<p:notesMaster xmlns:a="http://schemas.openxmlformats.org/drawingml/2006/main" xmlns:r="http://schemas.openxmlformats.org/officeDocument/2006/relationships" xmlns:p="http://schemas.openxmlformats.org/presentationml/2006/main">
+  <p:cSld>
+    <p:bg>
+      <p:bgRef idx="1001">
+        <a:schemeClr val="bg1"/>
+      </p:bgRef>
+    </p:bg>
+    <p:spTree>
+      <p:nvGrpSpPr>
+        <p:cNvPr id="1" name=""/>
+        <p:cNvGrpSpPr/>
+        <p:nvPr/>
+      </p:nvGrpSpPr>
+      <p:grpSpPr>
+        <a:xfrm>
+          <a:off x="0" y="0"/>
+          <a:ext cx="0" cy="0"/>
+          <a:chOff x="0" y="0"/>
+          <a:chExt cx="0" cy="0"/>
+        </a:xfrm>
+      </p:grpSpPr>
+      <p:sp>
+        <p:nvSpPr>
+          <p:cNvPr id="2" name="Header Placeholder 1"/>
+          <p:cNvSpPr>
+            <a:spLocks noGrp="1"/>
+          </p:cNvSpPr>
+          <p:nvPr>
+            <p:ph type="hdr" sz="quarter"/>
+          </p:nvPr>
+        </p:nvSpPr>
+        <p:spPr>
+          <a:xfrm>
+            <a:off x="0" y="0"/>
+            <a:ext cx="2971800" cy="458788"/>
+          </a:xfrm>
+          <a:prstGeom prst="rect">
+            <a:avLst/>
+          </a:prstGeom>
+        </p:spPr>
+        <p:txBody>
+          <a:bodyPr vert="horz" lIns="91440" tIns="45720" rIns="91440" bIns="45720" rtlCol="0"/>
+          <a:lstStyle>
+            <a:lvl1pPr algn="l">
+              <a:defRPr sz="1200"/>
+            </a:lvl1pPr>
+          </a:lstStyle>
+          <a:p>
+            <a:endParaRPr lang="en-NO"/>
+          </a:p>
+        </p:txBody>
+      </p:sp>
+      <p:sp>
+        <p:nvSpPr>
+          <p:cNvPr id="3" name="Date Placeholder 2"/>
+          <p:cNvSpPr>
+            <a:spLocks noGrp="1"/>
+          </p:cNvSpPr>
+          <p:nvPr>
+            <p:ph type="dt" idx="1"/>
+          </p:nvPr>
+        </p:nvSpPr>
+        <p:spPr>
+          <a:xfrm>
+            <a:off x="3884613" y="0"/>
+            <a:ext cx="2971800" cy="458788"/>
+          </a:xfrm>
+          <a:prstGeom prst="rect">
+            <a:avLst/>
+          </a:prstGeom>
+        </p:spPr>
+        <p:txBody>
+          <a:bodyPr vert="horz" lIns="91440" tIns="45720" rIns="91440" bIns="45720" rtlCol="0"/>
+          <a:lstStyle>
+            <a:lvl1pPr algn="r">
+              <a:defRPr sz="1200"/>
+            </a:lvl1pPr>
+          </a:lstStyle>
+          <a:p>
+            <a:fld id="{126150C5-072C-E543-830C-F4E6C553AFC9}" type="datetimeFigureOut">
+              <a:rPr lang="en-NO" smtClean="0"/>
+              <a:t>27/10/2022</a:t>
+            </a:fld>
+            <a:endParaRPr lang="en-NO"/>
+          </a:p>
+        </p:txBody>
+      </p:sp>
+      <p:sp>
+        <p:nvSpPr>
+          <p:cNvPr id="4" name="Slide Image Placeholder 3"/>
+          <p:cNvSpPr>
+            <a:spLocks noGrp="1" noRot="1" noChangeAspect="1"/>
+          </p:cNvSpPr>
+          <p:nvPr>
+            <p:ph type="sldImg" idx="2"/>
+          </p:nvPr>
+        </p:nvSpPr>
+        <p:spPr>
+          <a:xfrm>
+            <a:off x="685800" y="1143000"/>
+            <a:ext cx="5486400" cy="3086100"/>
+          </a:xfrm>
+          <a:prstGeom prst="rect">
+            <a:avLst/>
+          </a:prstGeom>
+          <a:noFill/>
+          <a:ln w="12700">
+            <a:solidFill>
+              <a:prstClr val="black"/>
+            </a:solidFill>
+          </a:ln>
+        </p:spPr>
+        <p:txBody>
+          <a:bodyPr vert="horz" lIns="91440" tIns="45720" rIns="91440" bIns="45720" rtlCol="0" anchor="ctr"/>
+          <a:lstStyle/>
+          <a:p>
+            <a:endParaRPr lang="en-NO"/>
+          </a:p>
+        </p:txBody>
+      </p:sp>
+      <p:sp>
+        <p:nvSpPr>
+          <p:cNvPr id="5" name="Notes Placeholder 4"/>
+          <p:cNvSpPr>
+            <a:spLocks noGrp="1"/>
+          </p:cNvSpPr>
+          <p:nvPr>
+            <p:ph type="body" sz="quarter" idx="3"/>
+          </p:nvPr>
+        </p:nvSpPr>
+        <p:spPr>
+          <a:xfrm>
+            <a:off x="685800" y="4400550"/>
+            <a:ext cx="5486400" cy="3600450"/>
+          </a:xfrm>
+          <a:prstGeom prst="rect">
+            <a:avLst/>
+          </a:prstGeom>
+        </p:spPr>
+        <p:txBody>
+          <a:bodyPr vert="horz" lIns="91440" tIns="45720" rIns="91440" bIns="45720" rtlCol="0"/>
+          <a:lstStyle/>
+          <a:p>
+            <a:pPr lvl="0"/>
+            <a:r>
+              <a:rPr lang="en-GB"/>
+              <a:t>Click to edit Master text styles</a:t>
+            </a:r>
+          </a:p>
+          <a:p>
+            <a:pPr lvl="1"/>
+            <a:r>
+              <a:rPr lang="en-GB"/>
+              <a:t>Second level</a:t>
+            </a:r>
+          </a:p>
+          <a:p>
+            <a:pPr lvl="2"/>
+            <a:r>
+              <a:rPr lang="en-GB"/>
+              <a:t>Third level</a:t>
+            </a:r>
+          </a:p>
+          <a:p>
+            <a:pPr lvl="3"/>
+            <a:r>
+              <a:rPr lang="en-GB"/>
+              <a:t>Fourth level</a:t>
+            </a:r>
+          </a:p>
+          <a:p>
+            <a:pPr lvl="4"/>
+            <a:r>
+              <a:rPr lang="en-GB"/>
+              <a:t>Fifth level</a:t>
+            </a:r>
+            <a:endParaRPr lang="en-NO"/>
+          </a:p>
+        </p:txBody>
+      </p:sp>
+      <p:sp>
+        <p:nvSpPr>
+          <p:cNvPr id="6" name="Footer Placeholder 5"/>
+          <p:cNvSpPr>
+            <a:spLocks noGrp="1"/>
+          </p:cNvSpPr>
+          <p:nvPr>
+            <p:ph type="ftr" sz="quarter" idx="4"/>
+          </p:nvPr>
+        </p:nvSpPr>
+        <p:spPr>
+          <a:xfrm>
+            <a:off x="0" y="8685213"/>
+            <a:ext cx="2971800" cy="458787"/>
+          </a:xfrm>
+          <a:prstGeom prst="rect">
+            <a:avLst/>
+          </a:prstGeom>
+        </p:spPr>
+        <p:txBody>
+          <a:bodyPr vert="horz" lIns="91440" tIns="45720" rIns="91440" bIns="45720" rtlCol="0" anchor="b"/>
+          <a:lstStyle>
+            <a:lvl1pPr algn="l">
+              <a:defRPr sz="1200"/>
+            </a:lvl1pPr>
+          </a:lstStyle>
+          <a:p>
+            <a:endParaRPr lang="en-NO"/>
+          </a:p>
+        </p:txBody>
+      </p:sp>
+      <p:sp>
+        <p:nvSpPr>
+          <p:cNvPr id="7" name="Slide Number Placeholder 6"/>
+          <p:cNvSpPr>
+            <a:spLocks noGrp="1"/>
+          </p:cNvSpPr>
+          <p:nvPr>
+            <p:ph type="sldNum" sz="quarter" idx="5"/>
+          </p:nvPr>
+        </p:nvSpPr>
+        <p:spPr>
+          <a:xfrm>
+            <a:off x="3884613" y="8685213"/>
+            <a:ext cx="2971800" cy="458787"/>
+          </a:xfrm>
+          <a:prstGeom prst="rect">
+            <a:avLst/>
+          </a:prstGeom>
+        </p:spPr>
+        <p:txBody>
+          <a:bodyPr vert="horz" lIns="91440" tIns="45720" rIns="91440" bIns="45720" rtlCol="0" anchor="b"/>
+          <a:lstStyle>
+            <a:lvl1pPr algn="r">
+              <a:defRPr sz="1200"/>
+            </a:lvl1pPr>
+          </a:lstStyle>
+          <a:p>
+            <a:fld id="{DAA5F6E5-CCCC-304F-93C8-B8E4FF1A97B3}" type="slidenum">
+              <a:rPr lang="en-NO" smtClean="0"/>
+              <a:t>‹#›</a:t>
+            </a:fld>
+            <a:endParaRPr lang="en-NO"/>
+          </a:p>
+        </p:txBody>
+      </p:sp>
+    </p:spTree>
+    <p:extLst>
+      <p:ext uri="{BB962C8B-B14F-4D97-AF65-F5344CB8AC3E}">
+        <p14:creationId xmlns:p14="http://schemas.microsoft.com/office/powerpoint/2010/main" val="2444173633"/>
+      </p:ext>
+    </p:extLst>
+  </p:cSld>
+  <p:clrMap bg1="lt1" tx1="dk1" bg2="lt2" tx2="dk2" accent1="accent1" accent2="accent2" accent3="accent3" accent4="accent4" accent5="accent5" accent6="accent6" hlink="hlink" folHlink="folHlink"/>
+  <p:notesStyle>
+    <a:lvl1pPr marL="0" algn="l" defTabSz="914400" rtl="0" eaLnBrk="1" latinLnBrk="0" hangingPunct="1">
+      <a:defRPr sz="1200" kern="1200">
+        <a:solidFill>
+          <a:schemeClr val="tx1"/>
+        </a:solidFill>
+        <a:latin typeface="+mn-lt"/>
+        <a:ea typeface="+mn-ea"/>
+        <a:cs typeface="+mn-cs"/>
+      </a:defRPr>
+    </a:lvl1pPr>
+    <a:lvl2pPr marL="457200" algn="l" defTabSz="914400" rtl="0" eaLnBrk="1" latinLnBrk="0" hangingPunct="1">
+      <a:defRPr sz="1200" kern="1200">
+        <a:solidFill>
+          <a:schemeClr val="tx1"/>
+        </a:solidFill>
+        <a:latin typeface="+mn-lt"/>
+        <a:ea typeface="+mn-ea"/>
+        <a:cs typeface="+mn-cs"/>
+      </a:defRPr>
+    </a:lvl2pPr>
+    <a:lvl3pPr marL="914400" algn="l" defTabSz="914400" rtl="0" eaLnBrk="1" latinLnBrk="0" hangingPunct="1">
+      <a:defRPr sz="1200" kern="1200">
+        <a:solidFill>
+          <a:schemeClr val="tx1"/>
+        </a:solidFill>
+        <a:latin typeface="+mn-lt"/>
+        <a:ea typeface="+mn-ea"/>
+        <a:cs typeface="+mn-cs"/>
+      </a:defRPr>
+    </a:lvl3pPr>
+    <a:lvl4pPr marL="1371600" algn="l" defTabSz="914400" rtl="0" eaLnBrk="1" latinLnBrk="0" hangingPunct="1">
+      <a:defRPr sz="1200" kern="1200">
+        <a:solidFill>
+          <a:schemeClr val="tx1"/>
+        </a:solidFill>
+        <a:latin typeface="+mn-lt"/>
+        <a:ea typeface="+mn-ea"/>
+        <a:cs typeface="+mn-cs"/>
+      </a:defRPr>
+    </a:lvl4pPr>
+    <a:lvl5pPr marL="1828800" algn="l" defTabSz="914400" rtl="0" eaLnBrk="1" latinLnBrk="0" hangingPunct="1">
+      <a:defRPr sz="1200" kern="1200">
+        <a:solidFill>
+          <a:schemeClr val="tx1"/>
+        </a:solidFill>
+        <a:latin typeface="+mn-lt"/>
+        <a:ea typeface="+mn-ea"/>
+        <a:cs typeface="+mn-cs"/>
+      </a:defRPr>
+    </a:lvl5pPr>
+    <a:lvl6pPr marL="2286000" algn="l" defTabSz="914400" rtl="0" eaLnBrk="1" latinLnBrk="0" hangingPunct="1">
+      <a:defRPr sz="1200" kern="1200">
+        <a:solidFill>
+          <a:schemeClr val="tx1"/>
+        </a:solidFill>
+        <a:latin typeface="+mn-lt"/>
+        <a:ea typeface="+mn-ea"/>
+        <a:cs typeface="+mn-cs"/>
+      </a:defRPr>
+    </a:lvl6pPr>
+    <a:lvl7pPr marL="2743200" algn="l" defTabSz="914400" rtl="0" eaLnBrk="1" latinLnBrk="0" hangingPunct="1">
+      <a:defRPr sz="1200" kern="1200">
+        <a:solidFill>
+          <a:schemeClr val="tx1"/>
+        </a:solidFill>
+        <a:latin typeface="+mn-lt"/>
+        <a:ea typeface="+mn-ea"/>
+        <a:cs typeface="+mn-cs"/>
+      </a:defRPr>
+    </a:lvl7pPr>
+    <a:lvl8pPr marL="3200400" algn="l" defTabSz="914400" rtl="0" eaLnBrk="1" latinLnBrk="0" hangingPunct="1">
+      <a:defRPr sz="1200" kern="1200">
+        <a:solidFill>
+          <a:schemeClr val="tx1"/>
+        </a:solidFill>
+        <a:latin typeface="+mn-lt"/>
+        <a:ea typeface="+mn-ea"/>
+        <a:cs typeface="+mn-cs"/>
+      </a:defRPr>
+    </a:lvl8pPr>
+    <a:lvl9pPr marL="3657600" algn="l" defTabSz="914400" rtl="0" eaLnBrk="1" latinLnBrk="0" hangingPunct="1">
+      <a:defRPr sz="1200" kern="1200">
+        <a:solidFill>
+          <a:schemeClr val="tx1"/>
+        </a:solidFill>
+        <a:latin typeface="+mn-lt"/>
+        <a:ea typeface="+mn-ea"/>
+        <a:cs typeface="+mn-cs"/>
+      </a:defRPr>
+    </a:lvl9pPr>
+  </p:notesStyle>
+</p:notesMaster>
+</file>
+
+<file path=ppt/notesSlides/notesSlide1.xml><?xml version="1.0" encoding="utf-8"?>
+<p:notes xmlns:a="http://schemas.openxmlformats.org/drawingml/2006/main" xmlns:r="http://schemas.openxmlformats.org/officeDocument/2006/relationships" xmlns:p="http://schemas.openxmlformats.org/presentationml/2006/main">
+  <p:cSld>
+    <p:spTree>
+      <p:nvGrpSpPr>
+        <p:cNvPr id="1" name=""/>
+        <p:cNvGrpSpPr/>
+        <p:nvPr/>
+      </p:nvGrpSpPr>
+      <p:grpSpPr>
+        <a:xfrm>
+          <a:off x="0" y="0"/>
+          <a:ext cx="0" cy="0"/>
+          <a:chOff x="0" y="0"/>
+          <a:chExt cx="0" cy="0"/>
+        </a:xfrm>
+      </p:grpSpPr>
+      <p:sp>
+        <p:nvSpPr>
+          <p:cNvPr id="2" name="Slide Image Placeholder 1"/>
+          <p:cNvSpPr>
+            <a:spLocks noGrp="1" noRot="1" noChangeAspect="1"/>
+          </p:cNvSpPr>
+          <p:nvPr>
+            <p:ph type="sldImg"/>
+          </p:nvPr>
+        </p:nvSpPr>
+        <p:spPr/>
+      </p:sp>
+      <p:sp>
+        <p:nvSpPr>
+          <p:cNvPr id="3" name="Notes Placeholder 2"/>
+          <p:cNvSpPr>
+            <a:spLocks noGrp="1"/>
+          </p:cNvSpPr>
+          <p:nvPr>
+            <p:ph type="body" idx="1"/>
+          </p:nvPr>
+        </p:nvSpPr>
+        <p:spPr/>
+        <p:txBody>
+          <a:bodyPr/>
+          <a:lstStyle/>
+          <a:p>
+            <a:endParaRPr lang="en-NO" dirty="0"/>
+          </a:p>
+        </p:txBody>
+      </p:sp>
+      <p:sp>
+        <p:nvSpPr>
+          <p:cNvPr id="4" name="Slide Number Placeholder 3"/>
+          <p:cNvSpPr>
+            <a:spLocks noGrp="1"/>
+          </p:cNvSpPr>
+          <p:nvPr>
+            <p:ph type="sldNum" sz="quarter" idx="5"/>
+          </p:nvPr>
+        </p:nvSpPr>
+        <p:spPr/>
+        <p:txBody>
+          <a:bodyPr/>
+          <a:lstStyle/>
+          <a:p>
+            <a:fld id="{DAA5F6E5-CCCC-304F-93C8-B8E4FF1A97B3}" type="slidenum">
+              <a:rPr lang="en-NO" smtClean="0"/>
+              <a:t>1</a:t>
+            </a:fld>
+            <a:endParaRPr lang="en-NO"/>
+          </a:p>
+        </p:txBody>
+      </p:sp>
+    </p:spTree>
+    <p:extLst>
+      <p:ext uri="{BB962C8B-B14F-4D97-AF65-F5344CB8AC3E}">
+        <p14:creationId xmlns:p14="http://schemas.microsoft.com/office/powerpoint/2010/main" val="2121519444"/>
+      </p:ext>
+    </p:extLst>
+  </p:cSld>
+  <p:clrMapOvr>
+    <a:masterClrMapping/>
+  </p:clrMapOvr>
+</p:notes>
 </file>
 
 <file path=ppt/slideLayouts/slideLayout1.xml><?xml version="1.0" encoding="utf-8"?>
@@ -256,7 +698,7 @@
           <a:p>
             <a:fld id="{6D5F377B-D984-7F4B-89B4-5F8833AE530A}" type="datetimeFigureOut">
               <a:rPr lang="en-NO" smtClean="0"/>
-              <a:t>12/10/2022</a:t>
+              <a:t>27/10/2022</a:t>
             </a:fld>
             <a:endParaRPr lang="en-NO"/>
           </a:p>
@@ -456,7 +898,7 @@
           <a:p>
             <a:fld id="{6D5F377B-D984-7F4B-89B4-5F8833AE530A}" type="datetimeFigureOut">
               <a:rPr lang="en-NO" smtClean="0"/>
-              <a:t>12/10/2022</a:t>
+              <a:t>27/10/2022</a:t>
             </a:fld>
             <a:endParaRPr lang="en-NO"/>
           </a:p>
@@ -666,7 +1108,7 @@
           <a:p>
             <a:fld id="{6D5F377B-D984-7F4B-89B4-5F8833AE530A}" type="datetimeFigureOut">
               <a:rPr lang="en-NO" smtClean="0"/>
-              <a:t>12/10/2022</a:t>
+              <a:t>27/10/2022</a:t>
             </a:fld>
             <a:endParaRPr lang="en-NO"/>
           </a:p>
@@ -866,7 +1308,7 @@
           <a:p>
             <a:fld id="{6D5F377B-D984-7F4B-89B4-5F8833AE530A}" type="datetimeFigureOut">
               <a:rPr lang="en-NO" smtClean="0"/>
-              <a:t>12/10/2022</a:t>
+              <a:t>27/10/2022</a:t>
             </a:fld>
             <a:endParaRPr lang="en-NO"/>
           </a:p>
@@ -1142,7 +1584,7 @@
           <a:p>
             <a:fld id="{6D5F377B-D984-7F4B-89B4-5F8833AE530A}" type="datetimeFigureOut">
               <a:rPr lang="en-NO" smtClean="0"/>
-              <a:t>12/10/2022</a:t>
+              <a:t>27/10/2022</a:t>
             </a:fld>
             <a:endParaRPr lang="en-NO"/>
           </a:p>
@@ -1410,7 +1852,7 @@
           <a:p>
             <a:fld id="{6D5F377B-D984-7F4B-89B4-5F8833AE530A}" type="datetimeFigureOut">
               <a:rPr lang="en-NO" smtClean="0"/>
-              <a:t>12/10/2022</a:t>
+              <a:t>27/10/2022</a:t>
             </a:fld>
             <a:endParaRPr lang="en-NO"/>
           </a:p>
@@ -1825,7 +2267,7 @@
           <a:p>
             <a:fld id="{6D5F377B-D984-7F4B-89B4-5F8833AE530A}" type="datetimeFigureOut">
               <a:rPr lang="en-NO" smtClean="0"/>
-              <a:t>12/10/2022</a:t>
+              <a:t>27/10/2022</a:t>
             </a:fld>
             <a:endParaRPr lang="en-NO"/>
           </a:p>
@@ -1967,7 +2409,7 @@
           <a:p>
             <a:fld id="{6D5F377B-D984-7F4B-89B4-5F8833AE530A}" type="datetimeFigureOut">
               <a:rPr lang="en-NO" smtClean="0"/>
-              <a:t>12/10/2022</a:t>
+              <a:t>27/10/2022</a:t>
             </a:fld>
             <a:endParaRPr lang="en-NO"/>
           </a:p>
@@ -2080,7 +2522,7 @@
           <a:p>
             <a:fld id="{6D5F377B-D984-7F4B-89B4-5F8833AE530A}" type="datetimeFigureOut">
               <a:rPr lang="en-NO" smtClean="0"/>
-              <a:t>12/10/2022</a:t>
+              <a:t>27/10/2022</a:t>
             </a:fld>
             <a:endParaRPr lang="en-NO"/>
           </a:p>
@@ -2393,7 +2835,7 @@
           <a:p>
             <a:fld id="{6D5F377B-D984-7F4B-89B4-5F8833AE530A}" type="datetimeFigureOut">
               <a:rPr lang="en-NO" smtClean="0"/>
-              <a:t>12/10/2022</a:t>
+              <a:t>27/10/2022</a:t>
             </a:fld>
             <a:endParaRPr lang="en-NO"/>
           </a:p>
@@ -2682,7 +3124,7 @@
           <a:p>
             <a:fld id="{6D5F377B-D984-7F4B-89B4-5F8833AE530A}" type="datetimeFigureOut">
               <a:rPr lang="en-NO" smtClean="0"/>
-              <a:t>12/10/2022</a:t>
+              <a:t>27/10/2022</a:t>
             </a:fld>
             <a:endParaRPr lang="en-NO"/>
           </a:p>
@@ -2925,7 +3367,7 @@
           <a:p>
             <a:fld id="{6D5F377B-D984-7F4B-89B4-5F8833AE530A}" type="datetimeFigureOut">
               <a:rPr lang="en-NO" smtClean="0"/>
-              <a:t>12/10/2022</a:t>
+              <a:t>27/10/2022</a:t>
             </a:fld>
             <a:endParaRPr lang="en-NO"/>
           </a:p>
@@ -3344,10 +3786,10 @@
       </p:grpSpPr>
       <p:grpSp>
         <p:nvGrpSpPr>
-          <p:cNvPr id="156" name="Group 155">
+          <p:cNvPr id="204" name="Group 203">
             <a:extLst>
               <a:ext uri="{FF2B5EF4-FFF2-40B4-BE49-F238E27FC236}">
-                <a16:creationId xmlns:a16="http://schemas.microsoft.com/office/drawing/2014/main" id="{9A132340-105E-E8D7-8362-C938897F5A8C}"/>
+                <a16:creationId xmlns:a16="http://schemas.microsoft.com/office/drawing/2014/main" id="{39F8DC24-2794-AB37-9465-0B863F7953DF}"/>
               </a:ext>
             </a:extLst>
           </p:cNvPr>
@@ -3356,141 +3798,165 @@
         </p:nvGrpSpPr>
         <p:grpSpPr>
           <a:xfrm>
-            <a:off x="-18409236" y="-14208478"/>
-            <a:ext cx="28039878" cy="12924615"/>
-            <a:chOff x="-18411408" y="-14971624"/>
-            <a:chExt cx="28039878" cy="12924615"/>
+            <a:off x="-24757604" y="-5221188"/>
+            <a:ext cx="35109029" cy="12923316"/>
+            <a:chOff x="7599281" y="-24097389"/>
+            <a:chExt cx="35109029" cy="12923316"/>
           </a:xfrm>
         </p:grpSpPr>
-        <p:grpSp>
-          <p:nvGrpSpPr>
-            <p:cNvPr id="148" name="Group 147">
+        <p:sp>
+          <p:nvSpPr>
+            <p:cNvPr id="8" name="Rounded Rectangle 7">
               <a:extLst>
                 <a:ext uri="{FF2B5EF4-FFF2-40B4-BE49-F238E27FC236}">
-                  <a16:creationId xmlns:a16="http://schemas.microsoft.com/office/drawing/2014/main" id="{42AAEF66-D051-2E18-3B5D-F2350E401659}"/>
+                  <a16:creationId xmlns:a16="http://schemas.microsoft.com/office/drawing/2014/main" id="{2AFD8FBB-3C10-87AD-3EA5-60FEC05548D5}"/>
                 </a:ext>
               </a:extLst>
             </p:cNvPr>
-            <p:cNvGrpSpPr/>
+            <p:cNvSpPr/>
             <p:nvPr/>
-          </p:nvGrpSpPr>
-          <p:grpSpPr>
+          </p:nvSpPr>
+          <p:spPr>
             <a:xfrm>
-              <a:off x="-18410733" y="-13654175"/>
-              <a:ext cx="28039203" cy="11607166"/>
-              <a:chOff x="-16076975" y="-12317034"/>
-              <a:chExt cx="28039203" cy="11607166"/>
+              <a:off x="34946804" y="-13872939"/>
+              <a:ext cx="7604742" cy="2530343"/>
             </a:xfrm>
-          </p:grpSpPr>
-          <p:sp>
-            <p:nvSpPr>
-              <p:cNvPr id="21" name="TextBox 20">
-                <a:extLst>
-                  <a:ext uri="{FF2B5EF4-FFF2-40B4-BE49-F238E27FC236}">
-                    <a16:creationId xmlns:a16="http://schemas.microsoft.com/office/drawing/2014/main" id="{19871AE3-2C47-1D3E-1381-85BBB83EA5A6}"/>
-                  </a:ext>
-                </a:extLst>
-              </p:cNvPr>
-              <p:cNvSpPr txBox="1"/>
-              <p:nvPr/>
-            </p:nvSpPr>
-            <p:spPr>
-              <a:xfrm>
-                <a:off x="5544677" y="-2543363"/>
-                <a:ext cx="6417551" cy="1015663"/>
-              </a:xfrm>
-              <a:prstGeom prst="rect">
-                <a:avLst/>
-              </a:prstGeom>
-              <a:noFill/>
-            </p:spPr>
-            <p:txBody>
-              <a:bodyPr wrap="square" rtlCol="0">
-                <a:spAutoFit/>
-              </a:bodyPr>
-              <a:lstStyle/>
-              <a:p>
-                <a:r>
-                  <a:rPr lang="en-GB" sz="6000" dirty="0">
-                    <a:latin typeface="Arial" panose="020B0604020202020204" pitchFamily="34" charset="0"/>
-                    <a:cs typeface="Arial" panose="020B0604020202020204" pitchFamily="34" charset="0"/>
-                  </a:rPr>
-                  <a:t>20% Test</a:t>
-                </a:r>
-              </a:p>
-            </p:txBody>
-          </p:sp>
-          <p:grpSp>
-            <p:nvGrpSpPr>
-              <p:cNvPr id="147" name="Group 146">
-                <a:extLst>
-                  <a:ext uri="{FF2B5EF4-FFF2-40B4-BE49-F238E27FC236}">
-                    <a16:creationId xmlns:a16="http://schemas.microsoft.com/office/drawing/2014/main" id="{F828A14E-6B27-2BCE-A7C5-35F842751D27}"/>
-                  </a:ext>
-                </a:extLst>
-              </p:cNvPr>
-              <p:cNvGrpSpPr/>
-              <p:nvPr/>
-            </p:nvGrpSpPr>
-            <p:grpSpPr>
-              <a:xfrm>
-                <a:off x="-16076975" y="-12317034"/>
-                <a:ext cx="25238538" cy="11607166"/>
-                <a:chOff x="-16076975" y="-12317034"/>
-                <a:chExt cx="25238538" cy="11607166"/>
-              </a:xfrm>
-            </p:grpSpPr>
-            <p:sp>
-              <p:nvSpPr>
-                <p:cNvPr id="4" name="Rounded Rectangle 3">
-                  <a:extLst>
-                    <a:ext uri="{FF2B5EF4-FFF2-40B4-BE49-F238E27FC236}">
-                      <a16:creationId xmlns:a16="http://schemas.microsoft.com/office/drawing/2014/main" id="{32EB4871-9324-6D17-57E0-A7005447A74C}"/>
-                    </a:ext>
-                  </a:extLst>
-                </p:cNvPr>
-                <p:cNvSpPr/>
-                <p:nvPr/>
-              </p:nvSpPr>
-              <p:spPr>
-                <a:xfrm>
-                  <a:off x="-16076975" y="-12317033"/>
-                  <a:ext cx="8507730" cy="11607165"/>
-                </a:xfrm>
-                <a:prstGeom prst="roundRect">
-                  <a:avLst/>
-                </a:prstGeom>
-                <a:noFill/>
-                <a:ln w="76200"/>
-              </p:spPr>
-              <p:style>
-                <a:lnRef idx="2">
-                  <a:schemeClr val="accent1">
-                    <a:shade val="50000"/>
-                  </a:schemeClr>
-                </a:lnRef>
-                <a:fillRef idx="1">
-                  <a:schemeClr val="accent1"/>
-                </a:fillRef>
-                <a:effectRef idx="0">
-                  <a:schemeClr val="accent1"/>
-                </a:effectRef>
-                <a:fontRef idx="minor">
-                  <a:schemeClr val="lt1"/>
-                </a:fontRef>
-              </p:style>
-              <p:txBody>
-                <a:bodyPr rtlCol="0" anchor="ctr"/>
-                <a:lstStyle/>
-                <a:p>
-                  <a:pPr algn="ctr"/>
-                  <a:endParaRPr lang="en-NO" dirty="0">
-                    <a:latin typeface="Arial" panose="020B0604020202020204" pitchFamily="34" charset="0"/>
-                    <a:cs typeface="Arial" panose="020B0604020202020204" pitchFamily="34" charset="0"/>
-                  </a:endParaRPr>
-                </a:p>
-              </p:txBody>
-            </p:sp>
+            <a:prstGeom prst="roundRect">
+              <a:avLst/>
+            </a:prstGeom>
+            <a:solidFill>
+              <a:schemeClr val="accent5">
+                <a:lumMod val="20000"/>
+                <a:lumOff val="80000"/>
+              </a:schemeClr>
+            </a:solidFill>
+            <a:ln w="76200"/>
+          </p:spPr>
+          <p:style>
+            <a:lnRef idx="2">
+              <a:schemeClr val="accent1">
+                <a:shade val="50000"/>
+              </a:schemeClr>
+            </a:lnRef>
+            <a:fillRef idx="1">
+              <a:schemeClr val="accent1"/>
+            </a:fillRef>
+            <a:effectRef idx="0">
+              <a:schemeClr val="accent1"/>
+            </a:effectRef>
+            <a:fontRef idx="minor">
+              <a:schemeClr val="lt1"/>
+            </a:fontRef>
+          </p:style>
+          <p:txBody>
+            <a:bodyPr rtlCol="0" anchor="ctr"/>
+            <a:lstStyle/>
+            <a:p>
+              <a:pPr algn="ctr"/>
+              <a:endParaRPr lang="en-NO" dirty="0">
+                <a:latin typeface="Arial" panose="020B0604020202020204" pitchFamily="34" charset="0"/>
+                <a:cs typeface="Arial" panose="020B0604020202020204" pitchFamily="34" charset="0"/>
+              </a:endParaRPr>
+            </a:p>
+          </p:txBody>
+        </p:sp>
+        <p:sp>
+          <p:nvSpPr>
+            <p:cNvPr id="21" name="TextBox 20">
+              <a:extLst>
+                <a:ext uri="{FF2B5EF4-FFF2-40B4-BE49-F238E27FC236}">
+                  <a16:creationId xmlns:a16="http://schemas.microsoft.com/office/drawing/2014/main" id="{19871AE3-2C47-1D3E-1381-85BBB83EA5A6}"/>
+                </a:ext>
+              </a:extLst>
+            </p:cNvPr>
+            <p:cNvSpPr txBox="1"/>
+            <p:nvPr/>
+          </p:nvSpPr>
+          <p:spPr>
+            <a:xfrm>
+              <a:off x="35540399" y="-13172482"/>
+              <a:ext cx="6417551" cy="1015663"/>
+            </a:xfrm>
+            <a:prstGeom prst="rect">
+              <a:avLst/>
+            </a:prstGeom>
+            <a:noFill/>
+          </p:spPr>
+          <p:txBody>
+            <a:bodyPr wrap="square" rtlCol="0">
+              <a:spAutoFit/>
+            </a:bodyPr>
+            <a:lstStyle/>
+            <a:p>
+              <a:pPr algn="ctr"/>
+              <a:r>
+                <a:rPr lang="en-GB" sz="6000" dirty="0">
+                  <a:latin typeface="Arial" panose="020B0604020202020204" pitchFamily="34" charset="0"/>
+                  <a:cs typeface="Arial" panose="020B0604020202020204" pitchFamily="34" charset="0"/>
+                </a:rPr>
+                <a:t>20% Test</a:t>
+              </a:r>
+            </a:p>
+          </p:txBody>
+        </p:sp>
+        <p:sp>
+          <p:nvSpPr>
+            <p:cNvPr id="4" name="Rounded Rectangle 3">
+              <a:extLst>
+                <a:ext uri="{FF2B5EF4-FFF2-40B4-BE49-F238E27FC236}">
+                  <a16:creationId xmlns:a16="http://schemas.microsoft.com/office/drawing/2014/main" id="{32EB4871-9324-6D17-57E0-A7005447A74C}"/>
+                </a:ext>
+              </a:extLst>
+            </p:cNvPr>
+            <p:cNvSpPr/>
+            <p:nvPr/>
+          </p:nvSpPr>
+          <p:spPr>
+            <a:xfrm>
+              <a:off x="7641256" y="-22781238"/>
+              <a:ext cx="9432713" cy="11607165"/>
+            </a:xfrm>
+            <a:prstGeom prst="roundRect">
+              <a:avLst/>
+            </a:prstGeom>
+            <a:solidFill>
+              <a:schemeClr val="accent6">
+                <a:lumMod val="20000"/>
+                <a:lumOff val="80000"/>
+              </a:schemeClr>
+            </a:solidFill>
+            <a:ln w="76200"/>
+          </p:spPr>
+          <p:style>
+            <a:lnRef idx="2">
+              <a:schemeClr val="accent1">
+                <a:shade val="50000"/>
+              </a:schemeClr>
+            </a:lnRef>
+            <a:fillRef idx="1">
+              <a:schemeClr val="accent1"/>
+            </a:fillRef>
+            <a:effectRef idx="0">
+              <a:schemeClr val="accent1"/>
+            </a:effectRef>
+            <a:fontRef idx="minor">
+              <a:schemeClr val="lt1"/>
+            </a:fontRef>
+          </p:style>
+          <p:txBody>
+            <a:bodyPr rtlCol="0" anchor="ctr"/>
+            <a:lstStyle/>
+            <a:p>
+              <a:pPr algn="ctr"/>
+              <a:endParaRPr lang="en-NO" dirty="0">
+                <a:latin typeface="Arial" panose="020B0604020202020204" pitchFamily="34" charset="0"/>
+                <a:cs typeface="Arial" panose="020B0604020202020204" pitchFamily="34" charset="0"/>
+              </a:endParaRPr>
+            </a:p>
+          </p:txBody>
+        </p:sp>
+        <mc:AlternateContent xmlns:mc="http://schemas.openxmlformats.org/markup-compatibility/2006">
+          <mc:Choice xmlns:a14="http://schemas.microsoft.com/office/drawing/2010/main" Requires="a14">
             <p:sp>
               <p:nvSpPr>
                 <p:cNvPr id="5" name="TextBox 4">
@@ -3505,7 +3971,7 @@
               </p:nvSpPr>
               <p:spPr>
                 <a:xfrm>
-                  <a:off x="-15396975" y="-9926093"/>
+                  <a:off x="8420269" y="-20606024"/>
                   <a:ext cx="7361207" cy="3785652"/>
                 </a:xfrm>
                 <a:prstGeom prst="rect">
@@ -3552,13 +4018,42 @@
                     <a:buFont typeface="Arial" panose="020B0604020202020204" pitchFamily="34" charset="0"/>
                     <a:buChar char="•"/>
                   </a:pPr>
-                  <a:r>
-                    <a:rPr lang="nb-NO" sz="6000" dirty="0">
-                      <a:latin typeface="Arial" panose="020B0604020202020204" pitchFamily="34" charset="0"/>
-                      <a:cs typeface="Arial" panose="020B0604020202020204" pitchFamily="34" charset="0"/>
-                    </a:rPr>
-                    <a:t>Vb</a:t>
-                  </a:r>
+                  <a14:m>
+                    <m:oMath xmlns:m="http://schemas.openxmlformats.org/officeDocument/2006/math">
+                      <m:sSub>
+                        <m:sSubPr>
+                          <m:ctrlPr>
+                            <a:rPr lang="nb-NO" sz="6000" i="1" dirty="0" smtClean="0">
+                              <a:latin typeface="Cambria Math" panose="02040503050406030204" pitchFamily="18" charset="0"/>
+                              <a:cs typeface="Arial" panose="020B0604020202020204" pitchFamily="34" charset="0"/>
+                            </a:rPr>
+                          </m:ctrlPr>
+                        </m:sSubPr>
+                        <m:e>
+                          <m:r>
+                            <a:rPr lang="nb-NO" sz="6000" b="0" i="1" dirty="0" smtClean="0">
+                              <a:latin typeface="Cambria Math" panose="02040503050406030204" pitchFamily="18" charset="0"/>
+                              <a:cs typeface="Arial" panose="020B0604020202020204" pitchFamily="34" charset="0"/>
+                            </a:rPr>
+                            <m:t>𝑉</m:t>
+                          </m:r>
+                        </m:e>
+                        <m:sub>
+                          <m:r>
+                            <a:rPr lang="nb-NO" sz="6000" b="0" i="1" dirty="0" smtClean="0">
+                              <a:latin typeface="Cambria Math" panose="02040503050406030204" pitchFamily="18" charset="0"/>
+                              <a:cs typeface="Arial" panose="020B0604020202020204" pitchFamily="34" charset="0"/>
+                            </a:rPr>
+                            <m:t>𝑏</m:t>
+                          </m:r>
+                        </m:sub>
+                      </m:sSub>
+                    </m:oMath>
+                  </a14:m>
+                  <a:endParaRPr lang="nb-NO" sz="6000" dirty="0">
+                    <a:latin typeface="Arial" panose="020B0604020202020204" pitchFamily="34" charset="0"/>
+                    <a:cs typeface="Arial" panose="020B0604020202020204" pitchFamily="34" charset="0"/>
+                  </a:endParaRPr>
                 </a:p>
                 <a:p>
                   <a:endParaRPr lang="en-NO" sz="6000" dirty="0">
@@ -3568,12 +4063,2638 @@
                 </a:p>
               </p:txBody>
             </p:sp>
+          </mc:Choice>
+          <mc:Fallback>
             <p:sp>
               <p:nvSpPr>
-                <p:cNvPr id="6" name="Rounded Rectangle 5">
+                <p:cNvPr id="5" name="TextBox 4">
                   <a:extLst>
                     <a:ext uri="{FF2B5EF4-FFF2-40B4-BE49-F238E27FC236}">
-                      <a16:creationId xmlns:a16="http://schemas.microsoft.com/office/drawing/2014/main" id="{55B1AAAB-FB09-5E22-C944-7D3F2BDCCCA8}"/>
+                      <a16:creationId xmlns:a16="http://schemas.microsoft.com/office/drawing/2014/main" id="{5683ABE5-B609-DAF8-960C-0C889F6E7743}"/>
+                    </a:ext>
+                  </a:extLst>
+                </p:cNvPr>
+                <p:cNvSpPr txBox="1">
+                  <a:spLocks noRot="1" noChangeAspect="1" noMove="1" noResize="1" noEditPoints="1" noAdjustHandles="1" noChangeArrowheads="1" noChangeShapeType="1" noTextEdit="1"/>
+                </p:cNvSpPr>
+                <p:nvPr/>
+              </p:nvSpPr>
+              <p:spPr>
+                <a:xfrm>
+                  <a:off x="8420269" y="-20606024"/>
+                  <a:ext cx="7361207" cy="3785652"/>
+                </a:xfrm>
+                <a:prstGeom prst="rect">
+                  <a:avLst/>
+                </a:prstGeom>
+                <a:blipFill>
+                  <a:blip r:embed="rId3"/>
+                  <a:stretch>
+                    <a:fillRect l="-5000" t="-4682" r="-3276"/>
+                  </a:stretch>
+                </a:blipFill>
+              </p:spPr>
+              <p:txBody>
+                <a:bodyPr/>
+                <a:lstStyle/>
+                <a:p>
+                  <a:r>
+                    <a:rPr lang="en-NO">
+                      <a:noFill/>
+                    </a:rPr>
+                    <a:t> </a:t>
+                  </a:r>
+                </a:p>
+              </p:txBody>
+            </p:sp>
+          </mc:Fallback>
+        </mc:AlternateContent>
+        <p:sp>
+          <p:nvSpPr>
+            <p:cNvPr id="6" name="Rounded Rectangle 5">
+              <a:extLst>
+                <a:ext uri="{FF2B5EF4-FFF2-40B4-BE49-F238E27FC236}">
+                  <a16:creationId xmlns:a16="http://schemas.microsoft.com/office/drawing/2014/main" id="{55B1AAAB-FB09-5E22-C944-7D3F2BDCCCA8}"/>
+                </a:ext>
+              </a:extLst>
+            </p:cNvPr>
+            <p:cNvSpPr/>
+            <p:nvPr/>
+          </p:nvSpPr>
+          <p:spPr>
+            <a:xfrm>
+              <a:off x="34946805" y="-22901479"/>
+              <a:ext cx="7604742" cy="6812916"/>
+            </a:xfrm>
+            <a:prstGeom prst="roundRect">
+              <a:avLst/>
+            </a:prstGeom>
+            <a:solidFill>
+              <a:schemeClr val="accent5">
+                <a:lumMod val="20000"/>
+                <a:lumOff val="80000"/>
+              </a:schemeClr>
+            </a:solidFill>
+            <a:ln w="76200"/>
+          </p:spPr>
+          <p:style>
+            <a:lnRef idx="2">
+              <a:schemeClr val="accent1">
+                <a:shade val="50000"/>
+              </a:schemeClr>
+            </a:lnRef>
+            <a:fillRef idx="1">
+              <a:schemeClr val="accent1"/>
+            </a:fillRef>
+            <a:effectRef idx="0">
+              <a:schemeClr val="accent1"/>
+            </a:effectRef>
+            <a:fontRef idx="minor">
+              <a:schemeClr val="lt1"/>
+            </a:fontRef>
+          </p:style>
+          <p:txBody>
+            <a:bodyPr rtlCol="0" anchor="ctr"/>
+            <a:lstStyle/>
+            <a:p>
+              <a:pPr algn="ctr"/>
+              <a:endParaRPr lang="en-NO" dirty="0">
+                <a:latin typeface="Arial" panose="020B0604020202020204" pitchFamily="34" charset="0"/>
+                <a:cs typeface="Arial" panose="020B0604020202020204" pitchFamily="34" charset="0"/>
+              </a:endParaRPr>
+            </a:p>
+          </p:txBody>
+        </p:sp>
+        <mc:AlternateContent xmlns:mc="http://schemas.openxmlformats.org/markup-compatibility/2006">
+          <mc:Choice xmlns:a14="http://schemas.microsoft.com/office/drawing/2010/main" Requires="a14">
+            <p:sp>
+              <p:nvSpPr>
+                <p:cNvPr id="7" name="TextBox 6">
+                  <a:extLst>
+                    <a:ext uri="{FF2B5EF4-FFF2-40B4-BE49-F238E27FC236}">
+                      <a16:creationId xmlns:a16="http://schemas.microsoft.com/office/drawing/2014/main" id="{5B0E341F-C65E-9960-E32F-4D92A8844D30}"/>
+                    </a:ext>
+                  </a:extLst>
+                </p:cNvPr>
+                <p:cNvSpPr txBox="1"/>
+                <p:nvPr/>
+              </p:nvSpPr>
+              <p:spPr>
+                <a:xfrm>
+                  <a:off x="8433864" y="-17543486"/>
+                  <a:ext cx="7811720" cy="5706242"/>
+                </a:xfrm>
+                <a:prstGeom prst="rect">
+                  <a:avLst/>
+                </a:prstGeom>
+                <a:noFill/>
+              </p:spPr>
+              <p:txBody>
+                <a:bodyPr wrap="square" rtlCol="0">
+                  <a:spAutoFit/>
+                </a:bodyPr>
+                <a:lstStyle/>
+                <a:p>
+                  <a:r>
+                    <a:rPr lang="en-GB" sz="6000" dirty="0">
+                      <a:latin typeface="Arial" panose="020B0604020202020204" pitchFamily="34" charset="0"/>
+                      <a:cs typeface="Arial" panose="020B0604020202020204" pitchFamily="34" charset="0"/>
+                    </a:rPr>
+                    <a:t>Ionospheric plasma parameters:</a:t>
+                  </a:r>
+                </a:p>
+                <a:p>
+                  <a:pPr marL="857250" indent="-857250">
+                    <a:buFont typeface="Arial" panose="020B0604020202020204" pitchFamily="34" charset="0"/>
+                    <a:buChar char="•"/>
+                  </a:pPr>
+                  <a14:m>
+                    <m:oMath xmlns:m="http://schemas.openxmlformats.org/officeDocument/2006/math">
+                      <m:sSub>
+                        <m:sSubPr>
+                          <m:ctrlPr>
+                            <a:rPr lang="nb-NO" sz="6000" i="1" dirty="0">
+                              <a:latin typeface="Cambria Math" panose="02040503050406030204" pitchFamily="18" charset="0"/>
+                              <a:cs typeface="Arial" panose="020B0604020202020204" pitchFamily="34" charset="0"/>
+                            </a:rPr>
+                          </m:ctrlPr>
+                        </m:sSubPr>
+                        <m:e>
+                          <m:r>
+                            <a:rPr lang="nb-NO" sz="6000" b="0" i="1" dirty="0" smtClean="0">
+                              <a:latin typeface="Cambria Math" panose="02040503050406030204" pitchFamily="18" charset="0"/>
+                              <a:cs typeface="Arial" panose="020B0604020202020204" pitchFamily="34" charset="0"/>
+                            </a:rPr>
+                            <m:t>𝑛</m:t>
+                          </m:r>
+                        </m:e>
+                        <m:sub>
+                          <m:r>
+                            <a:rPr lang="nb-NO" sz="6000" i="1" dirty="0">
+                              <a:latin typeface="Cambria Math" panose="02040503050406030204" pitchFamily="18" charset="0"/>
+                              <a:cs typeface="Arial" panose="020B0604020202020204" pitchFamily="34" charset="0"/>
+                            </a:rPr>
+                            <m:t>𝑒</m:t>
+                          </m:r>
+                        </m:sub>
+                      </m:sSub>
+                    </m:oMath>
+                  </a14:m>
+                  <a:r>
+                    <a:rPr lang="en-GB" sz="6000" dirty="0">
+                      <a:latin typeface="Arial" panose="020B0604020202020204" pitchFamily="34" charset="0"/>
+                      <a:cs typeface="Arial" panose="020B0604020202020204" pitchFamily="34" charset="0"/>
+                    </a:rPr>
+                    <a:t>  [</a:t>
+                  </a:r>
+                  <a14:m>
+                    <m:oMath xmlns:m="http://schemas.openxmlformats.org/officeDocument/2006/math">
+                      <m:sSup>
+                        <m:sSupPr>
+                          <m:ctrlPr>
+                            <a:rPr lang="en-GB" sz="6000" i="1" smtClean="0">
+                              <a:latin typeface="Cambria Math" panose="02040503050406030204" pitchFamily="18" charset="0"/>
+                            </a:rPr>
+                          </m:ctrlPr>
+                        </m:sSupPr>
+                        <m:e>
+                          <m:r>
+                            <a:rPr lang="nb-NO" sz="6000" b="0" i="1" smtClean="0">
+                              <a:latin typeface="Cambria Math" panose="02040503050406030204" pitchFamily="18" charset="0"/>
+                            </a:rPr>
+                            <m:t>4</m:t>
+                          </m:r>
+                          <m:r>
+                            <a:rPr lang="nb-NO" sz="6000" b="0" i="1" smtClean="0">
+                              <a:latin typeface="Cambria Math" panose="02040503050406030204" pitchFamily="18" charset="0"/>
+                            </a:rPr>
+                            <m:t>∗10</m:t>
+                          </m:r>
+                        </m:e>
+                        <m:sup>
+                          <m:r>
+                            <a:rPr lang="nb-NO" sz="6000" b="0" i="1" smtClean="0">
+                              <a:latin typeface="Cambria Math" panose="02040503050406030204" pitchFamily="18" charset="0"/>
+                            </a:rPr>
+                            <m:t>10</m:t>
+                          </m:r>
+                        </m:sup>
+                      </m:sSup>
+                      <m:r>
+                        <a:rPr lang="nb-NO" sz="6000" b="0" i="0" smtClean="0">
+                          <a:latin typeface="Cambria Math" panose="02040503050406030204" pitchFamily="18" charset="0"/>
+                        </a:rPr>
+                        <m:t>− </m:t>
+                      </m:r>
+                    </m:oMath>
+                  </a14:m>
+                  <a:endParaRPr lang="nb-NO" sz="6000" b="0" i="0" dirty="0">
+                    <a:latin typeface="Cambria Math" panose="02040503050406030204" pitchFamily="18" charset="0"/>
+                  </a:endParaRPr>
+                </a:p>
+                <a:p>
+                  <a14:m>
+                    <m:oMath xmlns:m="http://schemas.openxmlformats.org/officeDocument/2006/math">
+                      <m:sSup>
+                        <m:sSupPr>
+                          <m:ctrlPr>
+                            <a:rPr lang="en-GB" sz="6000" i="1">
+                              <a:latin typeface="Cambria Math" panose="02040503050406030204" pitchFamily="18" charset="0"/>
+                            </a:rPr>
+                          </m:ctrlPr>
+                        </m:sSupPr>
+                        <m:e>
+                          <m:r>
+                            <a:rPr lang="nb-NO" sz="6000" b="0" i="1" smtClean="0">
+                              <a:latin typeface="Cambria Math" panose="02040503050406030204" pitchFamily="18" charset="0"/>
+                            </a:rPr>
+                            <m:t>              </m:t>
+                          </m:r>
+                          <m:r>
+                            <a:rPr lang="nb-NO" sz="6000" i="1">
+                              <a:latin typeface="Cambria Math" panose="02040503050406030204" pitchFamily="18" charset="0"/>
+                            </a:rPr>
+                            <m:t>3∗10</m:t>
+                          </m:r>
+                        </m:e>
+                        <m:sup>
+                          <m:r>
+                            <a:rPr lang="nb-NO" sz="6000" i="1">
+                              <a:latin typeface="Cambria Math" panose="02040503050406030204" pitchFamily="18" charset="0"/>
+                            </a:rPr>
+                            <m:t>11</m:t>
+                          </m:r>
+                        </m:sup>
+                      </m:sSup>
+                      <m:sSup>
+                        <m:sSupPr>
+                          <m:ctrlPr>
+                            <a:rPr lang="en-GB" sz="6000" i="1" smtClean="0">
+                              <a:latin typeface="Cambria Math" panose="02040503050406030204" pitchFamily="18" charset="0"/>
+                            </a:rPr>
+                          </m:ctrlPr>
+                        </m:sSupPr>
+                        <m:e>
+                          <m:r>
+                            <a:rPr lang="nb-NO" sz="6000" b="0" i="1" smtClean="0">
+                              <a:latin typeface="Cambria Math" panose="02040503050406030204" pitchFamily="18" charset="0"/>
+                            </a:rPr>
+                            <m:t>𝑚</m:t>
+                          </m:r>
+                        </m:e>
+                        <m:sup>
+                          <m:r>
+                            <a:rPr lang="nb-NO" sz="6000" b="0" i="1" smtClean="0">
+                              <a:latin typeface="Cambria Math" panose="02040503050406030204" pitchFamily="18" charset="0"/>
+                            </a:rPr>
+                            <m:t>−3</m:t>
+                          </m:r>
+                        </m:sup>
+                      </m:sSup>
+                    </m:oMath>
+                  </a14:m>
+                  <a:r>
+                    <a:rPr lang="en-GB" sz="6000" dirty="0">
+                      <a:latin typeface="Arial" panose="020B0604020202020204" pitchFamily="34" charset="0"/>
+                      <a:cs typeface="Arial" panose="020B0604020202020204" pitchFamily="34" charset="0"/>
+                    </a:rPr>
+                    <a:t> ]</a:t>
+                  </a:r>
+                </a:p>
+                <a:p>
+                  <a:pPr marL="857250" indent="-857250">
+                    <a:buFont typeface="Arial" panose="020B0604020202020204" pitchFamily="34" charset="0"/>
+                    <a:buChar char="•"/>
+                  </a:pPr>
+                  <a14:m>
+                    <m:oMath xmlns:m="http://schemas.openxmlformats.org/officeDocument/2006/math">
+                      <m:sSub>
+                        <m:sSubPr>
+                          <m:ctrlPr>
+                            <a:rPr lang="nb-NO" sz="6000" i="1" dirty="0" smtClean="0">
+                              <a:latin typeface="Cambria Math" panose="02040503050406030204" pitchFamily="18" charset="0"/>
+                              <a:cs typeface="Arial" panose="020B0604020202020204" pitchFamily="34" charset="0"/>
+                            </a:rPr>
+                          </m:ctrlPr>
+                        </m:sSubPr>
+                        <m:e>
+                          <m:r>
+                            <a:rPr lang="nb-NO" sz="6000" b="0" i="1" dirty="0" smtClean="0">
+                              <a:latin typeface="Cambria Math" panose="02040503050406030204" pitchFamily="18" charset="0"/>
+                              <a:cs typeface="Arial" panose="020B0604020202020204" pitchFamily="34" charset="0"/>
+                            </a:rPr>
+                            <m:t>𝑇</m:t>
+                          </m:r>
+                        </m:e>
+                        <m:sub>
+                          <m:r>
+                            <a:rPr lang="nb-NO" sz="6000" b="0" i="1" dirty="0" smtClean="0">
+                              <a:latin typeface="Cambria Math" panose="02040503050406030204" pitchFamily="18" charset="0"/>
+                              <a:cs typeface="Arial" panose="020B0604020202020204" pitchFamily="34" charset="0"/>
+                            </a:rPr>
+                            <m:t>𝑒</m:t>
+                          </m:r>
+                        </m:sub>
+                      </m:sSub>
+                    </m:oMath>
+                  </a14:m>
+                  <a:r>
+                    <a:rPr lang="en-GB" sz="6000" dirty="0">
+                      <a:latin typeface="Arial" panose="020B0604020202020204" pitchFamily="34" charset="0"/>
+                      <a:cs typeface="Arial" panose="020B0604020202020204" pitchFamily="34" charset="0"/>
+                    </a:rPr>
+                    <a:t> [300 – 2800 K]</a:t>
+                  </a:r>
+                </a:p>
+                <a:p>
+                  <a:pPr marL="857250" indent="-857250">
+                    <a:buFont typeface="Arial" panose="020B0604020202020204" pitchFamily="34" charset="0"/>
+                    <a:buChar char="•"/>
+                  </a:pPr>
+                  <a14:m>
+                    <m:oMath xmlns:m="http://schemas.openxmlformats.org/officeDocument/2006/math">
+                      <m:sSub>
+                        <m:sSubPr>
+                          <m:ctrlPr>
+                            <a:rPr lang="nb-NO" sz="6000" i="1" dirty="0" smtClean="0">
+                              <a:latin typeface="Cambria Math" panose="02040503050406030204" pitchFamily="18" charset="0"/>
+                              <a:cs typeface="Arial" panose="020B0604020202020204" pitchFamily="34" charset="0"/>
+                            </a:rPr>
+                          </m:ctrlPr>
+                        </m:sSubPr>
+                        <m:e>
+                          <m:r>
+                            <a:rPr lang="nb-NO" sz="6000" b="0" i="1" dirty="0" smtClean="0">
+                              <a:latin typeface="Cambria Math" panose="02040503050406030204" pitchFamily="18" charset="0"/>
+                              <a:cs typeface="Arial" panose="020B0604020202020204" pitchFamily="34" charset="0"/>
+                            </a:rPr>
+                            <m:t>𝑉</m:t>
+                          </m:r>
+                        </m:e>
+                        <m:sub>
+                          <m:r>
+                            <a:rPr lang="nb-NO" sz="6000" b="0" i="1" dirty="0" smtClean="0">
+                              <a:latin typeface="Cambria Math" panose="02040503050406030204" pitchFamily="18" charset="0"/>
+                              <a:cs typeface="Arial" panose="020B0604020202020204" pitchFamily="34" charset="0"/>
+                            </a:rPr>
+                            <m:t>𝑓</m:t>
+                          </m:r>
+                        </m:sub>
+                      </m:sSub>
+                    </m:oMath>
+                  </a14:m>
+                  <a:r>
+                    <a:rPr lang="en-GB" sz="6000" dirty="0">
+                      <a:latin typeface="Arial" panose="020B0604020202020204" pitchFamily="34" charset="0"/>
+                      <a:cs typeface="Arial" panose="020B0604020202020204" pitchFamily="34" charset="0"/>
+                    </a:rPr>
+                    <a:t> [-2 – 0 V] </a:t>
+                  </a:r>
+                  <a:endParaRPr lang="en-NO" sz="6000" dirty="0">
+                    <a:latin typeface="Arial" panose="020B0604020202020204" pitchFamily="34" charset="0"/>
+                    <a:cs typeface="Arial" panose="020B0604020202020204" pitchFamily="34" charset="0"/>
+                  </a:endParaRPr>
+                </a:p>
+              </p:txBody>
+            </p:sp>
+          </mc:Choice>
+          <mc:Fallback>
+            <p:sp>
+              <p:nvSpPr>
+                <p:cNvPr id="7" name="TextBox 6">
+                  <a:extLst>
+                    <a:ext uri="{FF2B5EF4-FFF2-40B4-BE49-F238E27FC236}">
+                      <a16:creationId xmlns:a16="http://schemas.microsoft.com/office/drawing/2014/main" id="{5B0E341F-C65E-9960-E32F-4D92A8844D30}"/>
+                    </a:ext>
+                  </a:extLst>
+                </p:cNvPr>
+                <p:cNvSpPr txBox="1">
+                  <a:spLocks noRot="1" noChangeAspect="1" noMove="1" noResize="1" noEditPoints="1" noAdjustHandles="1" noChangeArrowheads="1" noChangeShapeType="1" noTextEdit="1"/>
+                </p:cNvSpPr>
+                <p:nvPr/>
+              </p:nvSpPr>
+              <p:spPr>
+                <a:xfrm>
+                  <a:off x="8433864" y="-17543486"/>
+                  <a:ext cx="7811720" cy="5706242"/>
+                </a:xfrm>
+                <a:prstGeom prst="rect">
+                  <a:avLst/>
+                </a:prstGeom>
+                <a:blipFill>
+                  <a:blip r:embed="rId4"/>
+                  <a:stretch>
+                    <a:fillRect l="-4708" t="-3333" b="-4667"/>
+                  </a:stretch>
+                </a:blipFill>
+              </p:spPr>
+              <p:txBody>
+                <a:bodyPr/>
+                <a:lstStyle/>
+                <a:p>
+                  <a:r>
+                    <a:rPr lang="en-NO">
+                      <a:noFill/>
+                    </a:rPr>
+                    <a:t> </a:t>
+                  </a:r>
+                </a:p>
+              </p:txBody>
+            </p:sp>
+          </mc:Fallback>
+        </mc:AlternateContent>
+        <p:sp>
+          <p:nvSpPr>
+            <p:cNvPr id="10" name="Rounded Rectangle 9">
+              <a:extLst>
+                <a:ext uri="{FF2B5EF4-FFF2-40B4-BE49-F238E27FC236}">
+                  <a16:creationId xmlns:a16="http://schemas.microsoft.com/office/drawing/2014/main" id="{CC358B4D-4972-F4C4-9E35-2CB5A3F85DBB}"/>
+                </a:ext>
+              </a:extLst>
+            </p:cNvPr>
+            <p:cNvSpPr/>
+            <p:nvPr/>
+          </p:nvSpPr>
+          <p:spPr>
+            <a:xfrm>
+              <a:off x="34946805" y="-15950247"/>
+              <a:ext cx="7604742" cy="1938992"/>
+            </a:xfrm>
+            <a:prstGeom prst="roundRect">
+              <a:avLst/>
+            </a:prstGeom>
+            <a:solidFill>
+              <a:schemeClr val="accent5">
+                <a:lumMod val="20000"/>
+                <a:lumOff val="80000"/>
+              </a:schemeClr>
+            </a:solidFill>
+            <a:ln w="76200"/>
+          </p:spPr>
+          <p:style>
+            <a:lnRef idx="2">
+              <a:schemeClr val="accent1">
+                <a:shade val="50000"/>
+              </a:schemeClr>
+            </a:lnRef>
+            <a:fillRef idx="1">
+              <a:schemeClr val="accent1"/>
+            </a:fillRef>
+            <a:effectRef idx="0">
+              <a:schemeClr val="accent1"/>
+            </a:effectRef>
+            <a:fontRef idx="minor">
+              <a:schemeClr val="lt1"/>
+            </a:fontRef>
+          </p:style>
+          <p:txBody>
+            <a:bodyPr rtlCol="0" anchor="ctr"/>
+            <a:lstStyle/>
+            <a:p>
+              <a:pPr algn="ctr"/>
+              <a:endParaRPr lang="en-NO" dirty="0">
+                <a:latin typeface="Arial" panose="020B0604020202020204" pitchFamily="34" charset="0"/>
+                <a:cs typeface="Arial" panose="020B0604020202020204" pitchFamily="34" charset="0"/>
+              </a:endParaRPr>
+            </a:p>
+          </p:txBody>
+        </p:sp>
+        <p:sp>
+          <p:nvSpPr>
+            <p:cNvPr id="11" name="Rounded Rectangle 10">
+              <a:extLst>
+                <a:ext uri="{FF2B5EF4-FFF2-40B4-BE49-F238E27FC236}">
+                  <a16:creationId xmlns:a16="http://schemas.microsoft.com/office/drawing/2014/main" id="{D903E996-ED5B-485C-9088-EC7F94DA86E7}"/>
+                </a:ext>
+              </a:extLst>
+            </p:cNvPr>
+            <p:cNvSpPr/>
+            <p:nvPr/>
+          </p:nvSpPr>
+          <p:spPr>
+            <a:xfrm>
+              <a:off x="25306734" y="-19585706"/>
+              <a:ext cx="5405762" cy="5225238"/>
+            </a:xfrm>
+            <a:prstGeom prst="roundRect">
+              <a:avLst/>
+            </a:prstGeom>
+            <a:solidFill>
+              <a:schemeClr val="accent4">
+                <a:lumMod val="20000"/>
+                <a:lumOff val="80000"/>
+              </a:schemeClr>
+            </a:solidFill>
+            <a:ln w="76200"/>
+          </p:spPr>
+          <p:style>
+            <a:lnRef idx="2">
+              <a:schemeClr val="accent1">
+                <a:shade val="50000"/>
+              </a:schemeClr>
+            </a:lnRef>
+            <a:fillRef idx="1">
+              <a:schemeClr val="accent1"/>
+            </a:fillRef>
+            <a:effectRef idx="0">
+              <a:schemeClr val="accent1"/>
+            </a:effectRef>
+            <a:fontRef idx="minor">
+              <a:schemeClr val="lt1"/>
+            </a:fontRef>
+          </p:style>
+          <p:txBody>
+            <a:bodyPr rtlCol="0" anchor="ctr"/>
+            <a:lstStyle/>
+            <a:p>
+              <a:pPr algn="ctr"/>
+              <a:endParaRPr lang="en-NO" dirty="0">
+                <a:latin typeface="Arial" panose="020B0604020202020204" pitchFamily="34" charset="0"/>
+                <a:cs typeface="Arial" panose="020B0604020202020204" pitchFamily="34" charset="0"/>
+              </a:endParaRPr>
+            </a:p>
+          </p:txBody>
+        </p:sp>
+        <p:sp>
+          <p:nvSpPr>
+            <p:cNvPr id="12" name="TextBox 11">
+              <a:extLst>
+                <a:ext uri="{FF2B5EF4-FFF2-40B4-BE49-F238E27FC236}">
+                  <a16:creationId xmlns:a16="http://schemas.microsoft.com/office/drawing/2014/main" id="{C8D47600-7915-2806-35E9-08B7F7028185}"/>
+                </a:ext>
+              </a:extLst>
+            </p:cNvPr>
+            <p:cNvSpPr txBox="1"/>
+            <p:nvPr/>
+          </p:nvSpPr>
+          <p:spPr>
+            <a:xfrm>
+              <a:off x="27592825" y="-19296392"/>
+              <a:ext cx="695624" cy="3323987"/>
+            </a:xfrm>
+            <a:prstGeom prst="rect">
+              <a:avLst/>
+            </a:prstGeom>
+            <a:noFill/>
+          </p:spPr>
+          <p:txBody>
+            <a:bodyPr wrap="square" rtlCol="0">
+              <a:spAutoFit/>
+            </a:bodyPr>
+            <a:lstStyle/>
+            <a:p>
+              <a:r>
+                <a:rPr lang="nb-NO" sz="15000" dirty="0">
+                  <a:latin typeface="Arial" panose="020B0604020202020204" pitchFamily="34" charset="0"/>
+                  <a:cs typeface="Arial" panose="020B0604020202020204" pitchFamily="34" charset="0"/>
+                </a:rPr>
+                <a:t>I</a:t>
+              </a:r>
+            </a:p>
+            <a:p>
+              <a:endParaRPr lang="en-NO" sz="6000" dirty="0">
+                <a:latin typeface="Arial" panose="020B0604020202020204" pitchFamily="34" charset="0"/>
+                <a:cs typeface="Arial" panose="020B0604020202020204" pitchFamily="34" charset="0"/>
+              </a:endParaRPr>
+            </a:p>
+          </p:txBody>
+        </p:sp>
+        <p:sp>
+          <p:nvSpPr>
+            <p:cNvPr id="13" name="TextBox 12">
+              <a:extLst>
+                <a:ext uri="{FF2B5EF4-FFF2-40B4-BE49-F238E27FC236}">
+                  <a16:creationId xmlns:a16="http://schemas.microsoft.com/office/drawing/2014/main" id="{5A600743-A27E-E88E-2C83-ED218981BA36}"/>
+                </a:ext>
+              </a:extLst>
+            </p:cNvPr>
+            <p:cNvSpPr txBox="1"/>
+            <p:nvPr/>
+          </p:nvSpPr>
+          <p:spPr>
+            <a:xfrm>
+              <a:off x="26521024" y="-16795971"/>
+              <a:ext cx="3144575" cy="1938992"/>
+            </a:xfrm>
+            <a:prstGeom prst="rect">
+              <a:avLst/>
+            </a:prstGeom>
+            <a:noFill/>
+          </p:spPr>
+          <p:txBody>
+            <a:bodyPr wrap="square" rtlCol="0">
+              <a:spAutoFit/>
+            </a:bodyPr>
+            <a:lstStyle/>
+            <a:p>
+              <a:pPr algn="ctr"/>
+              <a:r>
+                <a:rPr lang="nb-NO" sz="6000" dirty="0">
+                  <a:latin typeface="Arial" panose="020B0604020202020204" pitchFamily="34" charset="0"/>
+                  <a:cs typeface="Arial" panose="020B0604020202020204" pitchFamily="34" charset="0"/>
+                </a:rPr>
+                <a:t>derived currents</a:t>
+              </a:r>
+            </a:p>
+          </p:txBody>
+        </p:sp>
+        <p:cxnSp>
+          <p:nvCxnSpPr>
+            <p:cNvPr id="15" name="Straight Arrow Connector 14">
+              <a:extLst>
+                <a:ext uri="{FF2B5EF4-FFF2-40B4-BE49-F238E27FC236}">
+                  <a16:creationId xmlns:a16="http://schemas.microsoft.com/office/drawing/2014/main" id="{425D7F4B-97D9-916A-1CC8-B9F5F1A8D97B}"/>
+                </a:ext>
+              </a:extLst>
+            </p:cNvPr>
+            <p:cNvCxnSpPr>
+              <a:cxnSpLocks/>
+              <a:stCxn id="4" idx="3"/>
+              <a:endCxn id="11" idx="1"/>
+            </p:cNvCxnSpPr>
+            <p:nvPr/>
+          </p:nvCxnSpPr>
+          <p:spPr>
+            <a:xfrm>
+              <a:off x="17073969" y="-16977655"/>
+              <a:ext cx="8232765" cy="4568"/>
+            </a:xfrm>
+            <a:prstGeom prst="straightConnector1">
+              <a:avLst/>
+            </a:prstGeom>
+            <a:ln w="101600">
+              <a:solidFill>
+                <a:schemeClr val="accent1"/>
+              </a:solidFill>
+              <a:tailEnd type="triangle"/>
+            </a:ln>
+          </p:spPr>
+          <p:style>
+            <a:lnRef idx="1">
+              <a:schemeClr val="accent1"/>
+            </a:lnRef>
+            <a:fillRef idx="0">
+              <a:schemeClr val="accent1"/>
+            </a:fillRef>
+            <a:effectRef idx="0">
+              <a:schemeClr val="accent1"/>
+            </a:effectRef>
+            <a:fontRef idx="minor">
+              <a:schemeClr val="tx1"/>
+            </a:fontRef>
+          </p:style>
+        </p:cxnSp>
+        <p:cxnSp>
+          <p:nvCxnSpPr>
+            <p:cNvPr id="16" name="Straight Arrow Connector 15">
+              <a:extLst>
+                <a:ext uri="{FF2B5EF4-FFF2-40B4-BE49-F238E27FC236}">
+                  <a16:creationId xmlns:a16="http://schemas.microsoft.com/office/drawing/2014/main" id="{4617C622-4417-BECA-ECBD-D7B2B1414344}"/>
+                </a:ext>
+              </a:extLst>
+            </p:cNvPr>
+            <p:cNvCxnSpPr>
+              <a:cxnSpLocks/>
+              <a:stCxn id="11" idx="3"/>
+            </p:cNvCxnSpPr>
+            <p:nvPr/>
+          </p:nvCxnSpPr>
+          <p:spPr>
+            <a:xfrm>
+              <a:off x="30712496" y="-16973087"/>
+              <a:ext cx="4276330" cy="0"/>
+            </a:xfrm>
+            <a:prstGeom prst="straightConnector1">
+              <a:avLst/>
+            </a:prstGeom>
+            <a:ln w="101600">
+              <a:solidFill>
+                <a:schemeClr val="accent1"/>
+              </a:solidFill>
+              <a:tailEnd type="triangle"/>
+            </a:ln>
+          </p:spPr>
+          <p:style>
+            <a:lnRef idx="1">
+              <a:schemeClr val="accent1"/>
+            </a:lnRef>
+            <a:fillRef idx="0">
+              <a:schemeClr val="accent1"/>
+            </a:fillRef>
+            <a:effectRef idx="0">
+              <a:schemeClr val="accent1"/>
+            </a:effectRef>
+            <a:fontRef idx="minor">
+              <a:schemeClr val="tx1"/>
+            </a:fontRef>
+          </p:style>
+        </p:cxnSp>
+        <p:sp>
+          <p:nvSpPr>
+            <p:cNvPr id="19" name="TextBox 18">
+              <a:extLst>
+                <a:ext uri="{FF2B5EF4-FFF2-40B4-BE49-F238E27FC236}">
+                  <a16:creationId xmlns:a16="http://schemas.microsoft.com/office/drawing/2014/main" id="{B37A1753-19E2-73D8-5B14-645E88FC8212}"/>
+                </a:ext>
+              </a:extLst>
+            </p:cNvPr>
+            <p:cNvSpPr txBox="1"/>
+            <p:nvPr/>
+          </p:nvSpPr>
+          <p:spPr>
+            <a:xfrm>
+              <a:off x="35095532" y="-18429351"/>
+              <a:ext cx="7307283" cy="1015663"/>
+            </a:xfrm>
+            <a:prstGeom prst="rect">
+              <a:avLst/>
+            </a:prstGeom>
+            <a:noFill/>
+          </p:spPr>
+          <p:txBody>
+            <a:bodyPr wrap="square" rtlCol="0">
+              <a:spAutoFit/>
+            </a:bodyPr>
+            <a:lstStyle/>
+            <a:p>
+              <a:pPr algn="ctr"/>
+              <a:r>
+                <a:rPr lang="en-GB" sz="6000" dirty="0">
+                  <a:latin typeface="Arial" panose="020B0604020202020204" pitchFamily="34" charset="0"/>
+                  <a:cs typeface="Arial" panose="020B0604020202020204" pitchFamily="34" charset="0"/>
+                </a:rPr>
+                <a:t>70% Training </a:t>
+              </a:r>
+            </a:p>
+          </p:txBody>
+        </p:sp>
+        <p:sp>
+          <p:nvSpPr>
+            <p:cNvPr id="20" name="TextBox 19">
+              <a:extLst>
+                <a:ext uri="{FF2B5EF4-FFF2-40B4-BE49-F238E27FC236}">
+                  <a16:creationId xmlns:a16="http://schemas.microsoft.com/office/drawing/2014/main" id="{F83720F6-DA06-7027-D0AC-9AD5B643BD7E}"/>
+                </a:ext>
+              </a:extLst>
+            </p:cNvPr>
+            <p:cNvSpPr txBox="1"/>
+            <p:nvPr/>
+          </p:nvSpPr>
+          <p:spPr>
+            <a:xfrm>
+              <a:off x="34790038" y="-15395204"/>
+              <a:ext cx="7918272" cy="1015663"/>
+            </a:xfrm>
+            <a:prstGeom prst="rect">
+              <a:avLst/>
+            </a:prstGeom>
+            <a:noFill/>
+          </p:spPr>
+          <p:txBody>
+            <a:bodyPr wrap="square" rtlCol="0">
+              <a:spAutoFit/>
+            </a:bodyPr>
+            <a:lstStyle/>
+            <a:p>
+              <a:pPr algn="ctr"/>
+              <a:r>
+                <a:rPr lang="en-GB" sz="6000" dirty="0">
+                  <a:latin typeface="Arial" panose="020B0604020202020204" pitchFamily="34" charset="0"/>
+                  <a:cs typeface="Arial" panose="020B0604020202020204" pitchFamily="34" charset="0"/>
+                </a:rPr>
+                <a:t>10% Validation</a:t>
+              </a:r>
+            </a:p>
+          </p:txBody>
+        </p:sp>
+        <p:sp>
+          <p:nvSpPr>
+            <p:cNvPr id="23" name="TextBox 22">
+              <a:extLst>
+                <a:ext uri="{FF2B5EF4-FFF2-40B4-BE49-F238E27FC236}">
+                  <a16:creationId xmlns:a16="http://schemas.microsoft.com/office/drawing/2014/main" id="{61C8F121-E3D2-3606-632F-ED14152B00A4}"/>
+                </a:ext>
+              </a:extLst>
+            </p:cNvPr>
+            <p:cNvSpPr txBox="1"/>
+            <p:nvPr/>
+          </p:nvSpPr>
+          <p:spPr>
+            <a:xfrm>
+              <a:off x="9087449" y="-22047821"/>
+              <a:ext cx="7361207" cy="2123658"/>
+            </a:xfrm>
+            <a:prstGeom prst="rect">
+              <a:avLst/>
+            </a:prstGeom>
+            <a:noFill/>
+          </p:spPr>
+          <p:txBody>
+            <a:bodyPr wrap="square" rtlCol="0">
+              <a:spAutoFit/>
+            </a:bodyPr>
+            <a:lstStyle/>
+            <a:p>
+              <a:r>
+                <a:rPr lang="nb-NO" sz="7200" dirty="0">
+                  <a:latin typeface="Arial" panose="020B0604020202020204" pitchFamily="34" charset="0"/>
+                  <a:cs typeface="Arial" panose="020B0604020202020204" pitchFamily="34" charset="0"/>
+                </a:rPr>
+                <a:t>Synthetic Data:</a:t>
+              </a:r>
+            </a:p>
+            <a:p>
+              <a:endParaRPr lang="en-NO" sz="6000" dirty="0">
+                <a:latin typeface="Arial" panose="020B0604020202020204" pitchFamily="34" charset="0"/>
+                <a:cs typeface="Arial" panose="020B0604020202020204" pitchFamily="34" charset="0"/>
+              </a:endParaRPr>
+            </a:p>
+          </p:txBody>
+        </p:sp>
+        <p:sp>
+          <p:nvSpPr>
+            <p:cNvPr id="24" name="TextBox 23">
+              <a:extLst>
+                <a:ext uri="{FF2B5EF4-FFF2-40B4-BE49-F238E27FC236}">
+                  <a16:creationId xmlns:a16="http://schemas.microsoft.com/office/drawing/2014/main" id="{C8A61818-BEC6-BD91-5BA9-76B7B33D7FD8}"/>
+                </a:ext>
+              </a:extLst>
+            </p:cNvPr>
+            <p:cNvSpPr txBox="1"/>
+            <p:nvPr/>
+          </p:nvSpPr>
+          <p:spPr>
+            <a:xfrm>
+              <a:off x="18488977" y="-19585706"/>
+              <a:ext cx="6225420" cy="4847481"/>
+            </a:xfrm>
+            <a:prstGeom prst="rect">
+              <a:avLst/>
+            </a:prstGeom>
+            <a:noFill/>
+          </p:spPr>
+          <p:txBody>
+            <a:bodyPr wrap="square" rtlCol="0">
+              <a:spAutoFit/>
+            </a:bodyPr>
+            <a:lstStyle/>
+            <a:p>
+              <a:r>
+                <a:rPr lang="en-GB" sz="7200" dirty="0">
+                  <a:latin typeface="Arial" panose="020B0604020202020204" pitchFamily="34" charset="0"/>
+                  <a:cs typeface="Arial" panose="020B0604020202020204" pitchFamily="34" charset="0"/>
+                </a:rPr>
+                <a:t>Langmuir Library:</a:t>
+              </a:r>
+            </a:p>
+            <a:p>
+              <a:endParaRPr lang="en-GB" sz="5500" dirty="0">
+                <a:latin typeface="Arial" panose="020B0604020202020204" pitchFamily="34" charset="0"/>
+                <a:cs typeface="Arial" panose="020B0604020202020204" pitchFamily="34" charset="0"/>
+              </a:endParaRPr>
+            </a:p>
+            <a:p>
+              <a:r>
+                <a:rPr lang="en-GB" sz="5500" dirty="0">
+                  <a:latin typeface="Arial" panose="020B0604020202020204" pitchFamily="34" charset="0"/>
+                  <a:cs typeface="Arial" panose="020B0604020202020204" pitchFamily="34" charset="0"/>
+                </a:rPr>
+                <a:t>Finite length model</a:t>
+              </a:r>
+            </a:p>
+            <a:p>
+              <a:r>
+                <a:rPr lang="en-GB" sz="5500" dirty="0">
+                  <a:latin typeface="Arial" panose="020B0604020202020204" pitchFamily="34" charset="0"/>
+                  <a:cs typeface="Arial" panose="020B0604020202020204" pitchFamily="34" charset="0"/>
+                </a:rPr>
+                <a:t>Finite radius model</a:t>
+              </a:r>
+            </a:p>
+          </p:txBody>
+        </p:sp>
+        <mc:AlternateContent xmlns:mc="http://schemas.openxmlformats.org/markup-compatibility/2006">
+          <mc:Choice xmlns:a14="http://schemas.microsoft.com/office/drawing/2010/main" Requires="a14">
+            <p:sp>
+              <p:nvSpPr>
+                <p:cNvPr id="36" name="TextBox 35">
+                  <a:extLst>
+                    <a:ext uri="{FF2B5EF4-FFF2-40B4-BE49-F238E27FC236}">
+                      <a16:creationId xmlns:a16="http://schemas.microsoft.com/office/drawing/2014/main" id="{ED9AAE12-14A2-820A-E363-3E596DC90A01}"/>
+                    </a:ext>
+                  </a:extLst>
+                </p:cNvPr>
+                <p:cNvSpPr txBox="1"/>
+                <p:nvPr/>
+              </p:nvSpPr>
+              <p:spPr>
+                <a:xfrm>
+                  <a:off x="31456962" y="-18173755"/>
+                  <a:ext cx="6284064" cy="1196099"/>
+                </a:xfrm>
+                <a:prstGeom prst="rect">
+                  <a:avLst/>
+                </a:prstGeom>
+                <a:noFill/>
+              </p:spPr>
+              <p:txBody>
+                <a:bodyPr wrap="square" rtlCol="0">
+                  <a:spAutoFit/>
+                </a:bodyPr>
+                <a:lstStyle/>
+                <a:p>
+                  <a14:m>
+                    <m:oMath xmlns:m="http://schemas.openxmlformats.org/officeDocument/2006/math">
+                      <m:r>
+                        <a:rPr lang="nb-NO" sz="7200" i="1">
+                          <a:latin typeface="Cambria Math" panose="02040503050406030204" pitchFamily="18" charset="0"/>
+                        </a:rPr>
+                        <m:t>𝐼</m:t>
+                      </m:r>
+                    </m:oMath>
+                  </a14:m>
+                  <a:r>
+                    <a:rPr lang="en-GB" sz="7200" dirty="0">
+                      <a:latin typeface="Arial" panose="020B0604020202020204" pitchFamily="34" charset="0"/>
+                      <a:cs typeface="Arial" panose="020B0604020202020204" pitchFamily="34" charset="0"/>
+                    </a:rPr>
+                    <a:t> &amp; </a:t>
+                  </a:r>
+                  <a14:m>
+                    <m:oMath xmlns:m="http://schemas.openxmlformats.org/officeDocument/2006/math">
+                      <m:sSub>
+                        <m:sSubPr>
+                          <m:ctrlPr>
+                            <a:rPr lang="nb-NO" sz="7200" i="1" dirty="0" smtClean="0">
+                              <a:latin typeface="Cambria Math" panose="02040503050406030204" pitchFamily="18" charset="0"/>
+                              <a:cs typeface="Arial" panose="020B0604020202020204" pitchFamily="34" charset="0"/>
+                            </a:rPr>
+                          </m:ctrlPr>
+                        </m:sSubPr>
+                        <m:e>
+                          <m:r>
+                            <a:rPr lang="nb-NO" sz="7200" b="0" i="1" dirty="0" smtClean="0">
+                              <a:latin typeface="Cambria Math" panose="02040503050406030204" pitchFamily="18" charset="0"/>
+                              <a:cs typeface="Arial" panose="020B0604020202020204" pitchFamily="34" charset="0"/>
+                            </a:rPr>
+                            <m:t>𝑇</m:t>
+                          </m:r>
+                        </m:e>
+                        <m:sub>
+                          <m:r>
+                            <a:rPr lang="nb-NO" sz="7200" b="0" i="1" dirty="0" smtClean="0">
+                              <a:latin typeface="Cambria Math" panose="02040503050406030204" pitchFamily="18" charset="0"/>
+                              <a:cs typeface="Arial" panose="020B0604020202020204" pitchFamily="34" charset="0"/>
+                            </a:rPr>
+                            <m:t>𝑒</m:t>
+                          </m:r>
+                        </m:sub>
+                      </m:sSub>
+                    </m:oMath>
+                  </a14:m>
+                  <a:endParaRPr lang="en-GB" sz="6000" dirty="0">
+                    <a:latin typeface="Arial" panose="020B0604020202020204" pitchFamily="34" charset="0"/>
+                    <a:cs typeface="Arial" panose="020B0604020202020204" pitchFamily="34" charset="0"/>
+                  </a:endParaRPr>
+                </a:p>
+              </p:txBody>
+            </p:sp>
+          </mc:Choice>
+          <mc:Fallback>
+            <p:sp>
+              <p:nvSpPr>
+                <p:cNvPr id="36" name="TextBox 35">
+                  <a:extLst>
+                    <a:ext uri="{FF2B5EF4-FFF2-40B4-BE49-F238E27FC236}">
+                      <a16:creationId xmlns:a16="http://schemas.microsoft.com/office/drawing/2014/main" id="{ED9AAE12-14A2-820A-E363-3E596DC90A01}"/>
+                    </a:ext>
+                  </a:extLst>
+                </p:cNvPr>
+                <p:cNvSpPr txBox="1">
+                  <a:spLocks noRot="1" noChangeAspect="1" noMove="1" noResize="1" noEditPoints="1" noAdjustHandles="1" noChangeArrowheads="1" noChangeShapeType="1" noTextEdit="1"/>
+                </p:cNvSpPr>
+                <p:nvPr/>
+              </p:nvSpPr>
+              <p:spPr>
+                <a:xfrm>
+                  <a:off x="31456962" y="-18173755"/>
+                  <a:ext cx="6284064" cy="1196099"/>
+                </a:xfrm>
+                <a:prstGeom prst="rect">
+                  <a:avLst/>
+                </a:prstGeom>
+                <a:blipFill>
+                  <a:blip r:embed="rId5"/>
+                  <a:stretch>
+                    <a:fillRect l="-3226" t="-20000" b="-41053"/>
+                  </a:stretch>
+                </a:blipFill>
+              </p:spPr>
+              <p:txBody>
+                <a:bodyPr/>
+                <a:lstStyle/>
+                <a:p>
+                  <a:r>
+                    <a:rPr lang="en-NO">
+                      <a:noFill/>
+                    </a:rPr>
+                    <a:t> </a:t>
+                  </a:r>
+                </a:p>
+              </p:txBody>
+            </p:sp>
+          </mc:Fallback>
+        </mc:AlternateContent>
+        <p:sp>
+          <p:nvSpPr>
+            <p:cNvPr id="153" name="TextBox 152">
+              <a:extLst>
+                <a:ext uri="{FF2B5EF4-FFF2-40B4-BE49-F238E27FC236}">
+                  <a16:creationId xmlns:a16="http://schemas.microsoft.com/office/drawing/2014/main" id="{DFDFB670-23C7-4602-2E96-9B85B52B6A65}"/>
+                </a:ext>
+              </a:extLst>
+            </p:cNvPr>
+            <p:cNvSpPr txBox="1"/>
+            <p:nvPr/>
+          </p:nvSpPr>
+          <p:spPr>
+            <a:xfrm>
+              <a:off x="7599281" y="-24097389"/>
+              <a:ext cx="6225420" cy="1200329"/>
+            </a:xfrm>
+            <a:prstGeom prst="rect">
+              <a:avLst/>
+            </a:prstGeom>
+            <a:noFill/>
+          </p:spPr>
+          <p:txBody>
+            <a:bodyPr wrap="square" rtlCol="0">
+              <a:spAutoFit/>
+            </a:bodyPr>
+            <a:lstStyle/>
+            <a:p>
+              <a:r>
+                <a:rPr lang="en-GB" sz="7200" dirty="0">
+                  <a:latin typeface="Arial" panose="020B0604020202020204" pitchFamily="34" charset="0"/>
+                  <a:cs typeface="Arial" panose="020B0604020202020204" pitchFamily="34" charset="0"/>
+                </a:rPr>
+                <a:t>STEP 1:</a:t>
+              </a:r>
+              <a:endParaRPr lang="en-GB" sz="6000" dirty="0">
+                <a:latin typeface="Arial" panose="020B0604020202020204" pitchFamily="34" charset="0"/>
+                <a:cs typeface="Arial" panose="020B0604020202020204" pitchFamily="34" charset="0"/>
+              </a:endParaRPr>
+            </a:p>
+          </p:txBody>
+        </p:sp>
+        <p:sp>
+          <p:nvSpPr>
+            <p:cNvPr id="178" name="TextBox 177">
+              <a:extLst>
+                <a:ext uri="{FF2B5EF4-FFF2-40B4-BE49-F238E27FC236}">
+                  <a16:creationId xmlns:a16="http://schemas.microsoft.com/office/drawing/2014/main" id="{A0F2C5A8-D0D9-44C5-4A40-705F7ACF84A6}"/>
+                </a:ext>
+              </a:extLst>
+            </p:cNvPr>
+            <p:cNvSpPr txBox="1"/>
+            <p:nvPr/>
+          </p:nvSpPr>
+          <p:spPr>
+            <a:xfrm>
+              <a:off x="35268488" y="-21664385"/>
+              <a:ext cx="7223876" cy="1200329"/>
+            </a:xfrm>
+            <a:prstGeom prst="rect">
+              <a:avLst/>
+            </a:prstGeom>
+            <a:noFill/>
+          </p:spPr>
+          <p:txBody>
+            <a:bodyPr wrap="square" rtlCol="0">
+              <a:spAutoFit/>
+            </a:bodyPr>
+            <a:lstStyle/>
+            <a:p>
+              <a:pPr algn="ctr"/>
+              <a:r>
+                <a:rPr lang="en-GB" sz="7200" dirty="0">
+                  <a:latin typeface="Arial" panose="020B0604020202020204" pitchFamily="34" charset="0"/>
+                  <a:cs typeface="Arial" panose="020B0604020202020204" pitchFamily="34" charset="0"/>
+                </a:rPr>
+                <a:t>Synthetic Data:</a:t>
+              </a:r>
+            </a:p>
+          </p:txBody>
+        </p:sp>
+      </p:grpSp>
+      <p:grpSp>
+        <p:nvGrpSpPr>
+          <p:cNvPr id="254" name="Group 253">
+            <a:extLst>
+              <a:ext uri="{FF2B5EF4-FFF2-40B4-BE49-F238E27FC236}">
+                <a16:creationId xmlns:a16="http://schemas.microsoft.com/office/drawing/2014/main" id="{9D2D6F4E-D748-9860-925C-754824798A1B}"/>
+              </a:ext>
+            </a:extLst>
+          </p:cNvPr>
+          <p:cNvGrpSpPr/>
+          <p:nvPr/>
+        </p:nvGrpSpPr>
+        <p:grpSpPr>
+          <a:xfrm>
+            <a:off x="-24757604" y="9641344"/>
+            <a:ext cx="34952265" cy="12995158"/>
+            <a:chOff x="-24757604" y="9641344"/>
+            <a:chExt cx="34952265" cy="12995158"/>
+          </a:xfrm>
+        </p:grpSpPr>
+        <p:sp>
+          <p:nvSpPr>
+            <p:cNvPr id="134" name="Rounded Rectangle 133">
+              <a:extLst>
+                <a:ext uri="{FF2B5EF4-FFF2-40B4-BE49-F238E27FC236}">
+                  <a16:creationId xmlns:a16="http://schemas.microsoft.com/office/drawing/2014/main" id="{A8440408-6510-A6FE-098A-1C63AA886791}"/>
+                </a:ext>
+              </a:extLst>
+            </p:cNvPr>
+            <p:cNvSpPr/>
+            <p:nvPr/>
+          </p:nvSpPr>
+          <p:spPr>
+            <a:xfrm>
+              <a:off x="2938597" y="10834400"/>
+              <a:ext cx="7256064" cy="11607165"/>
+            </a:xfrm>
+            <a:prstGeom prst="roundRect">
+              <a:avLst/>
+            </a:prstGeom>
+            <a:solidFill>
+              <a:srgbClr val="FF2600">
+                <a:alpha val="50196"/>
+              </a:srgbClr>
+            </a:solidFill>
+            <a:ln w="76200"/>
+          </p:spPr>
+          <p:style>
+            <a:lnRef idx="2">
+              <a:schemeClr val="accent1">
+                <a:shade val="50000"/>
+              </a:schemeClr>
+            </a:lnRef>
+            <a:fillRef idx="1">
+              <a:schemeClr val="accent1"/>
+            </a:fillRef>
+            <a:effectRef idx="0">
+              <a:schemeClr val="accent1"/>
+            </a:effectRef>
+            <a:fontRef idx="minor">
+              <a:schemeClr val="lt1"/>
+            </a:fontRef>
+          </p:style>
+          <p:txBody>
+            <a:bodyPr rtlCol="0" anchor="ctr"/>
+            <a:lstStyle/>
+            <a:p>
+              <a:pPr algn="ctr"/>
+              <a:endParaRPr lang="en-NO" dirty="0">
+                <a:latin typeface="Arial" panose="020B0604020202020204" pitchFamily="34" charset="0"/>
+                <a:cs typeface="Arial" panose="020B0604020202020204" pitchFamily="34" charset="0"/>
+              </a:endParaRPr>
+            </a:p>
+          </p:txBody>
+        </p:sp>
+        <mc:AlternateContent xmlns:mc="http://schemas.openxmlformats.org/markup-compatibility/2006">
+          <mc:Choice xmlns:a14="http://schemas.microsoft.com/office/drawing/2010/main" Requires="a14">
+            <p:sp>
+              <p:nvSpPr>
+                <p:cNvPr id="137" name="TextBox 136">
+                  <a:extLst>
+                    <a:ext uri="{FF2B5EF4-FFF2-40B4-BE49-F238E27FC236}">
+                      <a16:creationId xmlns:a16="http://schemas.microsoft.com/office/drawing/2014/main" id="{8F493422-E3C0-7443-77E6-8A55F2A8D779}"/>
+                    </a:ext>
+                  </a:extLst>
+                </p:cNvPr>
+                <p:cNvSpPr txBox="1"/>
+                <p:nvPr/>
+              </p:nvSpPr>
+              <p:spPr>
+                <a:xfrm>
+                  <a:off x="-2182557" y="12085589"/>
+                  <a:ext cx="2689166" cy="2877006"/>
+                </a:xfrm>
+                <a:prstGeom prst="rect">
+                  <a:avLst/>
+                </a:prstGeom>
+                <a:noFill/>
+              </p:spPr>
+              <p:txBody>
+                <a:bodyPr wrap="square" rtlCol="0">
+                  <a:spAutoFit/>
+                </a:bodyPr>
+                <a:lstStyle/>
+                <a:p>
+                  <a:pPr/>
+                  <a14:m>
+                    <m:oMathPara xmlns:m="http://schemas.openxmlformats.org/officeDocument/2006/math">
+                      <m:oMathParaPr>
+                        <m:jc m:val="centerGroup"/>
+                      </m:oMathParaPr>
+                      <m:oMath xmlns:m="http://schemas.openxmlformats.org/officeDocument/2006/math">
+                        <m:sSub>
+                          <m:sSubPr>
+                            <m:ctrlPr>
+                              <a:rPr lang="en-GB" sz="7200" i="1" smtClean="0">
+                                <a:latin typeface="Cambria Math" panose="02040503050406030204" pitchFamily="18" charset="0"/>
+                              </a:rPr>
+                            </m:ctrlPr>
+                          </m:sSubPr>
+                          <m:e>
+                            <m:r>
+                              <a:rPr lang="nb-NO" sz="7200" b="0" i="1" smtClean="0">
+                                <a:latin typeface="Cambria Math" panose="02040503050406030204" pitchFamily="18" charset="0"/>
+                              </a:rPr>
+                              <m:t>𝐼</m:t>
+                            </m:r>
+                          </m:e>
+                          <m:sub>
+                            <m:r>
+                              <a:rPr lang="nb-NO" sz="7200" b="0" i="1" smtClean="0">
+                                <a:latin typeface="Cambria Math" panose="02040503050406030204" pitchFamily="18" charset="0"/>
+                              </a:rPr>
+                              <m:t>𝐼𝑅𝐼</m:t>
+                            </m:r>
+                          </m:sub>
+                        </m:sSub>
+                      </m:oMath>
+                    </m:oMathPara>
+                  </a14:m>
+                  <a:endParaRPr lang="nb-NO" sz="7200" b="0" dirty="0">
+                    <a:latin typeface="Arial" panose="020B0604020202020204" pitchFamily="34" charset="0"/>
+                    <a:cs typeface="Arial" panose="020B0604020202020204" pitchFamily="34" charset="0"/>
+                  </a:endParaRPr>
+                </a:p>
+                <a:p>
+                  <a:endParaRPr lang="en-GB" sz="3000" dirty="0">
+                    <a:latin typeface="Arial" panose="020B0604020202020204" pitchFamily="34" charset="0"/>
+                    <a:cs typeface="Arial" panose="020B0604020202020204" pitchFamily="34" charset="0"/>
+                  </a:endParaRPr>
+                </a:p>
+                <a:p>
+                  <a:r>
+                    <a:rPr lang="en-GB" sz="7200" dirty="0">
+                      <a:latin typeface="Arial" panose="020B0604020202020204" pitchFamily="34" charset="0"/>
+                      <a:cs typeface="Arial" panose="020B0604020202020204" pitchFamily="34" charset="0"/>
+                    </a:rPr>
+                    <a:t> </a:t>
+                  </a:r>
+                  <a14:m>
+                    <m:oMath xmlns:m="http://schemas.openxmlformats.org/officeDocument/2006/math">
+                      <m:sSub>
+                        <m:sSubPr>
+                          <m:ctrlPr>
+                            <a:rPr lang="en-GB" sz="7200" i="1" smtClean="0">
+                              <a:latin typeface="Cambria Math" panose="02040503050406030204" pitchFamily="18" charset="0"/>
+                            </a:rPr>
+                          </m:ctrlPr>
+                        </m:sSubPr>
+                        <m:e>
+                          <m:sSub>
+                            <m:sSubPr>
+                              <m:ctrlPr>
+                                <a:rPr lang="nb-NO" sz="7200" i="1" dirty="0">
+                                  <a:latin typeface="Cambria Math" panose="02040503050406030204" pitchFamily="18" charset="0"/>
+                                  <a:cs typeface="Arial" panose="020B0604020202020204" pitchFamily="34" charset="0"/>
+                                </a:rPr>
+                              </m:ctrlPr>
+                            </m:sSubPr>
+                            <m:e>
+                              <m:r>
+                                <a:rPr lang="nb-NO" sz="7200" i="1" dirty="0">
+                                  <a:latin typeface="Cambria Math" panose="02040503050406030204" pitchFamily="18" charset="0"/>
+                                  <a:cs typeface="Arial" panose="020B0604020202020204" pitchFamily="34" charset="0"/>
+                                </a:rPr>
+                                <m:t>𝑇</m:t>
+                              </m:r>
+                            </m:e>
+                            <m:sub>
+                              <m:r>
+                                <a:rPr lang="nb-NO" sz="7200" i="1" dirty="0">
+                                  <a:latin typeface="Cambria Math" panose="02040503050406030204" pitchFamily="18" charset="0"/>
+                                  <a:cs typeface="Arial" panose="020B0604020202020204" pitchFamily="34" charset="0"/>
+                                </a:rPr>
+                                <m:t>𝑒</m:t>
+                              </m:r>
+                            </m:sub>
+                          </m:sSub>
+                        </m:e>
+                        <m:sub>
+                          <m:r>
+                            <a:rPr lang="nb-NO" sz="7200" b="0" i="1" smtClean="0">
+                              <a:latin typeface="Cambria Math" panose="02040503050406030204" pitchFamily="18" charset="0"/>
+                            </a:rPr>
+                            <m:t>𝐼𝑅𝐼</m:t>
+                          </m:r>
+                        </m:sub>
+                      </m:sSub>
+                    </m:oMath>
+                  </a14:m>
+                  <a:endParaRPr lang="en-GB" sz="6000" dirty="0">
+                    <a:latin typeface="Arial" panose="020B0604020202020204" pitchFamily="34" charset="0"/>
+                    <a:cs typeface="Arial" panose="020B0604020202020204" pitchFamily="34" charset="0"/>
+                  </a:endParaRPr>
+                </a:p>
+              </p:txBody>
+            </p:sp>
+          </mc:Choice>
+          <mc:Fallback>
+            <p:sp>
+              <p:nvSpPr>
+                <p:cNvPr id="137" name="TextBox 136">
+                  <a:extLst>
+                    <a:ext uri="{FF2B5EF4-FFF2-40B4-BE49-F238E27FC236}">
+                      <a16:creationId xmlns:a16="http://schemas.microsoft.com/office/drawing/2014/main" id="{8F493422-E3C0-7443-77E6-8A55F2A8D779}"/>
+                    </a:ext>
+                  </a:extLst>
+                </p:cNvPr>
+                <p:cNvSpPr txBox="1">
+                  <a:spLocks noRot="1" noChangeAspect="1" noMove="1" noResize="1" noEditPoints="1" noAdjustHandles="1" noChangeArrowheads="1" noChangeShapeType="1" noTextEdit="1"/>
+                </p:cNvSpPr>
+                <p:nvPr/>
+              </p:nvSpPr>
+              <p:spPr>
+                <a:xfrm>
+                  <a:off x="-2182557" y="12085589"/>
+                  <a:ext cx="2689166" cy="2877006"/>
+                </a:xfrm>
+                <a:prstGeom prst="rect">
+                  <a:avLst/>
+                </a:prstGeom>
+                <a:blipFill>
+                  <a:blip r:embed="rId6"/>
+                  <a:stretch>
+                    <a:fillRect b="-5286"/>
+                  </a:stretch>
+                </a:blipFill>
+              </p:spPr>
+              <p:txBody>
+                <a:bodyPr/>
+                <a:lstStyle/>
+                <a:p>
+                  <a:r>
+                    <a:rPr lang="en-NO">
+                      <a:noFill/>
+                    </a:rPr>
+                    <a:t> </a:t>
+                  </a:r>
+                </a:p>
+              </p:txBody>
+            </p:sp>
+          </mc:Fallback>
+        </mc:AlternateContent>
+        <p:sp>
+          <p:nvSpPr>
+            <p:cNvPr id="117" name="TextBox 116">
+              <a:extLst>
+                <a:ext uri="{FF2B5EF4-FFF2-40B4-BE49-F238E27FC236}">
+                  <a16:creationId xmlns:a16="http://schemas.microsoft.com/office/drawing/2014/main" id="{A33274E3-B88D-A8FF-C269-C6B0FCB8131B}"/>
+                </a:ext>
+              </a:extLst>
+            </p:cNvPr>
+            <p:cNvSpPr txBox="1"/>
+            <p:nvPr/>
+          </p:nvSpPr>
+          <p:spPr>
+            <a:xfrm>
+              <a:off x="-15111526" y="10841673"/>
+              <a:ext cx="6646084" cy="4770537"/>
+            </a:xfrm>
+            <a:prstGeom prst="rect">
+              <a:avLst/>
+            </a:prstGeom>
+            <a:noFill/>
+          </p:spPr>
+          <p:txBody>
+            <a:bodyPr wrap="square" rtlCol="0">
+              <a:spAutoFit/>
+            </a:bodyPr>
+            <a:lstStyle/>
+            <a:p>
+              <a:r>
+                <a:rPr lang="en-GB" sz="7200" dirty="0">
+                  <a:latin typeface="Arial" panose="020B0604020202020204" pitchFamily="34" charset="0"/>
+                  <a:cs typeface="Arial" panose="020B0604020202020204" pitchFamily="34" charset="0"/>
+                </a:rPr>
+                <a:t>Langmuir Library:</a:t>
+              </a:r>
+            </a:p>
+            <a:p>
+              <a:endParaRPr lang="en-GB" sz="5000" dirty="0">
+                <a:latin typeface="Arial" panose="020B0604020202020204" pitchFamily="34" charset="0"/>
+                <a:cs typeface="Arial" panose="020B0604020202020204" pitchFamily="34" charset="0"/>
+              </a:endParaRPr>
+            </a:p>
+            <a:p>
+              <a:r>
+                <a:rPr lang="en-GB" sz="5500" dirty="0">
+                  <a:latin typeface="Arial" panose="020B0604020202020204" pitchFamily="34" charset="0"/>
+                  <a:cs typeface="Arial" panose="020B0604020202020204" pitchFamily="34" charset="0"/>
+                </a:rPr>
+                <a:t>Finite length model</a:t>
+              </a:r>
+            </a:p>
+            <a:p>
+              <a:r>
+                <a:rPr lang="en-GB" sz="5500" dirty="0">
+                  <a:latin typeface="Arial" panose="020B0604020202020204" pitchFamily="34" charset="0"/>
+                  <a:cs typeface="Arial" panose="020B0604020202020204" pitchFamily="34" charset="0"/>
+                </a:rPr>
+                <a:t>Finite radius model</a:t>
+              </a:r>
+            </a:p>
+          </p:txBody>
+        </p:sp>
+        <p:sp>
+          <p:nvSpPr>
+            <p:cNvPr id="99" name="Rounded Rectangle 98">
+              <a:extLst>
+                <a:ext uri="{FF2B5EF4-FFF2-40B4-BE49-F238E27FC236}">
+                  <a16:creationId xmlns:a16="http://schemas.microsoft.com/office/drawing/2014/main" id="{E08F0672-5453-6DA0-640E-BEEAACE26FBA}"/>
+                </a:ext>
+              </a:extLst>
+            </p:cNvPr>
+            <p:cNvSpPr/>
+            <p:nvPr/>
+          </p:nvSpPr>
+          <p:spPr>
+            <a:xfrm>
+              <a:off x="-24715628" y="10897237"/>
+              <a:ext cx="8531051" cy="6806686"/>
+            </a:xfrm>
+            <a:prstGeom prst="roundRect">
+              <a:avLst/>
+            </a:prstGeom>
+            <a:solidFill>
+              <a:schemeClr val="accent6">
+                <a:lumMod val="20000"/>
+                <a:lumOff val="80000"/>
+              </a:schemeClr>
+            </a:solidFill>
+            <a:ln w="76200"/>
+          </p:spPr>
+          <p:style>
+            <a:lnRef idx="2">
+              <a:schemeClr val="accent1">
+                <a:shade val="50000"/>
+              </a:schemeClr>
+            </a:lnRef>
+            <a:fillRef idx="1">
+              <a:schemeClr val="accent1"/>
+            </a:fillRef>
+            <a:effectRef idx="0">
+              <a:schemeClr val="accent1"/>
+            </a:effectRef>
+            <a:fontRef idx="minor">
+              <a:schemeClr val="lt1"/>
+            </a:fontRef>
+          </p:style>
+          <p:txBody>
+            <a:bodyPr rtlCol="0" anchor="ctr"/>
+            <a:lstStyle/>
+            <a:p>
+              <a:pPr algn="ctr"/>
+              <a:endParaRPr lang="en-NO" dirty="0">
+                <a:latin typeface="Arial" panose="020B0604020202020204" pitchFamily="34" charset="0"/>
+                <a:cs typeface="Arial" panose="020B0604020202020204" pitchFamily="34" charset="0"/>
+              </a:endParaRPr>
+            </a:p>
+          </p:txBody>
+        </p:sp>
+        <p:sp>
+          <p:nvSpPr>
+            <p:cNvPr id="98" name="TextBox 97">
+              <a:extLst>
+                <a:ext uri="{FF2B5EF4-FFF2-40B4-BE49-F238E27FC236}">
+                  <a16:creationId xmlns:a16="http://schemas.microsoft.com/office/drawing/2014/main" id="{3310965F-E524-7139-4208-872CFE08959B}"/>
+                </a:ext>
+              </a:extLst>
+            </p:cNvPr>
+            <p:cNvSpPr txBox="1"/>
+            <p:nvPr/>
+          </p:nvSpPr>
+          <p:spPr>
+            <a:xfrm>
+              <a:off x="-22481680" y="11226784"/>
+              <a:ext cx="5328911" cy="1200329"/>
+            </a:xfrm>
+            <a:prstGeom prst="rect">
+              <a:avLst/>
+            </a:prstGeom>
+            <a:noFill/>
+          </p:spPr>
+          <p:txBody>
+            <a:bodyPr wrap="square" rtlCol="0">
+              <a:spAutoFit/>
+            </a:bodyPr>
+            <a:lstStyle/>
+            <a:p>
+              <a:r>
+                <a:rPr lang="en-GB" sz="7200" dirty="0">
+                  <a:latin typeface="Arial" panose="020B0604020202020204" pitchFamily="34" charset="0"/>
+                  <a:cs typeface="Arial" panose="020B0604020202020204" pitchFamily="34" charset="0"/>
+                </a:rPr>
+                <a:t>IRI Data:</a:t>
+              </a:r>
+            </a:p>
+          </p:txBody>
+        </p:sp>
+        <mc:AlternateContent xmlns:mc="http://schemas.openxmlformats.org/markup-compatibility/2006">
+          <mc:Choice xmlns:a14="http://schemas.microsoft.com/office/drawing/2010/main" Requires="a14">
+            <p:sp>
+              <p:nvSpPr>
+                <p:cNvPr id="100" name="TextBox 99">
+                  <a:extLst>
+                    <a:ext uri="{FF2B5EF4-FFF2-40B4-BE49-F238E27FC236}">
+                      <a16:creationId xmlns:a16="http://schemas.microsoft.com/office/drawing/2014/main" id="{7E739A6B-1C9A-A249-7514-5CA688ABFC03}"/>
+                    </a:ext>
+                  </a:extLst>
+                </p:cNvPr>
+                <p:cNvSpPr txBox="1"/>
+                <p:nvPr/>
+              </p:nvSpPr>
+              <p:spPr>
+                <a:xfrm>
+                  <a:off x="-23568276" y="12870086"/>
+                  <a:ext cx="6804606" cy="3785652"/>
+                </a:xfrm>
+                <a:prstGeom prst="rect">
+                  <a:avLst/>
+                </a:prstGeom>
+                <a:noFill/>
+              </p:spPr>
+              <p:txBody>
+                <a:bodyPr wrap="square" rtlCol="0">
+                  <a:spAutoFit/>
+                </a:bodyPr>
+                <a:lstStyle/>
+                <a:p>
+                  <a:r>
+                    <a:rPr lang="en-GB" sz="6000" dirty="0">
+                      <a:latin typeface="Arial" panose="020B0604020202020204" pitchFamily="34" charset="0"/>
+                      <a:cs typeface="Arial" panose="020B0604020202020204" pitchFamily="34" charset="0"/>
+                    </a:rPr>
+                    <a:t>Ionospheric plasma parameters:</a:t>
+                  </a:r>
+                </a:p>
+                <a:p>
+                  <a:pPr marL="857250" indent="-857250">
+                    <a:buFont typeface="Arial" panose="020B0604020202020204" pitchFamily="34" charset="0"/>
+                    <a:buChar char="•"/>
+                  </a:pPr>
+                  <a14:m>
+                    <m:oMath xmlns:m="http://schemas.openxmlformats.org/officeDocument/2006/math">
+                      <m:sSub>
+                        <m:sSubPr>
+                          <m:ctrlPr>
+                            <a:rPr lang="nb-NO" sz="6000" i="1" dirty="0" smtClean="0">
+                              <a:latin typeface="Cambria Math" panose="02040503050406030204" pitchFamily="18" charset="0"/>
+                              <a:cs typeface="Arial" panose="020B0604020202020204" pitchFamily="34" charset="0"/>
+                            </a:rPr>
+                          </m:ctrlPr>
+                        </m:sSubPr>
+                        <m:e>
+                          <m:r>
+                            <a:rPr lang="nb-NO" sz="6000" b="0" i="1" dirty="0" smtClean="0">
+                              <a:latin typeface="Cambria Math" panose="02040503050406030204" pitchFamily="18" charset="0"/>
+                              <a:cs typeface="Arial" panose="020B0604020202020204" pitchFamily="34" charset="0"/>
+                            </a:rPr>
+                            <m:t>𝑛</m:t>
+                          </m:r>
+                        </m:e>
+                        <m:sub>
+                          <m:r>
+                            <a:rPr lang="nb-NO" sz="6000" i="1" dirty="0">
+                              <a:latin typeface="Cambria Math" panose="02040503050406030204" pitchFamily="18" charset="0"/>
+                              <a:cs typeface="Arial" panose="020B0604020202020204" pitchFamily="34" charset="0"/>
+                            </a:rPr>
+                            <m:t>𝑒</m:t>
+                          </m:r>
+                        </m:sub>
+                      </m:sSub>
+                    </m:oMath>
+                  </a14:m>
+                  <a:endParaRPr lang="en-GB" sz="6000" dirty="0">
+                    <a:latin typeface="Arial" panose="020B0604020202020204" pitchFamily="34" charset="0"/>
+                    <a:cs typeface="Arial" panose="020B0604020202020204" pitchFamily="34" charset="0"/>
+                  </a:endParaRPr>
+                </a:p>
+                <a:p>
+                  <a:pPr marL="857250" indent="-857250">
+                    <a:buFont typeface="Arial" panose="020B0604020202020204" pitchFamily="34" charset="0"/>
+                    <a:buChar char="•"/>
+                  </a:pPr>
+                  <a14:m>
+                    <m:oMath xmlns:m="http://schemas.openxmlformats.org/officeDocument/2006/math">
+                      <m:sSub>
+                        <m:sSubPr>
+                          <m:ctrlPr>
+                            <a:rPr lang="nb-NO" sz="6000" i="1" dirty="0" smtClean="0">
+                              <a:latin typeface="Cambria Math" panose="02040503050406030204" pitchFamily="18" charset="0"/>
+                              <a:cs typeface="Arial" panose="020B0604020202020204" pitchFamily="34" charset="0"/>
+                            </a:rPr>
+                          </m:ctrlPr>
+                        </m:sSubPr>
+                        <m:e>
+                          <m:r>
+                            <a:rPr lang="nb-NO" sz="6000" b="0" i="1" dirty="0" smtClean="0">
+                              <a:latin typeface="Cambria Math" panose="02040503050406030204" pitchFamily="18" charset="0"/>
+                              <a:cs typeface="Arial" panose="020B0604020202020204" pitchFamily="34" charset="0"/>
+                            </a:rPr>
+                            <m:t>𝑇</m:t>
+                          </m:r>
+                        </m:e>
+                        <m:sub>
+                          <m:r>
+                            <a:rPr lang="nb-NO" sz="6000" b="0" i="1" dirty="0" smtClean="0">
+                              <a:latin typeface="Cambria Math" panose="02040503050406030204" pitchFamily="18" charset="0"/>
+                              <a:cs typeface="Arial" panose="020B0604020202020204" pitchFamily="34" charset="0"/>
+                            </a:rPr>
+                            <m:t>𝑒</m:t>
+                          </m:r>
+                        </m:sub>
+                      </m:sSub>
+                    </m:oMath>
+                  </a14:m>
+                  <a:endParaRPr lang="en-GB" sz="6000" dirty="0">
+                    <a:latin typeface="Arial" panose="020B0604020202020204" pitchFamily="34" charset="0"/>
+                    <a:cs typeface="Arial" panose="020B0604020202020204" pitchFamily="34" charset="0"/>
+                  </a:endParaRPr>
+                </a:p>
+              </p:txBody>
+            </p:sp>
+          </mc:Choice>
+          <mc:Fallback>
+            <p:sp>
+              <p:nvSpPr>
+                <p:cNvPr id="100" name="TextBox 99">
+                  <a:extLst>
+                    <a:ext uri="{FF2B5EF4-FFF2-40B4-BE49-F238E27FC236}">
+                      <a16:creationId xmlns:a16="http://schemas.microsoft.com/office/drawing/2014/main" id="{7E739A6B-1C9A-A249-7514-5CA688ABFC03}"/>
+                    </a:ext>
+                  </a:extLst>
+                </p:cNvPr>
+                <p:cNvSpPr txBox="1">
+                  <a:spLocks noRot="1" noChangeAspect="1" noMove="1" noResize="1" noEditPoints="1" noAdjustHandles="1" noChangeArrowheads="1" noChangeShapeType="1" noTextEdit="1"/>
+                </p:cNvSpPr>
+                <p:nvPr/>
+              </p:nvSpPr>
+              <p:spPr>
+                <a:xfrm>
+                  <a:off x="-23568276" y="12870086"/>
+                  <a:ext cx="6804606" cy="3785652"/>
+                </a:xfrm>
+                <a:prstGeom prst="rect">
+                  <a:avLst/>
+                </a:prstGeom>
+                <a:blipFill>
+                  <a:blip r:embed="rId7"/>
+                  <a:stretch>
+                    <a:fillRect l="-5410" t="-5017" r="-8396" b="-8696"/>
+                  </a:stretch>
+                </a:blipFill>
+              </p:spPr>
+              <p:txBody>
+                <a:bodyPr/>
+                <a:lstStyle/>
+                <a:p>
+                  <a:r>
+                    <a:rPr lang="en-NO">
+                      <a:noFill/>
+                    </a:rPr>
+                    <a:t> </a:t>
+                  </a:r>
+                </a:p>
+              </p:txBody>
+            </p:sp>
+          </mc:Fallback>
+        </mc:AlternateContent>
+        <p:sp>
+          <p:nvSpPr>
+            <p:cNvPr id="101" name="Rounded Rectangle 100">
+              <a:extLst>
+                <a:ext uri="{FF2B5EF4-FFF2-40B4-BE49-F238E27FC236}">
+                  <a16:creationId xmlns:a16="http://schemas.microsoft.com/office/drawing/2014/main" id="{632F2696-134E-7934-8AE6-4B0518282B84}"/>
+                </a:ext>
+              </a:extLst>
+            </p:cNvPr>
+            <p:cNvSpPr/>
+            <p:nvPr/>
+          </p:nvSpPr>
+          <p:spPr>
+            <a:xfrm>
+              <a:off x="-24715629" y="18018369"/>
+              <a:ext cx="8531051" cy="4486033"/>
+            </a:xfrm>
+            <a:prstGeom prst="roundRect">
+              <a:avLst/>
+            </a:prstGeom>
+            <a:solidFill>
+              <a:schemeClr val="accent6">
+                <a:lumMod val="20000"/>
+                <a:lumOff val="80000"/>
+              </a:schemeClr>
+            </a:solidFill>
+            <a:ln w="76200"/>
+          </p:spPr>
+          <p:style>
+            <a:lnRef idx="2">
+              <a:schemeClr val="accent1">
+                <a:shade val="50000"/>
+              </a:schemeClr>
+            </a:lnRef>
+            <a:fillRef idx="1">
+              <a:schemeClr val="accent1"/>
+            </a:fillRef>
+            <a:effectRef idx="0">
+              <a:schemeClr val="accent1"/>
+            </a:effectRef>
+            <a:fontRef idx="minor">
+              <a:schemeClr val="lt1"/>
+            </a:fontRef>
+          </p:style>
+          <p:txBody>
+            <a:bodyPr rtlCol="0" anchor="ctr"/>
+            <a:lstStyle/>
+            <a:p>
+              <a:pPr algn="ctr"/>
+              <a:endParaRPr lang="en-NO" dirty="0">
+                <a:latin typeface="Arial" panose="020B0604020202020204" pitchFamily="34" charset="0"/>
+                <a:cs typeface="Arial" panose="020B0604020202020204" pitchFamily="34" charset="0"/>
+              </a:endParaRPr>
+            </a:p>
+          </p:txBody>
+        </p:sp>
+        <mc:AlternateContent xmlns:mc="http://schemas.openxmlformats.org/markup-compatibility/2006">
+          <mc:Choice xmlns:a14="http://schemas.microsoft.com/office/drawing/2010/main" Requires="a14">
+            <p:sp>
+              <p:nvSpPr>
+                <p:cNvPr id="102" name="TextBox 101">
+                  <a:extLst>
+                    <a:ext uri="{FF2B5EF4-FFF2-40B4-BE49-F238E27FC236}">
+                      <a16:creationId xmlns:a16="http://schemas.microsoft.com/office/drawing/2014/main" id="{7542E7E9-CBB3-9AA0-E28A-72A57F96F3B5}"/>
+                    </a:ext>
+                  </a:extLst>
+                </p:cNvPr>
+                <p:cNvSpPr txBox="1"/>
+                <p:nvPr/>
+              </p:nvSpPr>
+              <p:spPr>
+                <a:xfrm>
+                  <a:off x="-23568276" y="18368559"/>
+                  <a:ext cx="7025762" cy="3785652"/>
+                </a:xfrm>
+                <a:prstGeom prst="rect">
+                  <a:avLst/>
+                </a:prstGeom>
+                <a:noFill/>
+              </p:spPr>
+              <p:txBody>
+                <a:bodyPr wrap="square" rtlCol="0">
+                  <a:spAutoFit/>
+                </a:bodyPr>
+                <a:lstStyle/>
+                <a:p>
+                  <a:r>
+                    <a:rPr lang="en-GB" sz="6000" dirty="0">
+                      <a:latin typeface="Arial" panose="020B0604020202020204" pitchFamily="34" charset="0"/>
+                      <a:cs typeface="Arial" panose="020B0604020202020204" pitchFamily="34" charset="0"/>
+                    </a:rPr>
+                    <a:t>Probe parameters:</a:t>
+                  </a:r>
+                </a:p>
+                <a:p>
+                  <a:pPr marL="857250" indent="-857250">
+                    <a:buFont typeface="Arial" panose="020B0604020202020204" pitchFamily="34" charset="0"/>
+                    <a:buChar char="•"/>
+                  </a:pPr>
+                  <a:r>
+                    <a:rPr lang="nb-NO" sz="6000" noProof="1">
+                      <a:latin typeface="Arial" panose="020B0604020202020204" pitchFamily="34" charset="0"/>
+                      <a:cs typeface="Arial" panose="020B0604020202020204" pitchFamily="34" charset="0"/>
+                    </a:rPr>
+                    <a:t>Probe</a:t>
+                  </a:r>
+                  <a:r>
+                    <a:rPr lang="nb-NO" sz="6000" dirty="0">
+                      <a:latin typeface="Arial" panose="020B0604020202020204" pitchFamily="34" charset="0"/>
+                      <a:cs typeface="Arial" panose="020B0604020202020204" pitchFamily="34" charset="0"/>
+                    </a:rPr>
+                    <a:t> Geometries</a:t>
+                  </a:r>
+                </a:p>
+                <a:p>
+                  <a:pPr marL="857250" indent="-857250">
+                    <a:buFont typeface="Arial" panose="020B0604020202020204" pitchFamily="34" charset="0"/>
+                    <a:buChar char="•"/>
+                  </a:pPr>
+                  <a14:m>
+                    <m:oMath xmlns:m="http://schemas.openxmlformats.org/officeDocument/2006/math">
+                      <m:sSub>
+                        <m:sSubPr>
+                          <m:ctrlPr>
+                            <a:rPr lang="nb-NO" sz="6000" i="1" dirty="0" smtClean="0">
+                              <a:latin typeface="Cambria Math" panose="02040503050406030204" pitchFamily="18" charset="0"/>
+                              <a:cs typeface="Arial" panose="020B0604020202020204" pitchFamily="34" charset="0"/>
+                            </a:rPr>
+                          </m:ctrlPr>
+                        </m:sSubPr>
+                        <m:e>
+                          <m:r>
+                            <a:rPr lang="nb-NO" sz="6000" b="0" i="1" dirty="0" smtClean="0">
+                              <a:latin typeface="Cambria Math" panose="02040503050406030204" pitchFamily="18" charset="0"/>
+                              <a:cs typeface="Arial" panose="020B0604020202020204" pitchFamily="34" charset="0"/>
+                            </a:rPr>
+                            <m:t>𝑉</m:t>
+                          </m:r>
+                        </m:e>
+                        <m:sub>
+                          <m:r>
+                            <a:rPr lang="nb-NO" sz="6000" b="0" i="1" dirty="0" smtClean="0">
+                              <a:latin typeface="Cambria Math" panose="02040503050406030204" pitchFamily="18" charset="0"/>
+                              <a:cs typeface="Arial" panose="020B0604020202020204" pitchFamily="34" charset="0"/>
+                            </a:rPr>
+                            <m:t>𝑏</m:t>
+                          </m:r>
+                        </m:sub>
+                      </m:sSub>
+                    </m:oMath>
+                  </a14:m>
+                  <a:endParaRPr lang="nb-NO" sz="6000" dirty="0">
+                    <a:latin typeface="Arial" panose="020B0604020202020204" pitchFamily="34" charset="0"/>
+                    <a:cs typeface="Arial" panose="020B0604020202020204" pitchFamily="34" charset="0"/>
+                  </a:endParaRPr>
+                </a:p>
+              </p:txBody>
+            </p:sp>
+          </mc:Choice>
+          <mc:Fallback>
+            <p:sp>
+              <p:nvSpPr>
+                <p:cNvPr id="102" name="TextBox 101">
+                  <a:extLst>
+                    <a:ext uri="{FF2B5EF4-FFF2-40B4-BE49-F238E27FC236}">
+                      <a16:creationId xmlns:a16="http://schemas.microsoft.com/office/drawing/2014/main" id="{7542E7E9-CBB3-9AA0-E28A-72A57F96F3B5}"/>
+                    </a:ext>
+                  </a:extLst>
+                </p:cNvPr>
+                <p:cNvSpPr txBox="1">
+                  <a:spLocks noRot="1" noChangeAspect="1" noMove="1" noResize="1" noEditPoints="1" noAdjustHandles="1" noChangeArrowheads="1" noChangeShapeType="1" noTextEdit="1"/>
+                </p:cNvSpPr>
+                <p:nvPr/>
+              </p:nvSpPr>
+              <p:spPr>
+                <a:xfrm>
+                  <a:off x="-23568276" y="18368559"/>
+                  <a:ext cx="7025762" cy="3785652"/>
+                </a:xfrm>
+                <a:prstGeom prst="rect">
+                  <a:avLst/>
+                </a:prstGeom>
+                <a:blipFill>
+                  <a:blip r:embed="rId8"/>
+                  <a:stretch>
+                    <a:fillRect l="-5235" t="-5017" b="-8696"/>
+                  </a:stretch>
+                </a:blipFill>
+              </p:spPr>
+              <p:txBody>
+                <a:bodyPr/>
+                <a:lstStyle/>
+                <a:p>
+                  <a:r>
+                    <a:rPr lang="en-NO">
+                      <a:noFill/>
+                    </a:rPr>
+                    <a:t> </a:t>
+                  </a:r>
+                </a:p>
+              </p:txBody>
+            </p:sp>
+          </mc:Fallback>
+        </mc:AlternateContent>
+        <p:cxnSp>
+          <p:nvCxnSpPr>
+            <p:cNvPr id="112" name="Straight Arrow Connector 111">
+              <a:extLst>
+                <a:ext uri="{FF2B5EF4-FFF2-40B4-BE49-F238E27FC236}">
+                  <a16:creationId xmlns:a16="http://schemas.microsoft.com/office/drawing/2014/main" id="{0AA9AD64-4BAD-E549-E44E-F557C978B0BC}"/>
+                </a:ext>
+              </a:extLst>
+            </p:cNvPr>
+            <p:cNvCxnSpPr>
+              <a:cxnSpLocks/>
+            </p:cNvCxnSpPr>
+            <p:nvPr/>
+          </p:nvCxnSpPr>
+          <p:spPr>
+            <a:xfrm>
+              <a:off x="-14734276" y="13381822"/>
+              <a:ext cx="6390151" cy="0"/>
+            </a:xfrm>
+            <a:prstGeom prst="straightConnector1">
+              <a:avLst/>
+            </a:prstGeom>
+            <a:ln w="101600">
+              <a:solidFill>
+                <a:schemeClr val="accent1"/>
+              </a:solidFill>
+              <a:tailEnd type="triangle"/>
+            </a:ln>
+          </p:spPr>
+          <p:style>
+            <a:lnRef idx="1">
+              <a:schemeClr val="accent1"/>
+            </a:lnRef>
+            <a:fillRef idx="0">
+              <a:schemeClr val="accent1"/>
+            </a:fillRef>
+            <a:effectRef idx="0">
+              <a:schemeClr val="accent1"/>
+            </a:effectRef>
+            <a:fontRef idx="minor">
+              <a:schemeClr val="tx1"/>
+            </a:fontRef>
+          </p:style>
+        </p:cxnSp>
+        <p:cxnSp>
+          <p:nvCxnSpPr>
+            <p:cNvPr id="113" name="Straight Arrow Connector 112">
+              <a:extLst>
+                <a:ext uri="{FF2B5EF4-FFF2-40B4-BE49-F238E27FC236}">
+                  <a16:creationId xmlns:a16="http://schemas.microsoft.com/office/drawing/2014/main" id="{483C7B26-F9B8-1AF2-FF69-FFB58F93FC83}"/>
+                </a:ext>
+              </a:extLst>
+            </p:cNvPr>
+            <p:cNvCxnSpPr>
+              <a:cxnSpLocks/>
+            </p:cNvCxnSpPr>
+            <p:nvPr/>
+          </p:nvCxnSpPr>
+          <p:spPr>
+            <a:xfrm>
+              <a:off x="1458315" y="16193998"/>
+              <a:ext cx="1453288" cy="0"/>
+            </a:xfrm>
+            <a:prstGeom prst="straightConnector1">
+              <a:avLst/>
+            </a:prstGeom>
+            <a:ln w="101600">
+              <a:solidFill>
+                <a:schemeClr val="accent1"/>
+              </a:solidFill>
+              <a:tailEnd type="triangle"/>
+            </a:ln>
+          </p:spPr>
+          <p:style>
+            <a:lnRef idx="1">
+              <a:schemeClr val="accent1"/>
+            </a:lnRef>
+            <a:fillRef idx="0">
+              <a:schemeClr val="accent1"/>
+            </a:fillRef>
+            <a:effectRef idx="0">
+              <a:schemeClr val="accent1"/>
+            </a:effectRef>
+            <a:fontRef idx="minor">
+              <a:schemeClr val="tx1"/>
+            </a:fontRef>
+          </p:style>
+        </p:cxnSp>
+        <p:sp>
+          <p:nvSpPr>
+            <p:cNvPr id="119" name="Right Brace 118">
+              <a:extLst>
+                <a:ext uri="{FF2B5EF4-FFF2-40B4-BE49-F238E27FC236}">
+                  <a16:creationId xmlns:a16="http://schemas.microsoft.com/office/drawing/2014/main" id="{9B9D31F6-1F69-514C-3E46-83D03B618B7E}"/>
+                </a:ext>
+              </a:extLst>
+            </p:cNvPr>
+            <p:cNvSpPr/>
+            <p:nvPr/>
+          </p:nvSpPr>
+          <p:spPr>
+            <a:xfrm>
+              <a:off x="-16184578" y="12492896"/>
+              <a:ext cx="1458681" cy="8045258"/>
+            </a:xfrm>
+            <a:prstGeom prst="rightBrace">
+              <a:avLst>
+                <a:gd name="adj1" fmla="val 0"/>
+                <a:gd name="adj2" fmla="val 11138"/>
+              </a:avLst>
+            </a:prstGeom>
+            <a:ln w="101600"/>
+          </p:spPr>
+          <p:style>
+            <a:lnRef idx="1">
+              <a:schemeClr val="accent1"/>
+            </a:lnRef>
+            <a:fillRef idx="0">
+              <a:schemeClr val="accent1"/>
+            </a:fillRef>
+            <a:effectRef idx="0">
+              <a:schemeClr val="accent1"/>
+            </a:effectRef>
+            <a:fontRef idx="minor">
+              <a:schemeClr val="tx1"/>
+            </a:fontRef>
+          </p:style>
+          <p:txBody>
+            <a:bodyPr rtlCol="0" anchor="ctr"/>
+            <a:lstStyle/>
+            <a:p>
+              <a:pPr algn="ctr"/>
+              <a:endParaRPr lang="en-NO" dirty="0">
+                <a:latin typeface="Arial" panose="020B0604020202020204" pitchFamily="34" charset="0"/>
+                <a:cs typeface="Arial" panose="020B0604020202020204" pitchFamily="34" charset="0"/>
+              </a:endParaRPr>
+            </a:p>
+          </p:txBody>
+        </p:sp>
+        <p:sp>
+          <p:nvSpPr>
+            <p:cNvPr id="132" name="Right Brace 131">
+              <a:extLst>
+                <a:ext uri="{FF2B5EF4-FFF2-40B4-BE49-F238E27FC236}">
+                  <a16:creationId xmlns:a16="http://schemas.microsoft.com/office/drawing/2014/main" id="{3E780044-396B-4F28-4AF2-120F56471740}"/>
+                </a:ext>
+              </a:extLst>
+            </p:cNvPr>
+            <p:cNvSpPr/>
+            <p:nvPr/>
+          </p:nvSpPr>
+          <p:spPr>
+            <a:xfrm>
+              <a:off x="-2153623" y="13532353"/>
+              <a:ext cx="5092220" cy="6935181"/>
+            </a:xfrm>
+            <a:prstGeom prst="rightBrace">
+              <a:avLst>
+                <a:gd name="adj1" fmla="val 0"/>
+                <a:gd name="adj2" fmla="val 38369"/>
+              </a:avLst>
+            </a:prstGeom>
+            <a:ln w="101600"/>
+          </p:spPr>
+          <p:style>
+            <a:lnRef idx="1">
+              <a:schemeClr val="accent1"/>
+            </a:lnRef>
+            <a:fillRef idx="0">
+              <a:schemeClr val="accent1"/>
+            </a:fillRef>
+            <a:effectRef idx="0">
+              <a:schemeClr val="accent1"/>
+            </a:effectRef>
+            <a:fontRef idx="minor">
+              <a:schemeClr val="tx1"/>
+            </a:fontRef>
+          </p:style>
+          <p:txBody>
+            <a:bodyPr rtlCol="0" anchor="ctr"/>
+            <a:lstStyle/>
+            <a:p>
+              <a:pPr algn="ctr"/>
+              <a:endParaRPr lang="en-NO" dirty="0">
+                <a:latin typeface="Arial" panose="020B0604020202020204" pitchFamily="34" charset="0"/>
+                <a:cs typeface="Arial" panose="020B0604020202020204" pitchFamily="34" charset="0"/>
+              </a:endParaRPr>
+            </a:p>
+          </p:txBody>
+        </p:sp>
+        <mc:AlternateContent xmlns:mc="http://schemas.openxmlformats.org/markup-compatibility/2006">
+          <mc:Choice xmlns:a14="http://schemas.microsoft.com/office/drawing/2010/main" Requires="a14">
+            <p:sp>
+              <p:nvSpPr>
+                <p:cNvPr id="135" name="TextBox 134">
+                  <a:extLst>
+                    <a:ext uri="{FF2B5EF4-FFF2-40B4-BE49-F238E27FC236}">
+                      <a16:creationId xmlns:a16="http://schemas.microsoft.com/office/drawing/2014/main" id="{F59FC32F-9448-9587-85F7-6C67867D4C1F}"/>
+                    </a:ext>
+                  </a:extLst>
+                </p:cNvPr>
+                <p:cNvSpPr txBox="1"/>
+                <p:nvPr/>
+              </p:nvSpPr>
+              <p:spPr>
+                <a:xfrm>
+                  <a:off x="3858252" y="12322969"/>
+                  <a:ext cx="5769273" cy="9420528"/>
+                </a:xfrm>
+                <a:prstGeom prst="rect">
+                  <a:avLst/>
+                </a:prstGeom>
+                <a:noFill/>
+              </p:spPr>
+              <p:txBody>
+                <a:bodyPr wrap="square" rtlCol="0">
+                  <a:spAutoFit/>
+                </a:bodyPr>
+                <a:lstStyle/>
+                <a:p>
+                  <a:pPr algn="ctr"/>
+                  <a:r>
+                    <a:rPr lang="en-GB" sz="6000" b="1" dirty="0">
+                      <a:latin typeface="Arial" panose="020B0604020202020204" pitchFamily="34" charset="0"/>
+                      <a:cs typeface="Arial" panose="020B0604020202020204" pitchFamily="34" charset="0"/>
+                    </a:rPr>
+                    <a:t>Predict Te</a:t>
+                  </a:r>
+                </a:p>
+                <a:p>
+                  <a:pPr algn="ctr"/>
+                  <a:r>
+                    <a:rPr lang="en-GB" sz="6000" dirty="0">
+                      <a:latin typeface="Arial" panose="020B0604020202020204" pitchFamily="34" charset="0"/>
+                      <a:cs typeface="Arial" panose="020B0604020202020204" pitchFamily="34" charset="0"/>
+                    </a:rPr>
+                    <a:t>from </a:t>
+                  </a:r>
+                  <a14:m>
+                    <m:oMath xmlns:m="http://schemas.openxmlformats.org/officeDocument/2006/math">
+                      <m:sSub>
+                        <m:sSubPr>
+                          <m:ctrlPr>
+                            <a:rPr lang="en-GB" sz="6000" i="1" smtClean="0">
+                              <a:latin typeface="Cambria Math" panose="02040503050406030204" pitchFamily="18" charset="0"/>
+                            </a:rPr>
+                          </m:ctrlPr>
+                        </m:sSubPr>
+                        <m:e>
+                          <m:r>
+                            <a:rPr lang="nb-NO" sz="6000" b="0" i="1" smtClean="0">
+                              <a:latin typeface="Cambria Math" panose="02040503050406030204" pitchFamily="18" charset="0"/>
+                            </a:rPr>
+                            <m:t>𝐼</m:t>
+                          </m:r>
+                        </m:e>
+                        <m:sub>
+                          <m:r>
+                            <a:rPr lang="nb-NO" sz="6000" b="0" i="1" smtClean="0">
+                              <a:latin typeface="Cambria Math" panose="02040503050406030204" pitchFamily="18" charset="0"/>
+                            </a:rPr>
+                            <m:t>𝐼𝑅𝐼</m:t>
+                          </m:r>
+                        </m:sub>
+                      </m:sSub>
+                    </m:oMath>
+                  </a14:m>
+                  <a:endParaRPr lang="en-GB" sz="6000" dirty="0">
+                    <a:latin typeface="Arial" panose="020B0604020202020204" pitchFamily="34" charset="0"/>
+                    <a:cs typeface="Arial" panose="020B0604020202020204" pitchFamily="34" charset="0"/>
+                  </a:endParaRPr>
+                </a:p>
+                <a:p>
+                  <a:pPr algn="ctr"/>
+                  <a:endParaRPr lang="en-GB" sz="6000" dirty="0">
+                    <a:latin typeface="Arial" panose="020B0604020202020204" pitchFamily="34" charset="0"/>
+                    <a:cs typeface="Arial" panose="020B0604020202020204" pitchFamily="34" charset="0"/>
+                  </a:endParaRPr>
+                </a:p>
+                <a:p>
+                  <a:pPr algn="ctr"/>
+                  <a:r>
+                    <a:rPr lang="en-GB" sz="6000" b="1" dirty="0">
+                      <a:latin typeface="Arial" panose="020B0604020202020204" pitchFamily="34" charset="0"/>
+                      <a:cs typeface="Arial" panose="020B0604020202020204" pitchFamily="34" charset="0"/>
+                    </a:rPr>
+                    <a:t>Compare:</a:t>
+                  </a:r>
+                </a:p>
+                <a:p>
+                  <a:pPr algn="ctr"/>
+                  <a:r>
+                    <a:rPr lang="en-GB" sz="6000" dirty="0">
+                      <a:latin typeface="Arial" panose="020B0604020202020204" pitchFamily="34" charset="0"/>
+                      <a:cs typeface="Arial" panose="020B0604020202020204" pitchFamily="34" charset="0"/>
+                    </a:rPr>
+                    <a:t> </a:t>
+                  </a:r>
+                  <a14:m>
+                    <m:oMath xmlns:m="http://schemas.openxmlformats.org/officeDocument/2006/math">
+                      <m:sSub>
+                        <m:sSubPr>
+                          <m:ctrlPr>
+                            <a:rPr lang="en-GB" sz="6000" i="1" smtClean="0">
+                              <a:latin typeface="Cambria Math" panose="02040503050406030204" pitchFamily="18" charset="0"/>
+                            </a:rPr>
+                          </m:ctrlPr>
+                        </m:sSubPr>
+                        <m:e>
+                          <m:sSub>
+                            <m:sSubPr>
+                              <m:ctrlPr>
+                                <a:rPr lang="nb-NO" sz="6000" i="1" dirty="0">
+                                  <a:latin typeface="Cambria Math" panose="02040503050406030204" pitchFamily="18" charset="0"/>
+                                  <a:cs typeface="Arial" panose="020B0604020202020204" pitchFamily="34" charset="0"/>
+                                </a:rPr>
+                              </m:ctrlPr>
+                            </m:sSubPr>
+                            <m:e>
+                              <m:r>
+                                <a:rPr lang="nb-NO" sz="6000" i="1" dirty="0">
+                                  <a:latin typeface="Cambria Math" panose="02040503050406030204" pitchFamily="18" charset="0"/>
+                                  <a:cs typeface="Arial" panose="020B0604020202020204" pitchFamily="34" charset="0"/>
+                                </a:rPr>
+                                <m:t>𝑇</m:t>
+                              </m:r>
+                            </m:e>
+                            <m:sub>
+                              <m:r>
+                                <a:rPr lang="nb-NO" sz="6000" i="1" dirty="0">
+                                  <a:latin typeface="Cambria Math" panose="02040503050406030204" pitchFamily="18" charset="0"/>
+                                  <a:cs typeface="Arial" panose="020B0604020202020204" pitchFamily="34" charset="0"/>
+                                </a:rPr>
+                                <m:t>𝑒</m:t>
+                              </m:r>
+                            </m:sub>
+                          </m:sSub>
+                        </m:e>
+                        <m:sub>
+                          <m:r>
+                            <a:rPr lang="nb-NO" sz="6000" b="0" i="1" smtClean="0">
+                              <a:latin typeface="Cambria Math" panose="02040503050406030204" pitchFamily="18" charset="0"/>
+                            </a:rPr>
+                            <m:t>𝑃𝑟𝑒𝑑𝑖𝑐𝑡</m:t>
+                          </m:r>
+                        </m:sub>
+                      </m:sSub>
+                    </m:oMath>
+                  </a14:m>
+                  <a:endParaRPr lang="en-GB" sz="6000" dirty="0">
+                    <a:latin typeface="Arial" panose="020B0604020202020204" pitchFamily="34" charset="0"/>
+                    <a:cs typeface="Arial" panose="020B0604020202020204" pitchFamily="34" charset="0"/>
+                  </a:endParaRPr>
+                </a:p>
+                <a:p>
+                  <a:pPr algn="ctr"/>
+                  <a:r>
+                    <a:rPr lang="en-GB" sz="6000" dirty="0">
+                      <a:latin typeface="Arial" panose="020B0604020202020204" pitchFamily="34" charset="0"/>
+                      <a:cs typeface="Arial" panose="020B0604020202020204" pitchFamily="34" charset="0"/>
+                    </a:rPr>
+                    <a:t>to </a:t>
+                  </a:r>
+                  <a14:m>
+                    <m:oMath xmlns:m="http://schemas.openxmlformats.org/officeDocument/2006/math">
+                      <m:sSub>
+                        <m:sSubPr>
+                          <m:ctrlPr>
+                            <a:rPr lang="en-GB" sz="6000" i="1" smtClean="0">
+                              <a:latin typeface="Cambria Math" panose="02040503050406030204" pitchFamily="18" charset="0"/>
+                            </a:rPr>
+                          </m:ctrlPr>
+                        </m:sSubPr>
+                        <m:e>
+                          <m:sSub>
+                            <m:sSubPr>
+                              <m:ctrlPr>
+                                <a:rPr lang="nb-NO" sz="6000" i="1" dirty="0">
+                                  <a:latin typeface="Cambria Math" panose="02040503050406030204" pitchFamily="18" charset="0"/>
+                                  <a:cs typeface="Arial" panose="020B0604020202020204" pitchFamily="34" charset="0"/>
+                                </a:rPr>
+                              </m:ctrlPr>
+                            </m:sSubPr>
+                            <m:e>
+                              <m:r>
+                                <a:rPr lang="nb-NO" sz="6000" i="1" dirty="0">
+                                  <a:latin typeface="Cambria Math" panose="02040503050406030204" pitchFamily="18" charset="0"/>
+                                  <a:cs typeface="Arial" panose="020B0604020202020204" pitchFamily="34" charset="0"/>
+                                </a:rPr>
+                                <m:t>𝑇</m:t>
+                              </m:r>
+                            </m:e>
+                            <m:sub>
+                              <m:r>
+                                <a:rPr lang="nb-NO" sz="6000" i="1" dirty="0">
+                                  <a:latin typeface="Cambria Math" panose="02040503050406030204" pitchFamily="18" charset="0"/>
+                                  <a:cs typeface="Arial" panose="020B0604020202020204" pitchFamily="34" charset="0"/>
+                                </a:rPr>
+                                <m:t>𝑒</m:t>
+                              </m:r>
+                            </m:sub>
+                          </m:sSub>
+                        </m:e>
+                        <m:sub>
+                          <m:r>
+                            <a:rPr lang="nb-NO" sz="6000" b="0" i="1" smtClean="0">
+                              <a:latin typeface="Cambria Math" panose="02040503050406030204" pitchFamily="18" charset="0"/>
+                            </a:rPr>
+                            <m:t>𝐼𝑅𝐼</m:t>
+                          </m:r>
+                        </m:sub>
+                      </m:sSub>
+                    </m:oMath>
+                  </a14:m>
+                  <a:endParaRPr lang="en-GB" sz="6000" dirty="0">
+                    <a:latin typeface="Arial" panose="020B0604020202020204" pitchFamily="34" charset="0"/>
+                    <a:cs typeface="Arial" panose="020B0604020202020204" pitchFamily="34" charset="0"/>
+                  </a:endParaRPr>
+                </a:p>
+                <a:p>
+                  <a:pPr algn="ctr"/>
+                  <a:endParaRPr lang="en-GB" sz="6000" dirty="0">
+                    <a:latin typeface="Arial" panose="020B0604020202020204" pitchFamily="34" charset="0"/>
+                    <a:cs typeface="Arial" panose="020B0604020202020204" pitchFamily="34" charset="0"/>
+                  </a:endParaRPr>
+                </a:p>
+                <a:p>
+                  <a:pPr algn="ctr"/>
+                  <a:r>
+                    <a:rPr lang="en-GB" sz="6000" b="1" dirty="0">
+                      <a:latin typeface="Arial" panose="020B0604020202020204" pitchFamily="34" charset="0"/>
+                      <a:cs typeface="Arial" panose="020B0604020202020204" pitchFamily="34" charset="0"/>
+                    </a:rPr>
+                    <a:t>Evaluate:</a:t>
+                  </a:r>
+                </a:p>
+                <a:p>
+                  <a:pPr algn="ctr"/>
+                  <a:r>
+                    <a:rPr lang="en-GB" sz="6000" dirty="0">
+                      <a:latin typeface="Arial" panose="020B0604020202020204" pitchFamily="34" charset="0"/>
+                      <a:cs typeface="Arial" panose="020B0604020202020204" pitchFamily="34" charset="0"/>
+                    </a:rPr>
+                    <a:t>RMSRE &amp; </a:t>
+                  </a:r>
+                  <a:r>
+                    <a:rPr lang="en-GB" sz="6000" dirty="0" err="1">
+                      <a:latin typeface="Arial" panose="020B0604020202020204" pitchFamily="34" charset="0"/>
+                      <a:cs typeface="Arial" panose="020B0604020202020204" pitchFamily="34" charset="0"/>
+                    </a:rPr>
+                    <a:t>corr</a:t>
+                  </a:r>
+                  <a:endParaRPr lang="en-GB" sz="6000" dirty="0">
+                    <a:latin typeface="Arial" panose="020B0604020202020204" pitchFamily="34" charset="0"/>
+                    <a:cs typeface="Arial" panose="020B0604020202020204" pitchFamily="34" charset="0"/>
+                  </a:endParaRPr>
+                </a:p>
+                <a:p>
+                  <a:pPr algn="ctr"/>
+                  <a:endParaRPr lang="en-GB" sz="6000" dirty="0">
+                    <a:latin typeface="Arial" panose="020B0604020202020204" pitchFamily="34" charset="0"/>
+                    <a:cs typeface="Arial" panose="020B0604020202020204" pitchFamily="34" charset="0"/>
+                  </a:endParaRPr>
+                </a:p>
+              </p:txBody>
+            </p:sp>
+          </mc:Choice>
+          <mc:Fallback>
+            <p:sp>
+              <p:nvSpPr>
+                <p:cNvPr id="135" name="TextBox 134">
+                  <a:extLst>
+                    <a:ext uri="{FF2B5EF4-FFF2-40B4-BE49-F238E27FC236}">
+                      <a16:creationId xmlns:a16="http://schemas.microsoft.com/office/drawing/2014/main" id="{F59FC32F-9448-9587-85F7-6C67867D4C1F}"/>
+                    </a:ext>
+                  </a:extLst>
+                </p:cNvPr>
+                <p:cNvSpPr txBox="1">
+                  <a:spLocks noRot="1" noChangeAspect="1" noMove="1" noResize="1" noEditPoints="1" noAdjustHandles="1" noChangeArrowheads="1" noChangeShapeType="1" noTextEdit="1"/>
+                </p:cNvSpPr>
+                <p:nvPr/>
+              </p:nvSpPr>
+              <p:spPr>
+                <a:xfrm>
+                  <a:off x="3858252" y="12322969"/>
+                  <a:ext cx="5769273" cy="9420528"/>
+                </a:xfrm>
+                <a:prstGeom prst="rect">
+                  <a:avLst/>
+                </a:prstGeom>
+                <a:blipFill>
+                  <a:blip r:embed="rId9"/>
+                  <a:stretch>
+                    <a:fillRect l="-1099" t="-2019" r="-1319"/>
+                  </a:stretch>
+                </a:blipFill>
+              </p:spPr>
+              <p:txBody>
+                <a:bodyPr/>
+                <a:lstStyle/>
+                <a:p>
+                  <a:r>
+                    <a:rPr lang="en-NO">
+                      <a:noFill/>
+                    </a:rPr>
+                    <a:t> </a:t>
+                  </a:r>
+                </a:p>
+              </p:txBody>
+            </p:sp>
+          </mc:Fallback>
+        </mc:AlternateContent>
+        <p:sp>
+          <p:nvSpPr>
+            <p:cNvPr id="155" name="TextBox 154">
+              <a:extLst>
+                <a:ext uri="{FF2B5EF4-FFF2-40B4-BE49-F238E27FC236}">
+                  <a16:creationId xmlns:a16="http://schemas.microsoft.com/office/drawing/2014/main" id="{BB6CD69C-1A0E-7FDC-2B6E-6F6531CBEBC6}"/>
+                </a:ext>
+              </a:extLst>
+            </p:cNvPr>
+            <p:cNvSpPr txBox="1"/>
+            <p:nvPr/>
+          </p:nvSpPr>
+          <p:spPr>
+            <a:xfrm>
+              <a:off x="-24757604" y="9641344"/>
+              <a:ext cx="6225420" cy="1200329"/>
+            </a:xfrm>
+            <a:prstGeom prst="rect">
+              <a:avLst/>
+            </a:prstGeom>
+            <a:noFill/>
+          </p:spPr>
+          <p:txBody>
+            <a:bodyPr wrap="square" rtlCol="0">
+              <a:spAutoFit/>
+            </a:bodyPr>
+            <a:lstStyle/>
+            <a:p>
+              <a:r>
+                <a:rPr lang="en-GB" sz="7200" dirty="0">
+                  <a:latin typeface="Arial" panose="020B0604020202020204" pitchFamily="34" charset="0"/>
+                  <a:cs typeface="Arial" panose="020B0604020202020204" pitchFamily="34" charset="0"/>
+                </a:rPr>
+                <a:t>STEP 3:</a:t>
+              </a:r>
+              <a:endParaRPr lang="en-GB" sz="6000" dirty="0">
+                <a:latin typeface="Arial" panose="020B0604020202020204" pitchFamily="34" charset="0"/>
+                <a:cs typeface="Arial" panose="020B0604020202020204" pitchFamily="34" charset="0"/>
+              </a:endParaRPr>
+            </a:p>
+          </p:txBody>
+        </p:sp>
+        <p:grpSp>
+          <p:nvGrpSpPr>
+            <p:cNvPr id="224" name="Group 223">
+              <a:extLst>
+                <a:ext uri="{FF2B5EF4-FFF2-40B4-BE49-F238E27FC236}">
+                  <a16:creationId xmlns:a16="http://schemas.microsoft.com/office/drawing/2014/main" id="{8C7A0F9E-883D-EA16-549E-AB6E1333C7C6}"/>
+                </a:ext>
+              </a:extLst>
+            </p:cNvPr>
+            <p:cNvGrpSpPr/>
+            <p:nvPr/>
+          </p:nvGrpSpPr>
+          <p:grpSpPr>
+            <a:xfrm>
+              <a:off x="-6658761" y="17967603"/>
+              <a:ext cx="4485026" cy="4668899"/>
+              <a:chOff x="23877463" y="-11941869"/>
+              <a:chExt cx="4485026" cy="4668899"/>
+            </a:xfrm>
+          </p:grpSpPr>
+          <p:sp>
+            <p:nvSpPr>
+              <p:cNvPr id="222" name="Rounded Rectangle 221">
+                <a:extLst>
+                  <a:ext uri="{FF2B5EF4-FFF2-40B4-BE49-F238E27FC236}">
+                    <a16:creationId xmlns:a16="http://schemas.microsoft.com/office/drawing/2014/main" id="{BA97100C-1246-0A52-5D0C-E14EC55DFCF9}"/>
+                  </a:ext>
+                </a:extLst>
+              </p:cNvPr>
+              <p:cNvSpPr/>
+              <p:nvPr/>
+            </p:nvSpPr>
+            <p:spPr>
+              <a:xfrm>
+                <a:off x="23877463" y="-11941869"/>
+                <a:ext cx="4485026" cy="4668899"/>
+              </a:xfrm>
+              <a:prstGeom prst="roundRect">
+                <a:avLst/>
+              </a:prstGeom>
+              <a:solidFill>
+                <a:srgbClr val="FF7E79">
+                  <a:alpha val="50196"/>
+                </a:srgbClr>
+              </a:solidFill>
+              <a:ln w="76200"/>
+            </p:spPr>
+            <p:style>
+              <a:lnRef idx="2">
+                <a:schemeClr val="accent1">
+                  <a:shade val="50000"/>
+                </a:schemeClr>
+              </a:lnRef>
+              <a:fillRef idx="1">
+                <a:schemeClr val="accent1"/>
+              </a:fillRef>
+              <a:effectRef idx="0">
+                <a:schemeClr val="accent1"/>
+              </a:effectRef>
+              <a:fontRef idx="minor">
+                <a:schemeClr val="lt1"/>
+              </a:fontRef>
+            </p:style>
+            <p:txBody>
+              <a:bodyPr rtlCol="0" anchor="ctr"/>
+              <a:lstStyle/>
+              <a:p>
+                <a:pPr algn="ctr"/>
+                <a:endParaRPr lang="en-NO" dirty="0">
+                  <a:latin typeface="Arial" panose="020B0604020202020204" pitchFamily="34" charset="0"/>
+                  <a:cs typeface="Arial" panose="020B0604020202020204" pitchFamily="34" charset="0"/>
+                </a:endParaRPr>
+              </a:p>
+            </p:txBody>
+          </p:sp>
+          <p:sp>
+            <p:nvSpPr>
+              <p:cNvPr id="223" name="TextBox 222">
+                <a:extLst>
+                  <a:ext uri="{FF2B5EF4-FFF2-40B4-BE49-F238E27FC236}">
+                    <a16:creationId xmlns:a16="http://schemas.microsoft.com/office/drawing/2014/main" id="{1F392C99-4ABB-9A2A-9D38-8FBEDEA2FD1D}"/>
+                  </a:ext>
+                </a:extLst>
+              </p:cNvPr>
+              <p:cNvSpPr txBox="1"/>
+              <p:nvPr/>
+            </p:nvSpPr>
+            <p:spPr>
+              <a:xfrm>
+                <a:off x="24291432" y="-11111693"/>
+                <a:ext cx="3553506" cy="2862322"/>
+              </a:xfrm>
+              <a:prstGeom prst="rect">
+                <a:avLst/>
+              </a:prstGeom>
+              <a:noFill/>
+            </p:spPr>
+            <p:txBody>
+              <a:bodyPr wrap="square" rtlCol="0">
+                <a:spAutoFit/>
+              </a:bodyPr>
+              <a:lstStyle/>
+              <a:p>
+                <a:pPr algn="ctr"/>
+                <a:r>
+                  <a:rPr lang="en-GB" sz="6000" dirty="0">
+                    <a:latin typeface="Arial" panose="020B0604020202020204" pitchFamily="34" charset="0"/>
+                    <a:cs typeface="Arial" panose="020B0604020202020204" pitchFamily="34" charset="0"/>
+                  </a:rPr>
+                  <a:t>Machine Learning Model</a:t>
+                </a:r>
+              </a:p>
+            </p:txBody>
+          </p:sp>
+        </p:grpSp>
+        <p:grpSp>
+          <p:nvGrpSpPr>
+            <p:cNvPr id="233" name="Group 232">
+              <a:extLst>
+                <a:ext uri="{FF2B5EF4-FFF2-40B4-BE49-F238E27FC236}">
+                  <a16:creationId xmlns:a16="http://schemas.microsoft.com/office/drawing/2014/main" id="{AB36388D-7F12-5DD3-D545-9393882B4554}"/>
+                </a:ext>
+              </a:extLst>
+            </p:cNvPr>
+            <p:cNvGrpSpPr/>
+            <p:nvPr/>
+          </p:nvGrpSpPr>
+          <p:grpSpPr>
+            <a:xfrm>
+              <a:off x="-8344125" y="10834400"/>
+              <a:ext cx="6526666" cy="6731931"/>
+              <a:chOff x="-8167599" y="11235618"/>
+              <a:chExt cx="6526666" cy="6731931"/>
+            </a:xfrm>
+          </p:grpSpPr>
+          <p:grpSp>
+            <p:nvGrpSpPr>
+              <p:cNvPr id="221" name="Group 220">
+                <a:extLst>
+                  <a:ext uri="{FF2B5EF4-FFF2-40B4-BE49-F238E27FC236}">
+                    <a16:creationId xmlns:a16="http://schemas.microsoft.com/office/drawing/2014/main" id="{6D554F2F-BDB3-0136-CD74-9AB7E5072CD7}"/>
+                  </a:ext>
+                </a:extLst>
+              </p:cNvPr>
+              <p:cNvGrpSpPr/>
+              <p:nvPr/>
+            </p:nvGrpSpPr>
+            <p:grpSpPr>
+              <a:xfrm>
+                <a:off x="-8167599" y="11235618"/>
+                <a:ext cx="6284065" cy="6731931"/>
+                <a:chOff x="-5493857" y="7115279"/>
+                <a:chExt cx="6284065" cy="6731931"/>
+              </a:xfrm>
+            </p:grpSpPr>
+            <p:sp>
+              <p:nvSpPr>
+                <p:cNvPr id="218" name="Rounded Rectangle 217">
+                  <a:extLst>
+                    <a:ext uri="{FF2B5EF4-FFF2-40B4-BE49-F238E27FC236}">
+                      <a16:creationId xmlns:a16="http://schemas.microsoft.com/office/drawing/2014/main" id="{5CE2384E-CAFD-FB24-7995-C53672AE8AA5}"/>
                     </a:ext>
                   </a:extLst>
                 </p:cNvPr>
@@ -3582,302 +6703,18 @@
               </p:nvSpPr>
               <p:spPr>
                 <a:xfrm>
-                  <a:off x="5341110" y="-12268753"/>
-                  <a:ext cx="3636634" cy="6812916"/>
+                  <a:off x="-5493857" y="7115279"/>
+                  <a:ext cx="6284065" cy="6731931"/>
                 </a:xfrm>
                 <a:prstGeom prst="roundRect">
                   <a:avLst/>
                 </a:prstGeom>
-                <a:noFill/>
-                <a:ln w="76200"/>
-              </p:spPr>
-              <p:style>
-                <a:lnRef idx="2">
-                  <a:schemeClr val="accent1">
-                    <a:shade val="50000"/>
+                <a:solidFill>
+                  <a:schemeClr val="accent4">
+                    <a:lumMod val="20000"/>
+                    <a:lumOff val="80000"/>
                   </a:schemeClr>
-                </a:lnRef>
-                <a:fillRef idx="1">
-                  <a:schemeClr val="accent1"/>
-                </a:fillRef>
-                <a:effectRef idx="0">
-                  <a:schemeClr val="accent1"/>
-                </a:effectRef>
-                <a:fontRef idx="minor">
-                  <a:schemeClr val="lt1"/>
-                </a:fontRef>
-              </p:style>
-              <p:txBody>
-                <a:bodyPr rtlCol="0" anchor="ctr"/>
-                <a:lstStyle/>
-                <a:p>
-                  <a:pPr algn="ctr"/>
-                  <a:endParaRPr lang="en-NO" dirty="0">
-                    <a:latin typeface="Arial" panose="020B0604020202020204" pitchFamily="34" charset="0"/>
-                    <a:cs typeface="Arial" panose="020B0604020202020204" pitchFamily="34" charset="0"/>
-                  </a:endParaRPr>
-                </a:p>
-              </p:txBody>
-            </p:sp>
-            <mc:AlternateContent xmlns:mc="http://schemas.openxmlformats.org/markup-compatibility/2006">
-              <mc:Choice xmlns:a14="http://schemas.microsoft.com/office/drawing/2010/main" Requires="a14">
-                <p:sp>
-                  <p:nvSpPr>
-                    <p:cNvPr id="7" name="TextBox 6">
-                      <a:extLst>
-                        <a:ext uri="{FF2B5EF4-FFF2-40B4-BE49-F238E27FC236}">
-                          <a16:creationId xmlns:a16="http://schemas.microsoft.com/office/drawing/2014/main" id="{5B0E341F-C65E-9960-E32F-4D92A8844D30}"/>
-                        </a:ext>
-                      </a:extLst>
-                    </p:cNvPr>
-                    <p:cNvSpPr txBox="1"/>
-                    <p:nvPr/>
-                  </p:nvSpPr>
-                  <p:spPr>
-                    <a:xfrm>
-                      <a:off x="-15439222" y="-6316718"/>
-                      <a:ext cx="7899736" cy="4708981"/>
-                    </a:xfrm>
-                    <a:prstGeom prst="rect">
-                      <a:avLst/>
-                    </a:prstGeom>
-                    <a:noFill/>
-                  </p:spPr>
-                  <p:txBody>
-                    <a:bodyPr wrap="square" rtlCol="0">
-                      <a:spAutoFit/>
-                    </a:bodyPr>
-                    <a:lstStyle/>
-                    <a:p>
-                      <a:r>
-                        <a:rPr lang="en-GB" sz="6000" dirty="0">
-                          <a:latin typeface="Arial" panose="020B0604020202020204" pitchFamily="34" charset="0"/>
-                          <a:cs typeface="Arial" panose="020B0604020202020204" pitchFamily="34" charset="0"/>
-                        </a:rPr>
-                        <a:t>Ionospheric plasma parameters:</a:t>
-                      </a:r>
-                    </a:p>
-                    <a:p>
-                      <a:pPr marL="857250" indent="-857250">
-                        <a:buFont typeface="Arial" panose="020B0604020202020204" pitchFamily="34" charset="0"/>
-                        <a:buChar char="•"/>
-                      </a:pPr>
-                      <a:r>
-                        <a:rPr lang="en-GB" sz="6000" dirty="0">
-                          <a:latin typeface="Arial" panose="020B0604020202020204" pitchFamily="34" charset="0"/>
-                          <a:cs typeface="Arial" panose="020B0604020202020204" pitchFamily="34" charset="0"/>
-                        </a:rPr>
-                        <a:t>ne  [</a:t>
-                      </a:r>
-                      <a14:m>
-                        <m:oMath xmlns:m="http://schemas.openxmlformats.org/officeDocument/2006/math">
-                          <m:sSup>
-                            <m:sSupPr>
-                              <m:ctrlPr>
-                                <a:rPr lang="en-GB" sz="6000" i="1" smtClean="0">
-                                  <a:latin typeface="Cambria Math" panose="02040503050406030204" pitchFamily="18" charset="0"/>
-                                </a:rPr>
-                              </m:ctrlPr>
-                            </m:sSupPr>
-                            <m:e>
-                              <m:r>
-                                <a:rPr lang="nb-NO" sz="6000" b="0" i="1" smtClean="0">
-                                  <a:latin typeface="Cambria Math" panose="02040503050406030204" pitchFamily="18" charset="0"/>
-                                </a:rPr>
-                                <m:t>4</m:t>
-                              </m:r>
-                            </m:e>
-                            <m:sup>
-                              <m:r>
-                                <a:rPr lang="nb-NO" sz="6000" b="0" i="1" smtClean="0">
-                                  <a:latin typeface="Cambria Math" panose="02040503050406030204" pitchFamily="18" charset="0"/>
-                                </a:rPr>
-                                <m:t>10</m:t>
-                              </m:r>
-                            </m:sup>
-                          </m:sSup>
-                          <m:r>
-                            <a:rPr lang="nb-NO" sz="6000" b="0" i="0" smtClean="0">
-                              <a:latin typeface="Cambria Math" panose="02040503050406030204" pitchFamily="18" charset="0"/>
-                            </a:rPr>
-                            <m:t>− </m:t>
-                          </m:r>
-                          <m:sSup>
-                            <m:sSupPr>
-                              <m:ctrlPr>
-                                <a:rPr lang="en-GB" sz="6000" i="1" smtClean="0">
-                                  <a:latin typeface="Cambria Math" panose="02040503050406030204" pitchFamily="18" charset="0"/>
-                                </a:rPr>
-                              </m:ctrlPr>
-                            </m:sSupPr>
-                            <m:e>
-                              <m:r>
-                                <a:rPr lang="nb-NO" sz="6000" b="0" i="1" smtClean="0">
-                                  <a:latin typeface="Cambria Math" panose="02040503050406030204" pitchFamily="18" charset="0"/>
-                                </a:rPr>
-                                <m:t>3</m:t>
-                              </m:r>
-                            </m:e>
-                            <m:sup>
-                              <m:r>
-                                <a:rPr lang="nb-NO" sz="6000" b="0" i="1" smtClean="0">
-                                  <a:latin typeface="Cambria Math" panose="02040503050406030204" pitchFamily="18" charset="0"/>
-                                </a:rPr>
-                                <m:t>1</m:t>
-                              </m:r>
-                              <m:r>
-                                <a:rPr lang="nb-NO" sz="6000" b="0" i="1" smtClean="0">
-                                  <a:latin typeface="Cambria Math" panose="02040503050406030204" pitchFamily="18" charset="0"/>
-                                </a:rPr>
-                                <m:t>1</m:t>
-                              </m:r>
-                            </m:sup>
-                          </m:sSup>
-                        </m:oMath>
-                      </a14:m>
-                      <a:r>
-                        <a:rPr lang="en-GB" sz="6000" dirty="0">
-                          <a:latin typeface="Arial" panose="020B0604020202020204" pitchFamily="34" charset="0"/>
-                          <a:cs typeface="Arial" panose="020B0604020202020204" pitchFamily="34" charset="0"/>
-                        </a:rPr>
-                        <a:t> </a:t>
-                      </a:r>
-                      <a14:m>
-                        <m:oMath xmlns:m="http://schemas.openxmlformats.org/officeDocument/2006/math">
-                          <m:sSup>
-                            <m:sSupPr>
-                              <m:ctrlPr>
-                                <a:rPr lang="en-GB" sz="6000" i="1" smtClean="0">
-                                  <a:latin typeface="Cambria Math" panose="02040503050406030204" pitchFamily="18" charset="0"/>
-                                </a:rPr>
-                              </m:ctrlPr>
-                            </m:sSupPr>
-                            <m:e>
-                              <m:r>
-                                <a:rPr lang="nb-NO" sz="6000" b="0" i="1" smtClean="0">
-                                  <a:latin typeface="Cambria Math" panose="02040503050406030204" pitchFamily="18" charset="0"/>
-                                </a:rPr>
-                                <m:t>𝑚</m:t>
-                              </m:r>
-                            </m:e>
-                            <m:sup>
-                              <m:r>
-                                <a:rPr lang="nb-NO" sz="6000" b="0" i="1" smtClean="0">
-                                  <a:latin typeface="Cambria Math" panose="02040503050406030204" pitchFamily="18" charset="0"/>
-                                </a:rPr>
-                                <m:t>−3</m:t>
-                              </m:r>
-                            </m:sup>
-                          </m:sSup>
-                        </m:oMath>
-                      </a14:m>
-                      <a:r>
-                        <a:rPr lang="en-GB" sz="6000" dirty="0">
-                          <a:latin typeface="Arial" panose="020B0604020202020204" pitchFamily="34" charset="0"/>
-                          <a:cs typeface="Arial" panose="020B0604020202020204" pitchFamily="34" charset="0"/>
-                        </a:rPr>
-                        <a:t> ]</a:t>
-                      </a:r>
-                    </a:p>
-                    <a:p>
-                      <a:pPr marL="857250" indent="-857250">
-                        <a:buFont typeface="Arial" panose="020B0604020202020204" pitchFamily="34" charset="0"/>
-                        <a:buChar char="•"/>
-                      </a:pPr>
-                      <a:r>
-                        <a:rPr lang="en-GB" sz="6000" dirty="0">
-                          <a:latin typeface="Arial" panose="020B0604020202020204" pitchFamily="34" charset="0"/>
-                          <a:cs typeface="Arial" panose="020B0604020202020204" pitchFamily="34" charset="0"/>
-                        </a:rPr>
-                        <a:t>Te [300 – 2800 K]</a:t>
-                      </a:r>
-                    </a:p>
-                    <a:p>
-                      <a:pPr marL="857250" indent="-857250">
-                        <a:buFont typeface="Arial" panose="020B0604020202020204" pitchFamily="34" charset="0"/>
-                        <a:buChar char="•"/>
-                      </a:pPr>
-                      <a:r>
-                        <a:rPr lang="en-GB" sz="6000" dirty="0">
-                          <a:latin typeface="Arial" panose="020B0604020202020204" pitchFamily="34" charset="0"/>
-                          <a:cs typeface="Arial" panose="020B0604020202020204" pitchFamily="34" charset="0"/>
-                        </a:rPr>
-                        <a:t>V0s [-2 – 0 V] </a:t>
-                      </a:r>
-                      <a:endParaRPr lang="en-NO" sz="6000" dirty="0">
-                        <a:latin typeface="Arial" panose="020B0604020202020204" pitchFamily="34" charset="0"/>
-                        <a:cs typeface="Arial" panose="020B0604020202020204" pitchFamily="34" charset="0"/>
-                      </a:endParaRPr>
-                    </a:p>
-                  </p:txBody>
-                </p:sp>
-              </mc:Choice>
-              <mc:Fallback>
-                <p:sp>
-                  <p:nvSpPr>
-                    <p:cNvPr id="7" name="TextBox 6">
-                      <a:extLst>
-                        <a:ext uri="{FF2B5EF4-FFF2-40B4-BE49-F238E27FC236}">
-                          <a16:creationId xmlns:a16="http://schemas.microsoft.com/office/drawing/2014/main" id="{5B0E341F-C65E-9960-E32F-4D92A8844D30}"/>
-                        </a:ext>
-                      </a:extLst>
-                    </p:cNvPr>
-                    <p:cNvSpPr txBox="1">
-                      <a:spLocks noRot="1" noChangeAspect="1" noMove="1" noResize="1" noEditPoints="1" noAdjustHandles="1" noChangeArrowheads="1" noChangeShapeType="1" noTextEdit="1"/>
-                    </p:cNvSpPr>
-                    <p:nvPr/>
-                  </p:nvSpPr>
-                  <p:spPr>
-                    <a:xfrm>
-                      <a:off x="-15439222" y="-6316718"/>
-                      <a:ext cx="7899736" cy="4708981"/>
-                    </a:xfrm>
-                    <a:prstGeom prst="rect">
-                      <a:avLst/>
-                    </a:prstGeom>
-                    <a:blipFill>
-                      <a:blip r:embed="rId2"/>
-                      <a:stretch>
-                        <a:fillRect l="-4655" t="-4032" r="-3531" b="-7796"/>
-                      </a:stretch>
-                    </a:blipFill>
-                  </p:spPr>
-                  <p:txBody>
-                    <a:bodyPr/>
-                    <a:lstStyle/>
-                    <a:p>
-                      <a:r>
-                        <a:rPr lang="en-NO">
-                          <a:noFill/>
-                        </a:rPr>
-                        <a:t> </a:t>
-                      </a:r>
-                    </a:p>
-                  </p:txBody>
-                </p:sp>
-              </mc:Fallback>
-            </mc:AlternateContent>
-            <p:sp>
-              <p:nvSpPr>
-                <p:cNvPr id="8" name="Rounded Rectangle 7">
-                  <a:extLst>
-                    <a:ext uri="{FF2B5EF4-FFF2-40B4-BE49-F238E27FC236}">
-                      <a16:creationId xmlns:a16="http://schemas.microsoft.com/office/drawing/2014/main" id="{2AFD8FBB-3C10-87AD-3EA5-60FEC05548D5}"/>
-                    </a:ext>
-                  </a:extLst>
-                </p:cNvPr>
-                <p:cNvSpPr/>
-                <p:nvPr/>
-              </p:nvSpPr>
-              <p:spPr>
-                <a:xfrm>
-                  <a:off x="5341110" y="-3240213"/>
-                  <a:ext cx="3636635" cy="2530343"/>
-                </a:xfrm>
-                <a:prstGeom prst="roundRect">
-                  <a:avLst/>
-                </a:prstGeom>
-                <a:noFill/>
+                </a:solidFill>
                 <a:ln w="76200"/>
               </p:spPr>
               <p:style>
@@ -3910,112 +6747,10 @@
             </p:sp>
             <p:sp>
               <p:nvSpPr>
-                <p:cNvPr id="10" name="Rounded Rectangle 9">
+                <p:cNvPr id="219" name="TextBox 218">
                   <a:extLst>
                     <a:ext uri="{FF2B5EF4-FFF2-40B4-BE49-F238E27FC236}">
-                      <a16:creationId xmlns:a16="http://schemas.microsoft.com/office/drawing/2014/main" id="{CC358B4D-4972-F4C4-9E35-2CB5A3F85DBB}"/>
-                    </a:ext>
-                  </a:extLst>
-                </p:cNvPr>
-                <p:cNvSpPr/>
-                <p:nvPr/>
-              </p:nvSpPr>
-              <p:spPr>
-                <a:xfrm>
-                  <a:off x="5341110" y="-5315316"/>
-                  <a:ext cx="3595071" cy="1938992"/>
-                </a:xfrm>
-                <a:prstGeom prst="roundRect">
-                  <a:avLst/>
-                </a:prstGeom>
-                <a:noFill/>
-                <a:ln w="76200"/>
-              </p:spPr>
-              <p:style>
-                <a:lnRef idx="2">
-                  <a:schemeClr val="accent1">
-                    <a:shade val="50000"/>
-                  </a:schemeClr>
-                </a:lnRef>
-                <a:fillRef idx="1">
-                  <a:schemeClr val="accent1"/>
-                </a:fillRef>
-                <a:effectRef idx="0">
-                  <a:schemeClr val="accent1"/>
-                </a:effectRef>
-                <a:fontRef idx="minor">
-                  <a:schemeClr val="lt1"/>
-                </a:fontRef>
-              </p:style>
-              <p:txBody>
-                <a:bodyPr rtlCol="0" anchor="ctr"/>
-                <a:lstStyle/>
-                <a:p>
-                  <a:pPr algn="ctr"/>
-                  <a:endParaRPr lang="en-NO" dirty="0">
-                    <a:latin typeface="Arial" panose="020B0604020202020204" pitchFamily="34" charset="0"/>
-                    <a:cs typeface="Arial" panose="020B0604020202020204" pitchFamily="34" charset="0"/>
-                  </a:endParaRPr>
-                </a:p>
-              </p:txBody>
-            </p:sp>
-            <p:sp>
-              <p:nvSpPr>
-                <p:cNvPr id="11" name="Rounded Rectangle 10">
-                  <a:extLst>
-                    <a:ext uri="{FF2B5EF4-FFF2-40B4-BE49-F238E27FC236}">
-                      <a16:creationId xmlns:a16="http://schemas.microsoft.com/office/drawing/2014/main" id="{D903E996-ED5B-485C-9088-EC7F94DA86E7}"/>
-                    </a:ext>
-                  </a:extLst>
-                </p:cNvPr>
-                <p:cNvSpPr/>
-                <p:nvPr/>
-              </p:nvSpPr>
-              <p:spPr>
-                <a:xfrm>
-                  <a:off x="-980184" y="-12317034"/>
-                  <a:ext cx="3144576" cy="11607165"/>
-                </a:xfrm>
-                <a:prstGeom prst="roundRect">
-                  <a:avLst/>
-                </a:prstGeom>
-                <a:noFill/>
-                <a:ln w="76200"/>
-              </p:spPr>
-              <p:style>
-                <a:lnRef idx="2">
-                  <a:schemeClr val="accent1">
-                    <a:shade val="50000"/>
-                  </a:schemeClr>
-                </a:lnRef>
-                <a:fillRef idx="1">
-                  <a:schemeClr val="accent1"/>
-                </a:fillRef>
-                <a:effectRef idx="0">
-                  <a:schemeClr val="accent1"/>
-                </a:effectRef>
-                <a:fontRef idx="minor">
-                  <a:schemeClr val="lt1"/>
-                </a:fontRef>
-              </p:style>
-              <p:txBody>
-                <a:bodyPr rtlCol="0" anchor="ctr"/>
-                <a:lstStyle/>
-                <a:p>
-                  <a:pPr algn="ctr"/>
-                  <a:endParaRPr lang="en-NO" dirty="0">
-                    <a:latin typeface="Arial" panose="020B0604020202020204" pitchFamily="34" charset="0"/>
-                    <a:cs typeface="Arial" panose="020B0604020202020204" pitchFamily="34" charset="0"/>
-                  </a:endParaRPr>
-                </a:p>
-              </p:txBody>
-            </p:sp>
-            <p:sp>
-              <p:nvSpPr>
-                <p:cNvPr id="12" name="TextBox 11">
-                  <a:extLst>
-                    <a:ext uri="{FF2B5EF4-FFF2-40B4-BE49-F238E27FC236}">
-                      <a16:creationId xmlns:a16="http://schemas.microsoft.com/office/drawing/2014/main" id="{C8D47600-7915-2806-35E9-08B7F7028185}"/>
+                      <a16:creationId xmlns:a16="http://schemas.microsoft.com/office/drawing/2014/main" id="{C95E54FA-2D1B-3792-ECDD-C92F08FBD4FC}"/>
                     </a:ext>
                   </a:extLst>
                 </p:cNvPr>
@@ -4024,7 +6759,7 @@
               </p:nvSpPr>
               <p:spPr>
                 <a:xfrm>
-                  <a:off x="202728" y="-10353049"/>
+                  <a:off x="-2699638" y="7283883"/>
                   <a:ext cx="695624" cy="3323987"/>
                 </a:xfrm>
                 <a:prstGeom prst="rect">
@@ -4056,10 +6791,10 @@
             </p:sp>
             <p:sp>
               <p:nvSpPr>
-                <p:cNvPr id="13" name="TextBox 12">
+                <p:cNvPr id="220" name="TextBox 219">
                   <a:extLst>
                     <a:ext uri="{FF2B5EF4-FFF2-40B4-BE49-F238E27FC236}">
-                      <a16:creationId xmlns:a16="http://schemas.microsoft.com/office/drawing/2014/main" id="{5A600743-A27E-E88E-2C83-ED218981BA36}"/>
+                      <a16:creationId xmlns:a16="http://schemas.microsoft.com/office/drawing/2014/main" id="{4BE004FB-8CE5-B25F-54AA-FD69F823ED61}"/>
                     </a:ext>
                   </a:extLst>
                 </p:cNvPr>
@@ -4068,7 +6803,7 @@
               </p:nvSpPr>
               <p:spPr>
                 <a:xfrm>
-                  <a:off x="-1021748" y="-7610430"/>
+                  <a:off x="-3924113" y="9325552"/>
                   <a:ext cx="3144575" cy="1938992"/>
                 </a:xfrm>
                 <a:prstGeom prst="rect">
@@ -4093,382 +6828,69 @@
                 </a:p>
               </p:txBody>
             </p:sp>
-            <p:cxnSp>
-              <p:nvCxnSpPr>
-                <p:cNvPr id="15" name="Straight Arrow Connector 14">
-                  <a:extLst>
-                    <a:ext uri="{FF2B5EF4-FFF2-40B4-BE49-F238E27FC236}">
-                      <a16:creationId xmlns:a16="http://schemas.microsoft.com/office/drawing/2014/main" id="{425D7F4B-97D9-916A-1CC8-B9F5F1A8D97B}"/>
-                    </a:ext>
-                  </a:extLst>
-                </p:cNvPr>
-                <p:cNvCxnSpPr>
-                  <a:stCxn id="4" idx="3"/>
-                  <a:endCxn id="11" idx="1"/>
-                </p:cNvCxnSpPr>
-                <p:nvPr/>
-              </p:nvCxnSpPr>
-              <p:spPr>
-                <a:xfrm flipV="1">
-                  <a:off x="-7569245" y="-6513451"/>
-                  <a:ext cx="6589061" cy="1"/>
-                </a:xfrm>
-                <a:prstGeom prst="straightConnector1">
-                  <a:avLst/>
-                </a:prstGeom>
-                <a:ln w="76200">
-                  <a:solidFill>
-                    <a:schemeClr val="accent1"/>
-                  </a:solidFill>
-                  <a:tailEnd type="triangle"/>
-                </a:ln>
-              </p:spPr>
-              <p:style>
-                <a:lnRef idx="1">
-                  <a:schemeClr val="accent1"/>
-                </a:lnRef>
-                <a:fillRef idx="0">
-                  <a:schemeClr val="accent1"/>
-                </a:fillRef>
-                <a:effectRef idx="0">
-                  <a:schemeClr val="accent1"/>
-                </a:effectRef>
-                <a:fontRef idx="minor">
-                  <a:schemeClr val="tx1"/>
-                </a:fontRef>
-              </p:style>
-            </p:cxnSp>
-            <p:cxnSp>
-              <p:nvCxnSpPr>
-                <p:cNvPr id="16" name="Straight Arrow Connector 15">
-                  <a:extLst>
-                    <a:ext uri="{FF2B5EF4-FFF2-40B4-BE49-F238E27FC236}">
-                      <a16:creationId xmlns:a16="http://schemas.microsoft.com/office/drawing/2014/main" id="{4617C622-4417-BECA-ECBD-D7B2B1414344}"/>
-                    </a:ext>
-                  </a:extLst>
-                </p:cNvPr>
-                <p:cNvCxnSpPr>
-                  <a:cxnSpLocks/>
-                  <a:stCxn id="11" idx="3"/>
-                </p:cNvCxnSpPr>
-                <p:nvPr/>
-              </p:nvCxnSpPr>
-              <p:spPr>
-                <a:xfrm>
-                  <a:off x="2164392" y="-6513451"/>
-                  <a:ext cx="3042022" cy="0"/>
-                </a:xfrm>
-                <a:prstGeom prst="straightConnector1">
-                  <a:avLst/>
-                </a:prstGeom>
-                <a:ln w="76200">
-                  <a:solidFill>
-                    <a:schemeClr val="accent1"/>
-                  </a:solidFill>
-                  <a:tailEnd type="triangle"/>
-                </a:ln>
-              </p:spPr>
-              <p:style>
-                <a:lnRef idx="1">
-                  <a:schemeClr val="accent1"/>
-                </a:lnRef>
-                <a:fillRef idx="0">
-                  <a:schemeClr val="accent1"/>
-                </a:fillRef>
-                <a:effectRef idx="0">
-                  <a:schemeClr val="accent1"/>
-                </a:effectRef>
-                <a:fontRef idx="minor">
-                  <a:schemeClr val="tx1"/>
-                </a:fontRef>
-              </p:style>
-            </p:cxnSp>
-            <p:sp>
-              <p:nvSpPr>
-                <p:cNvPr id="19" name="TextBox 18">
-                  <a:extLst>
-                    <a:ext uri="{FF2B5EF4-FFF2-40B4-BE49-F238E27FC236}">
-                      <a16:creationId xmlns:a16="http://schemas.microsoft.com/office/drawing/2014/main" id="{B37A1753-19E2-73D8-5B14-645E88FC8212}"/>
-                    </a:ext>
-                  </a:extLst>
-                </p:cNvPr>
-                <p:cNvSpPr txBox="1"/>
-                <p:nvPr/>
-              </p:nvSpPr>
-              <p:spPr>
-                <a:xfrm>
-                  <a:off x="5608057" y="-9972259"/>
-                  <a:ext cx="3553506" cy="1938992"/>
-                </a:xfrm>
-                <a:prstGeom prst="rect">
-                  <a:avLst/>
-                </a:prstGeom>
-                <a:noFill/>
-              </p:spPr>
-              <p:txBody>
-                <a:bodyPr wrap="square" rtlCol="0">
-                  <a:spAutoFit/>
-                </a:bodyPr>
-                <a:lstStyle/>
-                <a:p>
-                  <a:pPr algn="ctr"/>
-                  <a:r>
-                    <a:rPr lang="en-GB" sz="6000" dirty="0">
-                      <a:latin typeface="Arial" panose="020B0604020202020204" pitchFamily="34" charset="0"/>
-                      <a:cs typeface="Arial" panose="020B0604020202020204" pitchFamily="34" charset="0"/>
-                    </a:rPr>
-                    <a:t>70% Training </a:t>
-                  </a:r>
-                </a:p>
-              </p:txBody>
-            </p:sp>
-            <p:sp>
-              <p:nvSpPr>
-                <p:cNvPr id="20" name="TextBox 19">
-                  <a:extLst>
-                    <a:ext uri="{FF2B5EF4-FFF2-40B4-BE49-F238E27FC236}">
-                      <a16:creationId xmlns:a16="http://schemas.microsoft.com/office/drawing/2014/main" id="{F83720F6-DA06-7027-D0AC-9AD5B643BD7E}"/>
-                    </a:ext>
-                  </a:extLst>
-                </p:cNvPr>
-                <p:cNvSpPr txBox="1"/>
-                <p:nvPr/>
-              </p:nvSpPr>
-              <p:spPr>
-                <a:xfrm>
-                  <a:off x="5382675" y="-5315316"/>
-                  <a:ext cx="3553506" cy="1938992"/>
-                </a:xfrm>
-                <a:prstGeom prst="rect">
-                  <a:avLst/>
-                </a:prstGeom>
-                <a:noFill/>
-              </p:spPr>
-              <p:txBody>
-                <a:bodyPr wrap="square" rtlCol="0">
-                  <a:spAutoFit/>
-                </a:bodyPr>
-                <a:lstStyle/>
-                <a:p>
-                  <a:pPr algn="ctr"/>
-                  <a:r>
-                    <a:rPr lang="en-GB" sz="6000" dirty="0">
-                      <a:latin typeface="Arial" panose="020B0604020202020204" pitchFamily="34" charset="0"/>
-                      <a:cs typeface="Arial" panose="020B0604020202020204" pitchFamily="34" charset="0"/>
-                    </a:rPr>
-                    <a:t>10% </a:t>
-                  </a:r>
-                </a:p>
-                <a:p>
-                  <a:r>
-                    <a:rPr lang="en-GB" sz="6000" dirty="0">
-                      <a:latin typeface="Arial" panose="020B0604020202020204" pitchFamily="34" charset="0"/>
-                      <a:cs typeface="Arial" panose="020B0604020202020204" pitchFamily="34" charset="0"/>
-                    </a:rPr>
-                    <a:t>Validation</a:t>
-                  </a:r>
-                </a:p>
-              </p:txBody>
-            </p:sp>
-            <p:sp>
-              <p:nvSpPr>
-                <p:cNvPr id="23" name="TextBox 22">
-                  <a:extLst>
-                    <a:ext uri="{FF2B5EF4-FFF2-40B4-BE49-F238E27FC236}">
-                      <a16:creationId xmlns:a16="http://schemas.microsoft.com/office/drawing/2014/main" id="{61C8F121-E3D2-3606-632F-ED14152B00A4}"/>
-                    </a:ext>
-                  </a:extLst>
-                </p:cNvPr>
-                <p:cNvSpPr txBox="1"/>
-                <p:nvPr/>
-              </p:nvSpPr>
-              <p:spPr>
-                <a:xfrm>
-                  <a:off x="-14637316" y="-11786184"/>
-                  <a:ext cx="7361207" cy="2123658"/>
-                </a:xfrm>
-                <a:prstGeom prst="rect">
-                  <a:avLst/>
-                </a:prstGeom>
-                <a:noFill/>
-              </p:spPr>
-              <p:txBody>
-                <a:bodyPr wrap="square" rtlCol="0">
-                  <a:spAutoFit/>
-                </a:bodyPr>
-                <a:lstStyle/>
-                <a:p>
-                  <a:r>
-                    <a:rPr lang="nb-NO" sz="7200" dirty="0">
-                      <a:latin typeface="Arial" panose="020B0604020202020204" pitchFamily="34" charset="0"/>
-                      <a:cs typeface="Arial" panose="020B0604020202020204" pitchFamily="34" charset="0"/>
-                    </a:rPr>
-                    <a:t>Synthetic Data</a:t>
-                  </a:r>
-                </a:p>
-                <a:p>
-                  <a:endParaRPr lang="en-NO" sz="6000" dirty="0">
+          </p:grpSp>
+          <p:sp>
+            <p:nvSpPr>
+              <p:cNvPr id="139" name="TextBox 138">
+                <a:extLst>
+                  <a:ext uri="{FF2B5EF4-FFF2-40B4-BE49-F238E27FC236}">
+                    <a16:creationId xmlns:a16="http://schemas.microsoft.com/office/drawing/2014/main" id="{49B3AAE0-ECFB-1529-7985-95FF503CBC21}"/>
+                  </a:ext>
+                </a:extLst>
+              </p:cNvPr>
+              <p:cNvSpPr txBox="1"/>
+              <p:nvPr/>
+            </p:nvSpPr>
+            <p:spPr>
+              <a:xfrm>
+                <a:off x="-7837104" y="15784653"/>
+                <a:ext cx="6196171" cy="1785104"/>
+              </a:xfrm>
+              <a:prstGeom prst="rect">
+                <a:avLst/>
+              </a:prstGeom>
+              <a:noFill/>
+            </p:spPr>
+            <p:txBody>
+              <a:bodyPr wrap="square" rtlCol="0">
+                <a:spAutoFit/>
+              </a:bodyPr>
+              <a:lstStyle/>
+              <a:p>
+                <a:r>
+                  <a:rPr lang="nb-NO" sz="5500" u="sng" dirty="0">
                     <a:latin typeface="Arial" panose="020B0604020202020204" pitchFamily="34" charset="0"/>
                     <a:cs typeface="Arial" panose="020B0604020202020204" pitchFamily="34" charset="0"/>
-                  </a:endParaRPr>
-                </a:p>
-              </p:txBody>
-            </p:sp>
-            <p:sp>
-              <p:nvSpPr>
-                <p:cNvPr id="24" name="TextBox 23">
-                  <a:extLst>
-                    <a:ext uri="{FF2B5EF4-FFF2-40B4-BE49-F238E27FC236}">
-                      <a16:creationId xmlns:a16="http://schemas.microsoft.com/office/drawing/2014/main" id="{C8A61818-BEC6-BD91-5BA9-76B7B33D7FD8}"/>
-                    </a:ext>
-                  </a:extLst>
-                </p:cNvPr>
-                <p:cNvSpPr txBox="1"/>
-                <p:nvPr/>
-              </p:nvSpPr>
-              <p:spPr>
-                <a:xfrm>
-                  <a:off x="-7341006" y="-9064674"/>
-                  <a:ext cx="6225420" cy="4847481"/>
-                </a:xfrm>
-                <a:prstGeom prst="rect">
-                  <a:avLst/>
-                </a:prstGeom>
-                <a:noFill/>
-              </p:spPr>
-              <p:txBody>
-                <a:bodyPr wrap="square" rtlCol="0">
-                  <a:spAutoFit/>
-                </a:bodyPr>
-                <a:lstStyle/>
-                <a:p>
-                  <a:r>
-                    <a:rPr lang="en-GB" sz="7200" dirty="0">
-                      <a:latin typeface="Arial" panose="020B0604020202020204" pitchFamily="34" charset="0"/>
-                      <a:cs typeface="Arial" panose="020B0604020202020204" pitchFamily="34" charset="0"/>
-                    </a:rPr>
-                    <a:t>Langmuir Library:</a:t>
-                  </a:r>
-                </a:p>
-                <a:p>
-                  <a:endParaRPr lang="en-GB" sz="5500" dirty="0">
+                  </a:rPr>
+                  <a:t>Test Robustness</a:t>
+                </a:r>
+                <a:r>
+                  <a:rPr lang="nb-NO" sz="5500" dirty="0">
                     <a:latin typeface="Arial" panose="020B0604020202020204" pitchFamily="34" charset="0"/>
                     <a:cs typeface="Arial" panose="020B0604020202020204" pitchFamily="34" charset="0"/>
-                  </a:endParaRPr>
-                </a:p>
-                <a:p>
-                  <a:r>
-                    <a:rPr lang="en-GB" sz="5500" dirty="0">
-                      <a:latin typeface="Arial" panose="020B0604020202020204" pitchFamily="34" charset="0"/>
-                      <a:cs typeface="Arial" panose="020B0604020202020204" pitchFamily="34" charset="0"/>
-                    </a:rPr>
-                    <a:t>Finite length model</a:t>
-                  </a:r>
-                </a:p>
-                <a:p>
-                  <a:r>
-                    <a:rPr lang="en-GB" sz="5500" dirty="0">
-                      <a:latin typeface="Arial" panose="020B0604020202020204" pitchFamily="34" charset="0"/>
-                      <a:cs typeface="Arial" panose="020B0604020202020204" pitchFamily="34" charset="0"/>
-                    </a:rPr>
-                    <a:t>Finite radius model</a:t>
-                  </a:r>
-                </a:p>
-              </p:txBody>
-            </p:sp>
-            <p:sp>
-              <p:nvSpPr>
-                <p:cNvPr id="36" name="TextBox 35">
-                  <a:extLst>
-                    <a:ext uri="{FF2B5EF4-FFF2-40B4-BE49-F238E27FC236}">
-                      <a16:creationId xmlns:a16="http://schemas.microsoft.com/office/drawing/2014/main" id="{ED9AAE12-14A2-820A-E363-3E596DC90A01}"/>
-                    </a:ext>
-                  </a:extLst>
-                </p:cNvPr>
-                <p:cNvSpPr txBox="1"/>
-                <p:nvPr/>
-              </p:nvSpPr>
-              <p:spPr>
-                <a:xfrm>
-                  <a:off x="2556070" y="-7867884"/>
-                  <a:ext cx="2689166" cy="1200329"/>
-                </a:xfrm>
-                <a:prstGeom prst="rect">
-                  <a:avLst/>
-                </a:prstGeom>
-                <a:noFill/>
-              </p:spPr>
-              <p:txBody>
-                <a:bodyPr wrap="square" rtlCol="0">
-                  <a:spAutoFit/>
-                </a:bodyPr>
-                <a:lstStyle/>
-                <a:p>
-                  <a:r>
-                    <a:rPr lang="en-GB" sz="7200" dirty="0">
-                      <a:latin typeface="Arial" panose="020B0604020202020204" pitchFamily="34" charset="0"/>
-                      <a:cs typeface="Arial" panose="020B0604020202020204" pitchFamily="34" charset="0"/>
-                    </a:rPr>
-                    <a:t>I &amp; Te</a:t>
-                  </a:r>
-                  <a:endParaRPr lang="en-GB" sz="6000" dirty="0">
+                  </a:rPr>
+                  <a:t>:</a:t>
+                </a:r>
+              </a:p>
+              <a:p>
+                <a:r>
+                  <a:rPr lang="nb-NO" sz="5500" dirty="0">
                     <a:latin typeface="Arial" panose="020B0604020202020204" pitchFamily="34" charset="0"/>
                     <a:cs typeface="Arial" panose="020B0604020202020204" pitchFamily="34" charset="0"/>
-                  </a:endParaRPr>
-                </a:p>
-              </p:txBody>
-            </p:sp>
-          </p:grpSp>
+                  </a:rPr>
+                  <a:t>add noise (𝝈)</a:t>
+                </a:r>
+              </a:p>
+            </p:txBody>
+          </p:sp>
         </p:grpSp>
-        <p:sp>
-          <p:nvSpPr>
-            <p:cNvPr id="153" name="TextBox 152">
-              <a:extLst>
-                <a:ext uri="{FF2B5EF4-FFF2-40B4-BE49-F238E27FC236}">
-                  <a16:creationId xmlns:a16="http://schemas.microsoft.com/office/drawing/2014/main" id="{DFDFB670-23C7-4602-2E96-9B85B52B6A65}"/>
-                </a:ext>
-              </a:extLst>
-            </p:cNvPr>
-            <p:cNvSpPr txBox="1"/>
-            <p:nvPr/>
-          </p:nvSpPr>
-          <p:spPr>
-            <a:xfrm>
-              <a:off x="-18411408" y="-14971624"/>
-              <a:ext cx="6225420" cy="1200329"/>
-            </a:xfrm>
-            <a:prstGeom prst="rect">
-              <a:avLst/>
-            </a:prstGeom>
-            <a:noFill/>
-          </p:spPr>
-          <p:txBody>
-            <a:bodyPr wrap="square" rtlCol="0">
-              <a:spAutoFit/>
-            </a:bodyPr>
-            <a:lstStyle/>
-            <a:p>
-              <a:r>
-                <a:rPr lang="en-GB" sz="7200" dirty="0">
-                  <a:latin typeface="Arial" panose="020B0604020202020204" pitchFamily="34" charset="0"/>
-                  <a:cs typeface="Arial" panose="020B0604020202020204" pitchFamily="34" charset="0"/>
-                </a:rPr>
-                <a:t>STEP 1:</a:t>
-              </a:r>
-              <a:endParaRPr lang="en-GB" sz="6000" dirty="0">
-                <a:latin typeface="Arial" panose="020B0604020202020204" pitchFamily="34" charset="0"/>
-                <a:cs typeface="Arial" panose="020B0604020202020204" pitchFamily="34" charset="0"/>
-              </a:endParaRPr>
-            </a:p>
-          </p:txBody>
-        </p:sp>
       </p:grpSp>
       <p:grpSp>
         <p:nvGrpSpPr>
-          <p:cNvPr id="157" name="Group 156">
+          <p:cNvPr id="18" name="Group 17">
             <a:extLst>
               <a:ext uri="{FF2B5EF4-FFF2-40B4-BE49-F238E27FC236}">
-                <a16:creationId xmlns:a16="http://schemas.microsoft.com/office/drawing/2014/main" id="{9D0F19D7-0F26-1C3B-D9B3-42467053E28B}"/>
+                <a16:creationId xmlns:a16="http://schemas.microsoft.com/office/drawing/2014/main" id="{C8DC0F26-E4B5-3F4F-F2B3-FA0B5B6EEB2D}"/>
               </a:ext>
             </a:extLst>
           </p:cNvPr>
@@ -4477,18 +6899,18 @@
         </p:nvGrpSpPr>
         <p:grpSpPr>
           <a:xfrm>
-            <a:off x="-18409236" y="-645726"/>
-            <a:ext cx="22256707" cy="12869113"/>
-            <a:chOff x="-18409236" y="-645726"/>
-            <a:chExt cx="22256707" cy="12869113"/>
+            <a:off x="-24764029" y="-19889880"/>
+            <a:ext cx="34958690" cy="12922305"/>
+            <a:chOff x="-24764029" y="-19889880"/>
+            <a:chExt cx="34958690" cy="12922305"/>
           </a:xfrm>
         </p:grpSpPr>
         <p:grpSp>
           <p:nvGrpSpPr>
-            <p:cNvPr id="150" name="Group 149">
+            <p:cNvPr id="203" name="Group 202">
               <a:extLst>
                 <a:ext uri="{FF2B5EF4-FFF2-40B4-BE49-F238E27FC236}">
-                  <a16:creationId xmlns:a16="http://schemas.microsoft.com/office/drawing/2014/main" id="{3915E3F3-001E-2C0A-6933-C87A3303FC8F}"/>
+                  <a16:creationId xmlns:a16="http://schemas.microsoft.com/office/drawing/2014/main" id="{CCEEF495-2FBB-9F98-BE7D-BE0D6CF5B350}"/>
                 </a:ext>
               </a:extLst>
             </p:cNvPr>
@@ -4497,18 +6919,18 @@
           </p:nvGrpSpPr>
           <p:grpSpPr>
             <a:xfrm>
-              <a:off x="-18409236" y="664497"/>
-              <a:ext cx="22256707" cy="11558890"/>
-              <a:chOff x="-16855986" y="6857993"/>
-              <a:chExt cx="22256707" cy="11558890"/>
+              <a:off x="-24764029" y="-19889880"/>
+              <a:ext cx="34958690" cy="12922305"/>
+              <a:chOff x="-23813102" y="-698927"/>
+              <a:chExt cx="34958690" cy="12922305"/>
             </a:xfrm>
           </p:grpSpPr>
           <p:sp>
             <p:nvSpPr>
-              <p:cNvPr id="40" name="Rounded Rectangle 39">
+              <p:cNvPr id="57" name="Rounded Rectangle 56">
                 <a:extLst>
                   <a:ext uri="{FF2B5EF4-FFF2-40B4-BE49-F238E27FC236}">
-                    <a16:creationId xmlns:a16="http://schemas.microsoft.com/office/drawing/2014/main" id="{943582C1-D329-EB39-D68C-C8D05BDCDA8F}"/>
+                    <a16:creationId xmlns:a16="http://schemas.microsoft.com/office/drawing/2014/main" id="{98FA98F5-2076-2AE4-4E16-7436ED340707}"/>
                   </a:ext>
                 </a:extLst>
               </p:cNvPr>
@@ -4517,13 +6939,17 @@
             </p:nvSpPr>
             <p:spPr>
               <a:xfrm>
-                <a:off x="-16416402" y="6858000"/>
-                <a:ext cx="4280861" cy="6812916"/>
+                <a:off x="-3626188" y="2847761"/>
+                <a:ext cx="4485026" cy="4668899"/>
               </a:xfrm>
               <a:prstGeom prst="roundRect">
                 <a:avLst/>
               </a:prstGeom>
-              <a:noFill/>
+              <a:solidFill>
+                <a:srgbClr val="FF7E79">
+                  <a:alpha val="50196"/>
+                </a:srgbClr>
+              </a:solidFill>
               <a:ln w="76200"/>
             </p:spPr>
             <p:style>
@@ -4556,266 +6982,6 @@
           </p:sp>
           <p:sp>
             <p:nvSpPr>
-              <p:cNvPr id="41" name="Rounded Rectangle 40">
-                <a:extLst>
-                  <a:ext uri="{FF2B5EF4-FFF2-40B4-BE49-F238E27FC236}">
-                    <a16:creationId xmlns:a16="http://schemas.microsoft.com/office/drawing/2014/main" id="{97D9430D-FEE1-FD89-7368-9219892EE83A}"/>
-                  </a:ext>
-                </a:extLst>
-              </p:cNvPr>
-              <p:cNvSpPr/>
-              <p:nvPr/>
-            </p:nvSpPr>
-            <p:spPr>
-              <a:xfrm>
-                <a:off x="-16416401" y="15886540"/>
-                <a:ext cx="4280862" cy="2530343"/>
-              </a:xfrm>
-              <a:prstGeom prst="roundRect">
-                <a:avLst/>
-              </a:prstGeom>
-              <a:noFill/>
-              <a:ln w="76200"/>
-            </p:spPr>
-            <p:style>
-              <a:lnRef idx="2">
-                <a:schemeClr val="accent1">
-                  <a:shade val="50000"/>
-                </a:schemeClr>
-              </a:lnRef>
-              <a:fillRef idx="1">
-                <a:schemeClr val="accent1"/>
-              </a:fillRef>
-              <a:effectRef idx="0">
-                <a:schemeClr val="accent1"/>
-              </a:effectRef>
-              <a:fontRef idx="minor">
-                <a:schemeClr val="lt1"/>
-              </a:fontRef>
-            </p:style>
-            <p:txBody>
-              <a:bodyPr rtlCol="0" anchor="ctr"/>
-              <a:lstStyle/>
-              <a:p>
-                <a:pPr algn="ctr"/>
-                <a:endParaRPr lang="en-NO" dirty="0">
-                  <a:latin typeface="Arial" panose="020B0604020202020204" pitchFamily="34" charset="0"/>
-                  <a:cs typeface="Arial" panose="020B0604020202020204" pitchFamily="34" charset="0"/>
-                </a:endParaRPr>
-              </a:p>
-            </p:txBody>
-          </p:sp>
-          <p:sp>
-            <p:nvSpPr>
-              <p:cNvPr id="42" name="Rounded Rectangle 41">
-                <a:extLst>
-                  <a:ext uri="{FF2B5EF4-FFF2-40B4-BE49-F238E27FC236}">
-                    <a16:creationId xmlns:a16="http://schemas.microsoft.com/office/drawing/2014/main" id="{F44B41AC-5C21-411A-C387-6CCC65AA4C43}"/>
-                  </a:ext>
-                </a:extLst>
-              </p:cNvPr>
-              <p:cNvSpPr/>
-              <p:nvPr/>
-            </p:nvSpPr>
-            <p:spPr>
-              <a:xfrm>
-                <a:off x="-16416401" y="13811437"/>
-                <a:ext cx="4239298" cy="1938992"/>
-              </a:xfrm>
-              <a:prstGeom prst="roundRect">
-                <a:avLst/>
-              </a:prstGeom>
-              <a:noFill/>
-              <a:ln w="76200"/>
-            </p:spPr>
-            <p:style>
-              <a:lnRef idx="2">
-                <a:schemeClr val="accent1">
-                  <a:shade val="50000"/>
-                </a:schemeClr>
-              </a:lnRef>
-              <a:fillRef idx="1">
-                <a:schemeClr val="accent1"/>
-              </a:fillRef>
-              <a:effectRef idx="0">
-                <a:schemeClr val="accent1"/>
-              </a:effectRef>
-              <a:fontRef idx="minor">
-                <a:schemeClr val="lt1"/>
-              </a:fontRef>
-            </p:style>
-            <p:txBody>
-              <a:bodyPr rtlCol="0" anchor="ctr"/>
-              <a:lstStyle/>
-              <a:p>
-                <a:pPr algn="ctr"/>
-                <a:endParaRPr lang="en-NO" dirty="0">
-                  <a:latin typeface="Arial" panose="020B0604020202020204" pitchFamily="34" charset="0"/>
-                  <a:cs typeface="Arial" panose="020B0604020202020204" pitchFamily="34" charset="0"/>
-                </a:endParaRPr>
-              </a:p>
-            </p:txBody>
-          </p:sp>
-          <p:sp>
-            <p:nvSpPr>
-              <p:cNvPr id="44" name="TextBox 43">
-                <a:extLst>
-                  <a:ext uri="{FF2B5EF4-FFF2-40B4-BE49-F238E27FC236}">
-                    <a16:creationId xmlns:a16="http://schemas.microsoft.com/office/drawing/2014/main" id="{F44A2B18-4F2E-CE0F-8113-11393AC09CFA}"/>
-                  </a:ext>
-                </a:extLst>
-              </p:cNvPr>
-              <p:cNvSpPr txBox="1"/>
-              <p:nvPr/>
-            </p:nvSpPr>
-            <p:spPr>
-              <a:xfrm>
-                <a:off x="-15818354" y="13879493"/>
-                <a:ext cx="3553506" cy="1938992"/>
-              </a:xfrm>
-              <a:prstGeom prst="rect">
-                <a:avLst/>
-              </a:prstGeom>
-              <a:noFill/>
-            </p:spPr>
-            <p:txBody>
-              <a:bodyPr wrap="square" rtlCol="0">
-                <a:spAutoFit/>
-              </a:bodyPr>
-              <a:lstStyle/>
-              <a:p>
-                <a:endParaRPr lang="en-GB" sz="6000">
-                  <a:latin typeface="Arial" panose="020B0604020202020204" pitchFamily="34" charset="0"/>
-                  <a:cs typeface="Arial" panose="020B0604020202020204" pitchFamily="34" charset="0"/>
-                </a:endParaRPr>
-              </a:p>
-              <a:p>
-                <a:endParaRPr lang="en-GB" sz="6000" dirty="0">
-                  <a:latin typeface="Arial" panose="020B0604020202020204" pitchFamily="34" charset="0"/>
-                  <a:cs typeface="Arial" panose="020B0604020202020204" pitchFamily="34" charset="0"/>
-                </a:endParaRPr>
-              </a:p>
-            </p:txBody>
-          </p:sp>
-          <mc:AlternateContent xmlns:mc="http://schemas.openxmlformats.org/markup-compatibility/2006">
-            <mc:Choice xmlns:a14="http://schemas.microsoft.com/office/drawing/2010/main" Requires="a14">
-              <p:sp>
-                <p:nvSpPr>
-                  <p:cNvPr id="45" name="TextBox 44">
-                    <a:extLst>
-                      <a:ext uri="{FF2B5EF4-FFF2-40B4-BE49-F238E27FC236}">
-                        <a16:creationId xmlns:a16="http://schemas.microsoft.com/office/drawing/2014/main" id="{1FA849D8-5C36-D601-000B-3D6775834591}"/>
-                      </a:ext>
-                    </a:extLst>
-                  </p:cNvPr>
-                  <p:cNvSpPr txBox="1"/>
-                  <p:nvPr/>
-                </p:nvSpPr>
-                <p:spPr>
-                  <a:xfrm>
-                    <a:off x="-14933779" y="16117189"/>
-                    <a:ext cx="1238754" cy="1034521"/>
-                  </a:xfrm>
-                  <a:prstGeom prst="rect">
-                    <a:avLst/>
-                  </a:prstGeom>
-                  <a:noFill/>
-                </p:spPr>
-                <p:txBody>
-                  <a:bodyPr wrap="square" rtlCol="0">
-                    <a:spAutoFit/>
-                  </a:bodyPr>
-                  <a:lstStyle/>
-                  <a:p>
-                    <a14:m>
-                      <m:oMathPara xmlns:m="http://schemas.openxmlformats.org/officeDocument/2006/math">
-                        <m:oMathParaPr>
-                          <m:jc m:val="centerGroup"/>
-                        </m:oMathParaPr>
-                        <m:oMath xmlns:m="http://schemas.openxmlformats.org/officeDocument/2006/math">
-                          <m:sSub>
-                            <m:sSubPr>
-                              <m:ctrlPr>
-                                <a:rPr lang="en-GB" sz="6000" i="1" smtClean="0">
-                                  <a:latin typeface="Cambria Math" panose="02040503050406030204" pitchFamily="18" charset="0"/>
-                                </a:rPr>
-                              </m:ctrlPr>
-                            </m:sSubPr>
-                            <m:e>
-                              <m:r>
-                                <a:rPr lang="nb-NO" sz="6000" b="0" i="1" smtClean="0">
-                                  <a:latin typeface="Cambria Math" panose="02040503050406030204" pitchFamily="18" charset="0"/>
-                                </a:rPr>
-                                <m:t>𝐼</m:t>
-                              </m:r>
-                            </m:e>
-                            <m:sub>
-                              <m:r>
-                                <a:rPr lang="nb-NO" sz="6000" b="0" i="1" smtClean="0">
-                                  <a:latin typeface="Cambria Math" panose="02040503050406030204" pitchFamily="18" charset="0"/>
-                                </a:rPr>
-                                <m:t>𝑇𝑒𝑠𝑡</m:t>
-                              </m:r>
-                            </m:sub>
-                          </m:sSub>
-                        </m:oMath>
-                      </m:oMathPara>
-                    </a14:m>
-                    <a:endParaRPr lang="en-GB" sz="6000" dirty="0">
-                      <a:latin typeface="Arial" panose="020B0604020202020204" pitchFamily="34" charset="0"/>
-                      <a:cs typeface="Arial" panose="020B0604020202020204" pitchFamily="34" charset="0"/>
-                    </a:endParaRPr>
-                  </a:p>
-                </p:txBody>
-              </p:sp>
-            </mc:Choice>
-            <mc:Fallback>
-              <p:sp>
-                <p:nvSpPr>
-                  <p:cNvPr id="45" name="TextBox 44">
-                    <a:extLst>
-                      <a:ext uri="{FF2B5EF4-FFF2-40B4-BE49-F238E27FC236}">
-                        <a16:creationId xmlns:a16="http://schemas.microsoft.com/office/drawing/2014/main" id="{1FA849D8-5C36-D601-000B-3D6775834591}"/>
-                      </a:ext>
-                    </a:extLst>
-                  </p:cNvPr>
-                  <p:cNvSpPr txBox="1">
-                    <a:spLocks noRot="1" noChangeAspect="1" noMove="1" noResize="1" noEditPoints="1" noAdjustHandles="1" noChangeArrowheads="1" noChangeShapeType="1" noTextEdit="1"/>
-                  </p:cNvSpPr>
-                  <p:nvPr/>
-                </p:nvSpPr>
-                <p:spPr>
-                  <a:xfrm>
-                    <a:off x="-14933779" y="16117189"/>
-                    <a:ext cx="1238754" cy="1034521"/>
-                  </a:xfrm>
-                  <a:prstGeom prst="rect">
-                    <a:avLst/>
-                  </a:prstGeom>
-                  <a:blipFill>
-                    <a:blip r:embed="rId3"/>
-                    <a:stretch>
-                      <a:fillRect l="-13131" r="-36364" b="-7229"/>
-                    </a:stretch>
-                  </a:blipFill>
-                </p:spPr>
-                <p:txBody>
-                  <a:bodyPr/>
-                  <a:lstStyle/>
-                  <a:p>
-                    <a:r>
-                      <a:rPr lang="en-NO">
-                        <a:noFill/>
-                      </a:rPr>
-                      <a:t> </a:t>
-                    </a:r>
-                  </a:p>
-                </p:txBody>
-              </p:sp>
-            </mc:Fallback>
-          </mc:AlternateContent>
-          <p:sp>
-            <p:nvSpPr>
               <p:cNvPr id="46" name="Right Brace 45">
                 <a:extLst>
                   <a:ext uri="{FF2B5EF4-FFF2-40B4-BE49-F238E27FC236}">
@@ -4828,16 +6994,16 @@
             </p:nvSpPr>
             <p:spPr>
               <a:xfrm>
-                <a:off x="-12135541" y="10261600"/>
-                <a:ext cx="1315141" cy="4521199"/>
+                <a:off x="-16970845" y="4215871"/>
+                <a:ext cx="3297365" cy="4439616"/>
               </a:xfrm>
               <a:prstGeom prst="rightBrace">
                 <a:avLst>
                   <a:gd name="adj1" fmla="val 2065"/>
-                  <a:gd name="adj2" fmla="val 23488"/>
+                  <a:gd name="adj2" fmla="val 23714"/>
                 </a:avLst>
               </a:prstGeom>
-              <a:ln w="76200"/>
+              <a:ln w="101600"/>
             </p:spPr>
             <p:style>
               <a:lnRef idx="1">
@@ -4879,13 +7045,17 @@
             </p:nvSpPr>
             <p:spPr>
               <a:xfrm>
-                <a:off x="-10778837" y="6858000"/>
-                <a:ext cx="5887046" cy="8892427"/>
+                <a:off x="-13707190" y="744888"/>
+                <a:ext cx="7380826" cy="8892427"/>
               </a:xfrm>
               <a:prstGeom prst="roundRect">
                 <a:avLst/>
               </a:prstGeom>
-              <a:noFill/>
+              <a:solidFill>
+                <a:srgbClr val="73FDD6">
+                  <a:alpha val="50196"/>
+                </a:srgbClr>
+              </a:solidFill>
               <a:ln w="76200"/>
             </p:spPr>
             <p:style>
@@ -4930,8 +7100,8 @@
             </p:nvSpPr>
             <p:spPr>
               <a:xfrm>
-                <a:off x="-10499770" y="8199922"/>
-                <a:ext cx="5328911" cy="8309967"/>
+                <a:off x="-12896891" y="2164599"/>
+                <a:ext cx="5884715" cy="6355586"/>
               </a:xfrm>
               <a:prstGeom prst="rect">
                 <a:avLst/>
@@ -4946,11 +7116,18 @@
               <a:p>
                 <a:pPr algn="ctr"/>
                 <a:r>
+                  <a:rPr lang="en-GB" sz="7200">
+                    <a:latin typeface="Arial" panose="020B0604020202020204" pitchFamily="34" charset="0"/>
+                    <a:cs typeface="Arial" panose="020B0604020202020204" pitchFamily="34" charset="0"/>
+                  </a:rPr>
+                  <a:t>NN </a:t>
+                </a:r>
+                <a:r>
                   <a:rPr lang="en-GB" sz="7200" dirty="0">
                     <a:latin typeface="Arial" panose="020B0604020202020204" pitchFamily="34" charset="0"/>
                     <a:cs typeface="Arial" panose="020B0604020202020204" pitchFamily="34" charset="0"/>
                   </a:rPr>
-                  <a:t>DNN layers:</a:t>
+                  <a:t>layers:</a:t>
                 </a:r>
               </a:p>
               <a:p>
@@ -5021,13 +7198,13 @@
             </p:nvCxnSpPr>
             <p:spPr>
               <a:xfrm flipV="1">
-                <a:off x="-4891791" y="11304213"/>
-                <a:ext cx="1167726" cy="1"/>
+                <a:off x="-6326364" y="5182211"/>
+                <a:ext cx="2700176" cy="8891"/>
               </a:xfrm>
               <a:prstGeom prst="straightConnector1">
                 <a:avLst/>
               </a:prstGeom>
-              <a:ln w="76200">
+              <a:ln w="101600">
                 <a:tailEnd type="triangle"/>
               </a:ln>
             </p:spPr>
@@ -5060,7 +7237,7 @@
             </p:nvSpPr>
             <p:spPr>
               <a:xfrm>
-                <a:off x="-3483043" y="9928953"/>
+                <a:off x="-3212219" y="3677937"/>
                 <a:ext cx="3553506" cy="2862322"/>
               </a:xfrm>
               <a:prstGeom prst="rect">
@@ -5074,6 +7251,7 @@
               </a:bodyPr>
               <a:lstStyle/>
               <a:p>
+                <a:pPr algn="ctr"/>
                 <a:r>
                   <a:rPr lang="en-GB" sz="6000" dirty="0">
                     <a:latin typeface="Arial" panose="020B0604020202020204" pitchFamily="34" charset="0"/>
@@ -5081,57 +7259,6 @@
                   </a:rPr>
                   <a:t>Machine Learning Model</a:t>
                 </a:r>
-              </a:p>
-            </p:txBody>
-          </p:sp>
-          <p:sp>
-            <p:nvSpPr>
-              <p:cNvPr id="57" name="Rounded Rectangle 56">
-                <a:extLst>
-                  <a:ext uri="{FF2B5EF4-FFF2-40B4-BE49-F238E27FC236}">
-                    <a16:creationId xmlns:a16="http://schemas.microsoft.com/office/drawing/2014/main" id="{98FA98F5-2076-2AE4-4E16-7436ED340707}"/>
-                  </a:ext>
-                </a:extLst>
-              </p:cNvPr>
-              <p:cNvSpPr/>
-              <p:nvPr/>
-            </p:nvSpPr>
-            <p:spPr>
-              <a:xfrm>
-                <a:off x="-3724065" y="6857999"/>
-                <a:ext cx="3464569" cy="8892427"/>
-              </a:xfrm>
-              <a:prstGeom prst="roundRect">
-                <a:avLst/>
-              </a:prstGeom>
-              <a:noFill/>
-              <a:ln w="76200"/>
-            </p:spPr>
-            <p:style>
-              <a:lnRef idx="2">
-                <a:schemeClr val="accent1">
-                  <a:shade val="50000"/>
-                </a:schemeClr>
-              </a:lnRef>
-              <a:fillRef idx="1">
-                <a:schemeClr val="accent1"/>
-              </a:fillRef>
-              <a:effectRef idx="0">
-                <a:schemeClr val="accent1"/>
-              </a:effectRef>
-              <a:fontRef idx="minor">
-                <a:schemeClr val="lt1"/>
-              </a:fontRef>
-            </p:style>
-            <p:txBody>
-              <a:bodyPr rtlCol="0" anchor="ctr"/>
-              <a:lstStyle/>
-              <a:p>
-                <a:pPr algn="ctr"/>
-                <a:endParaRPr lang="en-NO" dirty="0">
-                  <a:latin typeface="Arial" panose="020B0604020202020204" pitchFamily="34" charset="0"/>
-                  <a:cs typeface="Arial" panose="020B0604020202020204" pitchFamily="34" charset="0"/>
-                </a:endParaRPr>
               </a:p>
             </p:txBody>
           </p:sp>
@@ -5149,16 +7276,16 @@
             </p:nvSpPr>
             <p:spPr>
               <a:xfrm>
-                <a:off x="-259496" y="11304207"/>
-                <a:ext cx="1500435" cy="5859225"/>
+                <a:off x="858838" y="5039954"/>
+                <a:ext cx="3111211" cy="5928964"/>
               </a:xfrm>
               <a:prstGeom prst="rightBrace">
                 <a:avLst>
-                  <a:gd name="adj1" fmla="val 2065"/>
+                  <a:gd name="adj1" fmla="val 0"/>
                   <a:gd name="adj2" fmla="val 23488"/>
                 </a:avLst>
               </a:prstGeom>
-              <a:ln w="76200"/>
+              <a:ln w="101600"/>
             </p:spPr>
             <p:style>
               <a:lnRef idx="1">
@@ -5197,18 +7324,19 @@
               </p:cNvPr>
               <p:cNvCxnSpPr>
                 <a:cxnSpLocks/>
+                <a:stCxn id="41" idx="3"/>
               </p:cNvCxnSpPr>
               <p:nvPr/>
             </p:nvCxnSpPr>
             <p:spPr>
               <a:xfrm>
-                <a:off x="-12113143" y="17151710"/>
-                <a:ext cx="12603864" cy="11722"/>
+                <a:off x="-16970846" y="10958207"/>
+                <a:ext cx="17829684" cy="10711"/>
               </a:xfrm>
               <a:prstGeom prst="straightConnector1">
                 <a:avLst/>
               </a:prstGeom>
-              <a:ln w="76200">
+              <a:ln w="101600">
                 <a:tailEnd type="triangle"/>
               </a:ln>
             </p:spPr>
@@ -5241,13 +7369,17 @@
             </p:nvSpPr>
             <p:spPr>
               <a:xfrm>
-                <a:off x="1279022" y="6857993"/>
-                <a:ext cx="3966214" cy="11239069"/>
+                <a:off x="3921712" y="744888"/>
+                <a:ext cx="7223876" cy="11239069"/>
               </a:xfrm>
               <a:prstGeom prst="roundRect">
                 <a:avLst/>
               </a:prstGeom>
-              <a:noFill/>
+              <a:solidFill>
+                <a:srgbClr val="FF2600">
+                  <a:alpha val="50196"/>
+                </a:srgbClr>
+              </a:solidFill>
               <a:ln w="76200"/>
             </p:spPr>
             <p:style>
@@ -5294,8 +7426,8 @@
                 </p:nvSpPr>
                 <p:spPr>
                   <a:xfrm>
-                    <a:off x="1187298" y="7822105"/>
-                    <a:ext cx="4213423" cy="9325630"/>
+                    <a:off x="4888872" y="2051814"/>
+                    <a:ext cx="5369013" cy="8592096"/>
                   </a:xfrm>
                   <a:prstGeom prst="rect">
                     <a:avLst/>
@@ -5397,12 +7529,34 @@
                             </m:ctrlPr>
                           </m:sSubPr>
                           <m:e>
-                            <m:r>
-                              <a:rPr lang="nb-NO" sz="6000" b="0" i="1" smtClean="0">
-                                <a:latin typeface="Cambria Math" panose="02040503050406030204" pitchFamily="18" charset="0"/>
-                              </a:rPr>
-                              <m:t>𝑇𝑒</m:t>
-                            </m:r>
+                            <m:sSub>
+                              <m:sSubPr>
+                                <m:ctrlPr>
+                                  <a:rPr lang="nb-NO" sz="6000" i="1" dirty="0">
+                                    <a:latin typeface="Cambria Math" panose="02040503050406030204" pitchFamily="18" charset="0"/>
+                                    <a:cs typeface="Arial" panose="020B0604020202020204" pitchFamily="34" charset="0"/>
+                                  </a:rPr>
+                                </m:ctrlPr>
+                              </m:sSubPr>
+                              <m:e>
+                                <m:r>
+                                  <a:rPr lang="nb-NO" sz="6000" i="1" dirty="0">
+                                    <a:latin typeface="Cambria Math" panose="02040503050406030204" pitchFamily="18" charset="0"/>
+                                    <a:cs typeface="Arial" panose="020B0604020202020204" pitchFamily="34" charset="0"/>
+                                  </a:rPr>
+                                  <m:t>𝑇</m:t>
+                                </m:r>
+                              </m:e>
+                              <m:sub>
+                                <m:r>
+                                  <a:rPr lang="nb-NO" sz="6000" i="1" dirty="0">
+                                    <a:latin typeface="Cambria Math" panose="02040503050406030204" pitchFamily="18" charset="0"/>
+                                    <a:cs typeface="Arial" panose="020B0604020202020204" pitchFamily="34" charset="0"/>
+                                  </a:rPr>
+                                  <m:t>𝑒</m:t>
+                                </m:r>
+                              </m:sub>
+                            </m:sSub>
                           </m:e>
                           <m:sub>
                             <m:r>
@@ -5440,12 +7594,34 @@
                             </m:ctrlPr>
                           </m:sSubPr>
                           <m:e>
-                            <m:r>
-                              <a:rPr lang="nb-NO" sz="6000" b="0" i="1" smtClean="0">
-                                <a:latin typeface="Cambria Math" panose="02040503050406030204" pitchFamily="18" charset="0"/>
-                              </a:rPr>
-                              <m:t>𝑇𝑒</m:t>
-                            </m:r>
+                            <m:sSub>
+                              <m:sSubPr>
+                                <m:ctrlPr>
+                                  <a:rPr lang="nb-NO" sz="6000" i="1" dirty="0">
+                                    <a:latin typeface="Cambria Math" panose="02040503050406030204" pitchFamily="18" charset="0"/>
+                                    <a:cs typeface="Arial" panose="020B0604020202020204" pitchFamily="34" charset="0"/>
+                                  </a:rPr>
+                                </m:ctrlPr>
+                              </m:sSubPr>
+                              <m:e>
+                                <m:r>
+                                  <a:rPr lang="nb-NO" sz="6000" i="1" dirty="0">
+                                    <a:latin typeface="Cambria Math" panose="02040503050406030204" pitchFamily="18" charset="0"/>
+                                    <a:cs typeface="Arial" panose="020B0604020202020204" pitchFamily="34" charset="0"/>
+                                  </a:rPr>
+                                  <m:t>𝑇</m:t>
+                                </m:r>
+                              </m:e>
+                              <m:sub>
+                                <m:r>
+                                  <a:rPr lang="nb-NO" sz="6000" i="1" dirty="0">
+                                    <a:latin typeface="Cambria Math" panose="02040503050406030204" pitchFamily="18" charset="0"/>
+                                    <a:cs typeface="Arial" panose="020B0604020202020204" pitchFamily="34" charset="0"/>
+                                  </a:rPr>
+                                  <m:t>𝑒</m:t>
+                                </m:r>
+                              </m:sub>
+                            </m:sSub>
                           </m:e>
                           <m:sub>
                             <m:r>
@@ -5521,16 +7697,16 @@
                 </p:nvSpPr>
                 <p:spPr>
                   <a:xfrm>
-                    <a:off x="1187298" y="7822105"/>
-                    <a:ext cx="4213423" cy="9325630"/>
+                    <a:off x="4888872" y="2051814"/>
+                    <a:ext cx="5369013" cy="8592096"/>
                   </a:xfrm>
                   <a:prstGeom prst="rect">
                     <a:avLst/>
                   </a:prstGeom>
                   <a:blipFill>
-                    <a:blip r:embed="rId4"/>
+                    <a:blip r:embed="rId10"/>
                     <a:stretch>
-                      <a:fillRect l="-3916" t="-2041" r="-7229" b="-3537"/>
+                      <a:fillRect l="-5201" t="-2212" r="-5201" b="-3835"/>
                     </a:stretch>
                   </a:blipFill>
                 </p:spPr>
@@ -5549,597 +7725,1160 @@
               </p:sp>
             </mc:Fallback>
           </mc:AlternateContent>
-          <mc:AlternateContent xmlns:mc="http://schemas.openxmlformats.org/markup-compatibility/2006">
-            <mc:Choice xmlns:a14="http://schemas.microsoft.com/office/drawing/2010/main" Requires="a14">
+          <p:grpSp>
+            <p:nvGrpSpPr>
+              <p:cNvPr id="188" name="Group 187">
+                <a:extLst>
+                  <a:ext uri="{FF2B5EF4-FFF2-40B4-BE49-F238E27FC236}">
+                    <a16:creationId xmlns:a16="http://schemas.microsoft.com/office/drawing/2014/main" id="{83593A8E-B0E5-1E74-D8E0-B3062CB8A061}"/>
+                  </a:ext>
+                </a:extLst>
+              </p:cNvPr>
+              <p:cNvGrpSpPr/>
+              <p:nvPr/>
+            </p:nvGrpSpPr>
+            <p:grpSpPr>
+              <a:xfrm>
+                <a:off x="-23806677" y="604160"/>
+                <a:ext cx="6835831" cy="11619218"/>
+                <a:chOff x="-22378006" y="604167"/>
+                <a:chExt cx="6835831" cy="11619218"/>
+              </a:xfrm>
+            </p:grpSpPr>
+            <p:sp>
+              <p:nvSpPr>
+                <p:cNvPr id="42" name="Rounded Rectangle 41">
+                  <a:extLst>
+                    <a:ext uri="{FF2B5EF4-FFF2-40B4-BE49-F238E27FC236}">
+                      <a16:creationId xmlns:a16="http://schemas.microsoft.com/office/drawing/2014/main" id="{F44B41AC-5C21-411A-C387-6CCC65AA4C43}"/>
+                    </a:ext>
+                  </a:extLst>
+                </p:cNvPr>
+                <p:cNvSpPr/>
+                <p:nvPr/>
+              </p:nvSpPr>
+              <p:spPr>
+                <a:xfrm>
+                  <a:off x="-22287272" y="7557604"/>
+                  <a:ext cx="6706844" cy="1938992"/>
+                </a:xfrm>
+                <a:prstGeom prst="roundRect">
+                  <a:avLst/>
+                </a:prstGeom>
+                <a:solidFill>
+                  <a:schemeClr val="accent5">
+                    <a:lumMod val="20000"/>
+                    <a:lumOff val="80000"/>
+                  </a:schemeClr>
+                </a:solidFill>
+                <a:ln w="76200"/>
+              </p:spPr>
+              <p:style>
+                <a:lnRef idx="2">
+                  <a:schemeClr val="accent1">
+                    <a:shade val="50000"/>
+                  </a:schemeClr>
+                </a:lnRef>
+                <a:fillRef idx="1">
+                  <a:schemeClr val="accent1"/>
+                </a:fillRef>
+                <a:effectRef idx="0">
+                  <a:schemeClr val="accent1"/>
+                </a:effectRef>
+                <a:fontRef idx="minor">
+                  <a:schemeClr val="lt1"/>
+                </a:fontRef>
+              </p:style>
+              <p:txBody>
+                <a:bodyPr rtlCol="0" anchor="ctr"/>
+                <a:lstStyle/>
+                <a:p>
+                  <a:pPr algn="ctr"/>
+                  <a:endParaRPr lang="en-NO" dirty="0">
+                    <a:latin typeface="Arial" panose="020B0604020202020204" pitchFamily="34" charset="0"/>
+                    <a:cs typeface="Arial" panose="020B0604020202020204" pitchFamily="34" charset="0"/>
+                  </a:endParaRPr>
+                </a:p>
+              </p:txBody>
+            </p:sp>
+            <p:grpSp>
+              <p:nvGrpSpPr>
+                <p:cNvPr id="187" name="Group 186">
+                  <a:extLst>
+                    <a:ext uri="{FF2B5EF4-FFF2-40B4-BE49-F238E27FC236}">
+                      <a16:creationId xmlns:a16="http://schemas.microsoft.com/office/drawing/2014/main" id="{3928A291-9812-7877-1CB5-FE0B852AD64A}"/>
+                    </a:ext>
+                  </a:extLst>
+                </p:cNvPr>
+                <p:cNvGrpSpPr/>
+                <p:nvPr/>
+              </p:nvGrpSpPr>
+              <p:grpSpPr>
+                <a:xfrm>
+                  <a:off x="-22378006" y="604167"/>
+                  <a:ext cx="6835831" cy="11619218"/>
+                  <a:chOff x="-22378006" y="604167"/>
+                  <a:chExt cx="6835831" cy="11619218"/>
+                </a:xfrm>
+              </p:grpSpPr>
               <p:sp>
                 <p:nvSpPr>
-                  <p:cNvPr id="68" name="TextBox 67">
+                  <p:cNvPr id="41" name="Rounded Rectangle 40">
                     <a:extLst>
                       <a:ext uri="{FF2B5EF4-FFF2-40B4-BE49-F238E27FC236}">
-                        <a16:creationId xmlns:a16="http://schemas.microsoft.com/office/drawing/2014/main" id="{4092C939-AEA0-CE39-1C6C-BEF51FE73066}"/>
+                        <a16:creationId xmlns:a16="http://schemas.microsoft.com/office/drawing/2014/main" id="{97D9430D-FEE1-FD89-7368-9219892EE83A}"/>
                       </a:ext>
                     </a:extLst>
                   </p:cNvPr>
-                  <p:cNvSpPr txBox="1"/>
+                  <p:cNvSpPr/>
                   <p:nvPr/>
                 </p:nvSpPr>
                 <p:spPr>
                   <a:xfrm>
-                    <a:off x="-15564354" y="17062541"/>
-                    <a:ext cx="1238754" cy="1034521"/>
+                    <a:off x="-22378006" y="9693042"/>
+                    <a:ext cx="6835831" cy="2530343"/>
                   </a:xfrm>
-                  <a:prstGeom prst="rect">
+                  <a:prstGeom prst="roundRect">
                     <a:avLst/>
                   </a:prstGeom>
-                  <a:noFill/>
+                  <a:solidFill>
+                    <a:schemeClr val="accent5">
+                      <a:lumMod val="20000"/>
+                      <a:lumOff val="80000"/>
+                    </a:schemeClr>
+                  </a:solidFill>
+                  <a:ln w="76200"/>
                 </p:spPr>
+                <p:style>
+                  <a:lnRef idx="2">
+                    <a:schemeClr val="accent1">
+                      <a:shade val="50000"/>
+                    </a:schemeClr>
+                  </a:lnRef>
+                  <a:fillRef idx="1">
+                    <a:schemeClr val="accent1"/>
+                  </a:fillRef>
+                  <a:effectRef idx="0">
+                    <a:schemeClr val="accent1"/>
+                  </a:effectRef>
+                  <a:fontRef idx="minor">
+                    <a:schemeClr val="lt1"/>
+                  </a:fontRef>
+                </p:style>
                 <p:txBody>
-                  <a:bodyPr wrap="square" rtlCol="0">
-                    <a:spAutoFit/>
-                  </a:bodyPr>
+                  <a:bodyPr rtlCol="0" anchor="ctr"/>
                   <a:lstStyle/>
                   <a:p>
-                    <a14:m>
-                      <m:oMathPara xmlns:m="http://schemas.openxmlformats.org/officeDocument/2006/math">
-                        <m:oMathParaPr>
-                          <m:jc m:val="centerGroup"/>
-                        </m:oMathParaPr>
-                        <m:oMath xmlns:m="http://schemas.openxmlformats.org/officeDocument/2006/math">
-                          <m:sSub>
-                            <m:sSubPr>
-                              <m:ctrlPr>
-                                <a:rPr lang="en-GB" sz="6000" i="1" smtClean="0">
-                                  <a:latin typeface="Cambria Math" panose="02040503050406030204" pitchFamily="18" charset="0"/>
-                                </a:rPr>
-                              </m:ctrlPr>
-                            </m:sSubPr>
-                            <m:e>
-                              <m:r>
-                                <a:rPr lang="nb-NO" sz="6000" b="0" i="1" smtClean="0">
-                                  <a:latin typeface="Cambria Math" panose="02040503050406030204" pitchFamily="18" charset="0"/>
-                                </a:rPr>
-                                <m:t>𝑇𝑒</m:t>
-                              </m:r>
-                            </m:e>
-                            <m:sub>
-                              <m:r>
-                                <a:rPr lang="nb-NO" sz="6000" b="0" i="1" smtClean="0">
-                                  <a:latin typeface="Cambria Math" panose="02040503050406030204" pitchFamily="18" charset="0"/>
-                                </a:rPr>
-                                <m:t>𝑇𝑒𝑠𝑡</m:t>
-                              </m:r>
-                            </m:sub>
-                          </m:sSub>
-                        </m:oMath>
-                      </m:oMathPara>
-                    </a14:m>
-                    <a:endParaRPr lang="en-GB" sz="6000" dirty="0">
+                    <a:pPr algn="ctr"/>
+                    <a:endParaRPr lang="en-NO" dirty="0">
                       <a:latin typeface="Arial" panose="020B0604020202020204" pitchFamily="34" charset="0"/>
                       <a:cs typeface="Arial" panose="020B0604020202020204" pitchFamily="34" charset="0"/>
                     </a:endParaRPr>
                   </a:p>
                 </p:txBody>
               </p:sp>
-            </mc:Choice>
-            <mc:Fallback>
-              <p:sp>
-                <p:nvSpPr>
-                  <p:cNvPr id="68" name="TextBox 67">
+              <p:grpSp>
+                <p:nvGrpSpPr>
+                  <p:cNvPr id="186" name="Group 185">
                     <a:extLst>
                       <a:ext uri="{FF2B5EF4-FFF2-40B4-BE49-F238E27FC236}">
-                        <a16:creationId xmlns:a16="http://schemas.microsoft.com/office/drawing/2014/main" id="{4092C939-AEA0-CE39-1C6C-BEF51FE73066}"/>
+                        <a16:creationId xmlns:a16="http://schemas.microsoft.com/office/drawing/2014/main" id="{F8F2CF75-5FC2-29DA-7FBC-A8815A2A6EF1}"/>
                       </a:ext>
                     </a:extLst>
                   </p:cNvPr>
-                  <p:cNvSpPr txBox="1">
-                    <a:spLocks noRot="1" noChangeAspect="1" noMove="1" noResize="1" noEditPoints="1" noAdjustHandles="1" noChangeArrowheads="1" noChangeShapeType="1" noTextEdit="1"/>
-                  </p:cNvSpPr>
+                  <p:cNvGrpSpPr/>
                   <p:nvPr/>
-                </p:nvSpPr>
-                <p:spPr>
+                </p:nvGrpSpPr>
+                <p:grpSpPr>
                   <a:xfrm>
-                    <a:off x="-15564354" y="17062541"/>
-                    <a:ext cx="1238754" cy="1034521"/>
+                    <a:off x="-22378006" y="604167"/>
+                    <a:ext cx="6797579" cy="11323028"/>
+                    <a:chOff x="-22378006" y="604167"/>
+                    <a:chExt cx="6797579" cy="11323028"/>
                   </a:xfrm>
-                  <a:prstGeom prst="rect">
-                    <a:avLst/>
-                  </a:prstGeom>
-                  <a:blipFill>
-                    <a:blip r:embed="rId5"/>
-                    <a:stretch>
-                      <a:fillRect l="-13265" r="-82653" b="-7229"/>
-                    </a:stretch>
-                  </a:blipFill>
-                </p:spPr>
-                <p:txBody>
-                  <a:bodyPr/>
-                  <a:lstStyle/>
-                  <a:p>
-                    <a:r>
-                      <a:rPr lang="en-NO">
-                        <a:noFill/>
-                      </a:rPr>
-                      <a:t> </a:t>
-                    </a:r>
-                  </a:p>
-                </p:txBody>
-              </p:sp>
-            </mc:Fallback>
-          </mc:AlternateContent>
-          <mc:AlternateContent xmlns:mc="http://schemas.openxmlformats.org/markup-compatibility/2006">
-            <mc:Choice xmlns:a14="http://schemas.microsoft.com/office/drawing/2010/main" Requires="a14">
-              <p:sp>
-                <p:nvSpPr>
-                  <p:cNvPr id="69" name="TextBox 68">
-                    <a:extLst>
-                      <a:ext uri="{FF2B5EF4-FFF2-40B4-BE49-F238E27FC236}">
-                        <a16:creationId xmlns:a16="http://schemas.microsoft.com/office/drawing/2014/main" id="{0E9C2538-D341-2844-E5C6-47D442C10BED}"/>
-                      </a:ext>
-                    </a:extLst>
-                  </p:cNvPr>
-                  <p:cNvSpPr txBox="1"/>
-                  <p:nvPr/>
-                </p:nvSpPr>
-                <p:spPr>
-                  <a:xfrm>
-                    <a:off x="-15356997" y="13831772"/>
-                    <a:ext cx="1238754" cy="1034521"/>
-                  </a:xfrm>
-                  <a:prstGeom prst="rect">
-                    <a:avLst/>
-                  </a:prstGeom>
-                  <a:noFill/>
-                </p:spPr>
-                <p:txBody>
-                  <a:bodyPr wrap="square" rtlCol="0">
-                    <a:spAutoFit/>
-                  </a:bodyPr>
-                  <a:lstStyle/>
-                  <a:p>
-                    <a14:m>
-                      <m:oMathPara xmlns:m="http://schemas.openxmlformats.org/officeDocument/2006/math">
-                        <m:oMathParaPr>
-                          <m:jc m:val="centerGroup"/>
-                        </m:oMathParaPr>
-                        <m:oMath xmlns:m="http://schemas.openxmlformats.org/officeDocument/2006/math">
-                          <m:sSub>
-                            <m:sSubPr>
-                              <m:ctrlPr>
-                                <a:rPr lang="en-GB" sz="6000" i="1" smtClean="0">
-                                  <a:latin typeface="Cambria Math" panose="02040503050406030204" pitchFamily="18" charset="0"/>
-                                </a:rPr>
-                              </m:ctrlPr>
-                            </m:sSubPr>
-                            <m:e>
-                              <m:r>
-                                <a:rPr lang="nb-NO" sz="6000" b="0" i="1" smtClean="0">
-                                  <a:latin typeface="Cambria Math" panose="02040503050406030204" pitchFamily="18" charset="0"/>
-                                </a:rPr>
-                                <m:t>𝐼</m:t>
-                              </m:r>
-                            </m:e>
-                            <m:sub>
-                              <m:r>
-                                <a:rPr lang="nb-NO" sz="6000" b="0" i="1" smtClean="0">
-                                  <a:latin typeface="Cambria Math" panose="02040503050406030204" pitchFamily="18" charset="0"/>
-                                </a:rPr>
-                                <m:t>𝑉𝑎𝑙𝑖𝑑𝑎𝑡𝑒</m:t>
-                              </m:r>
-                            </m:sub>
-                          </m:sSub>
-                        </m:oMath>
-                      </m:oMathPara>
-                    </a14:m>
-                    <a:endParaRPr lang="en-GB" sz="6000" dirty="0">
-                      <a:latin typeface="Arial" panose="020B0604020202020204" pitchFamily="34" charset="0"/>
-                      <a:cs typeface="Arial" panose="020B0604020202020204" pitchFamily="34" charset="0"/>
-                    </a:endParaRPr>
-                  </a:p>
-                </p:txBody>
-              </p:sp>
-            </mc:Choice>
-            <mc:Fallback>
-              <p:sp>
-                <p:nvSpPr>
-                  <p:cNvPr id="69" name="TextBox 68">
-                    <a:extLst>
-                      <a:ext uri="{FF2B5EF4-FFF2-40B4-BE49-F238E27FC236}">
-                        <a16:creationId xmlns:a16="http://schemas.microsoft.com/office/drawing/2014/main" id="{0E9C2538-D341-2844-E5C6-47D442C10BED}"/>
-                      </a:ext>
-                    </a:extLst>
-                  </p:cNvPr>
-                  <p:cNvSpPr txBox="1">
-                    <a:spLocks noRot="1" noChangeAspect="1" noMove="1" noResize="1" noEditPoints="1" noAdjustHandles="1" noChangeArrowheads="1" noChangeShapeType="1" noTextEdit="1"/>
-                  </p:cNvSpPr>
-                  <p:nvPr/>
-                </p:nvSpPr>
-                <p:spPr>
-                  <a:xfrm>
-                    <a:off x="-15356997" y="13831772"/>
-                    <a:ext cx="1238754" cy="1034521"/>
-                  </a:xfrm>
-                  <a:prstGeom prst="rect">
-                    <a:avLst/>
-                  </a:prstGeom>
-                  <a:blipFill>
-                    <a:blip r:embed="rId6"/>
-                    <a:stretch>
-                      <a:fillRect l="-13265" r="-132653" b="-8434"/>
-                    </a:stretch>
-                  </a:blipFill>
-                </p:spPr>
-                <p:txBody>
-                  <a:bodyPr/>
-                  <a:lstStyle/>
-                  <a:p>
-                    <a:r>
-                      <a:rPr lang="en-NO">
-                        <a:noFill/>
-                      </a:rPr>
-                      <a:t> </a:t>
-                    </a:r>
-                  </a:p>
-                </p:txBody>
-              </p:sp>
-            </mc:Fallback>
-          </mc:AlternateContent>
-          <mc:AlternateContent xmlns:mc="http://schemas.openxmlformats.org/markup-compatibility/2006">
-            <mc:Choice xmlns:a14="http://schemas.microsoft.com/office/drawing/2010/main" Requires="a14">
-              <p:sp>
-                <p:nvSpPr>
-                  <p:cNvPr id="70" name="TextBox 69">
-                    <a:extLst>
-                      <a:ext uri="{FF2B5EF4-FFF2-40B4-BE49-F238E27FC236}">
-                        <a16:creationId xmlns:a16="http://schemas.microsoft.com/office/drawing/2014/main" id="{E5B05CEB-8DF3-40D6-7347-F409CE9176EC}"/>
-                      </a:ext>
-                    </a:extLst>
-                  </p:cNvPr>
-                  <p:cNvSpPr txBox="1"/>
-                  <p:nvPr/>
-                </p:nvSpPr>
-                <p:spPr>
-                  <a:xfrm>
-                    <a:off x="-15950207" y="14641483"/>
-                    <a:ext cx="1238754" cy="1034521"/>
-                  </a:xfrm>
-                  <a:prstGeom prst="rect">
-                    <a:avLst/>
-                  </a:prstGeom>
-                  <a:noFill/>
-                </p:spPr>
-                <p:txBody>
-                  <a:bodyPr wrap="square" rtlCol="0">
-                    <a:spAutoFit/>
-                  </a:bodyPr>
-                  <a:lstStyle/>
-                  <a:p>
-                    <a14:m>
-                      <m:oMathPara xmlns:m="http://schemas.openxmlformats.org/officeDocument/2006/math">
-                        <m:oMathParaPr>
-                          <m:jc m:val="centerGroup"/>
-                        </m:oMathParaPr>
-                        <m:oMath xmlns:m="http://schemas.openxmlformats.org/officeDocument/2006/math">
-                          <m:sSub>
-                            <m:sSubPr>
-                              <m:ctrlPr>
-                                <a:rPr lang="en-GB" sz="6000" i="1" smtClean="0">
-                                  <a:latin typeface="Cambria Math" panose="02040503050406030204" pitchFamily="18" charset="0"/>
-                                </a:rPr>
-                              </m:ctrlPr>
-                            </m:sSubPr>
-                            <m:e>
-                              <m:r>
-                                <a:rPr lang="nb-NO" sz="6000" b="0" i="1" smtClean="0">
-                                  <a:latin typeface="Cambria Math" panose="02040503050406030204" pitchFamily="18" charset="0"/>
-                                </a:rPr>
-                                <m:t>𝑇𝑒</m:t>
-                              </m:r>
-                            </m:e>
-                            <m:sub>
-                              <m:r>
-                                <a:rPr lang="nb-NO" sz="6000" b="0" i="1" smtClean="0">
-                                  <a:latin typeface="Cambria Math" panose="02040503050406030204" pitchFamily="18" charset="0"/>
-                                </a:rPr>
-                                <m:t>𝑉𝑎𝑙𝑖𝑑𝑎𝑡𝑒</m:t>
-                              </m:r>
-                            </m:sub>
-                          </m:sSub>
-                        </m:oMath>
-                      </m:oMathPara>
-                    </a14:m>
-                    <a:endParaRPr lang="en-GB" sz="6000" dirty="0">
-                      <a:latin typeface="Arial" panose="020B0604020202020204" pitchFamily="34" charset="0"/>
-                      <a:cs typeface="Arial" panose="020B0604020202020204" pitchFamily="34" charset="0"/>
-                    </a:endParaRPr>
-                  </a:p>
-                </p:txBody>
-              </p:sp>
-            </mc:Choice>
-            <mc:Fallback>
-              <p:sp>
-                <p:nvSpPr>
-                  <p:cNvPr id="70" name="TextBox 69">
-                    <a:extLst>
-                      <a:ext uri="{FF2B5EF4-FFF2-40B4-BE49-F238E27FC236}">
-                        <a16:creationId xmlns:a16="http://schemas.microsoft.com/office/drawing/2014/main" id="{E5B05CEB-8DF3-40D6-7347-F409CE9176EC}"/>
-                      </a:ext>
-                    </a:extLst>
-                  </p:cNvPr>
-                  <p:cNvSpPr txBox="1">
-                    <a:spLocks noRot="1" noChangeAspect="1" noMove="1" noResize="1" noEditPoints="1" noAdjustHandles="1" noChangeArrowheads="1" noChangeShapeType="1" noTextEdit="1"/>
-                  </p:cNvSpPr>
-                  <p:nvPr/>
-                </p:nvSpPr>
-                <p:spPr>
-                  <a:xfrm>
-                    <a:off x="-15950207" y="14641483"/>
-                    <a:ext cx="1238754" cy="1034521"/>
-                  </a:xfrm>
-                  <a:prstGeom prst="rect">
-                    <a:avLst/>
-                  </a:prstGeom>
-                  <a:blipFill>
-                    <a:blip r:embed="rId7"/>
-                    <a:stretch>
-                      <a:fillRect l="-13131" r="-175758" b="-9756"/>
-                    </a:stretch>
-                  </a:blipFill>
-                </p:spPr>
-                <p:txBody>
-                  <a:bodyPr/>
-                  <a:lstStyle/>
-                  <a:p>
-                    <a:r>
-                      <a:rPr lang="en-NO">
-                        <a:noFill/>
-                      </a:rPr>
-                      <a:t> </a:t>
-                    </a:r>
-                  </a:p>
-                </p:txBody>
-              </p:sp>
-            </mc:Fallback>
-          </mc:AlternateContent>
-          <mc:AlternateContent xmlns:mc="http://schemas.openxmlformats.org/markup-compatibility/2006">
-            <mc:Choice xmlns:a14="http://schemas.microsoft.com/office/drawing/2010/main" Requires="a14">
-              <p:sp>
-                <p:nvSpPr>
-                  <p:cNvPr id="71" name="TextBox 70">
-                    <a:extLst>
-                      <a:ext uri="{FF2B5EF4-FFF2-40B4-BE49-F238E27FC236}">
-                        <a16:creationId xmlns:a16="http://schemas.microsoft.com/office/drawing/2014/main" id="{E0417FCA-5339-3011-9920-1D07AAD6A5BD}"/>
-                      </a:ext>
-                    </a:extLst>
-                  </p:cNvPr>
-                  <p:cNvSpPr txBox="1"/>
-                  <p:nvPr/>
-                </p:nvSpPr>
-                <p:spPr>
-                  <a:xfrm>
-                    <a:off x="-15167790" y="10332123"/>
-                    <a:ext cx="1238754" cy="1015663"/>
-                  </a:xfrm>
-                  <a:prstGeom prst="rect">
-                    <a:avLst/>
-                  </a:prstGeom>
-                  <a:noFill/>
-                </p:spPr>
-                <p:txBody>
-                  <a:bodyPr wrap="square" rtlCol="0">
-                    <a:spAutoFit/>
-                  </a:bodyPr>
-                  <a:lstStyle/>
-                  <a:p>
-                    <a14:m>
-                      <m:oMathPara xmlns:m="http://schemas.openxmlformats.org/officeDocument/2006/math">
-                        <m:oMathParaPr>
-                          <m:jc m:val="centerGroup"/>
-                        </m:oMathParaPr>
-                        <m:oMath xmlns:m="http://schemas.openxmlformats.org/officeDocument/2006/math">
-                          <m:sSub>
-                            <m:sSubPr>
-                              <m:ctrlPr>
-                                <a:rPr lang="en-GB" sz="6000" i="1" smtClean="0">
-                                  <a:latin typeface="Cambria Math" panose="02040503050406030204" pitchFamily="18" charset="0"/>
-                                </a:rPr>
-                              </m:ctrlPr>
-                            </m:sSubPr>
-                            <m:e>
-                              <m:r>
-                                <a:rPr lang="nb-NO" sz="6000" b="0" i="1" smtClean="0">
-                                  <a:latin typeface="Cambria Math" panose="02040503050406030204" pitchFamily="18" charset="0"/>
-                                </a:rPr>
-                                <m:t>𝐼</m:t>
-                              </m:r>
-                            </m:e>
-                            <m:sub>
-                              <m:r>
-                                <a:rPr lang="nb-NO" sz="6000" b="0" i="1" smtClean="0">
-                                  <a:latin typeface="Cambria Math" panose="02040503050406030204" pitchFamily="18" charset="0"/>
-                                </a:rPr>
-                                <m:t>𝑇𝑟𝑎𝑖𝑛</m:t>
-                              </m:r>
-                            </m:sub>
-                          </m:sSub>
-                        </m:oMath>
-                      </m:oMathPara>
-                    </a14:m>
-                    <a:endParaRPr lang="en-GB" sz="6000" dirty="0">
-                      <a:latin typeface="Arial" panose="020B0604020202020204" pitchFamily="34" charset="0"/>
-                      <a:cs typeface="Arial" panose="020B0604020202020204" pitchFamily="34" charset="0"/>
-                    </a:endParaRPr>
-                  </a:p>
-                </p:txBody>
-              </p:sp>
-            </mc:Choice>
-            <mc:Fallback>
-              <p:sp>
-                <p:nvSpPr>
-                  <p:cNvPr id="71" name="TextBox 70">
-                    <a:extLst>
-                      <a:ext uri="{FF2B5EF4-FFF2-40B4-BE49-F238E27FC236}">
-                        <a16:creationId xmlns:a16="http://schemas.microsoft.com/office/drawing/2014/main" id="{E0417FCA-5339-3011-9920-1D07AAD6A5BD}"/>
-                      </a:ext>
-                    </a:extLst>
-                  </p:cNvPr>
-                  <p:cNvSpPr txBox="1">
-                    <a:spLocks noRot="1" noChangeAspect="1" noMove="1" noResize="1" noEditPoints="1" noAdjustHandles="1" noChangeArrowheads="1" noChangeShapeType="1" noTextEdit="1"/>
-                  </p:cNvSpPr>
-                  <p:nvPr/>
-                </p:nvSpPr>
-                <p:spPr>
-                  <a:xfrm>
-                    <a:off x="-15167790" y="10332123"/>
-                    <a:ext cx="1238754" cy="1015663"/>
-                  </a:xfrm>
-                  <a:prstGeom prst="rect">
-                    <a:avLst/>
-                  </a:prstGeom>
-                  <a:blipFill>
-                    <a:blip r:embed="rId8"/>
-                    <a:stretch>
-                      <a:fillRect l="-13265" r="-69388" b="-10976"/>
-                    </a:stretch>
-                  </a:blipFill>
-                </p:spPr>
-                <p:txBody>
-                  <a:bodyPr/>
-                  <a:lstStyle/>
-                  <a:p>
-                    <a:r>
-                      <a:rPr lang="en-NO">
-                        <a:noFill/>
-                      </a:rPr>
-                      <a:t> </a:t>
-                    </a:r>
-                  </a:p>
-                </p:txBody>
-              </p:sp>
-            </mc:Fallback>
-          </mc:AlternateContent>
-          <mc:AlternateContent xmlns:mc="http://schemas.openxmlformats.org/markup-compatibility/2006">
-            <mc:Choice xmlns:a14="http://schemas.microsoft.com/office/drawing/2010/main" Requires="a14">
-              <p:sp>
-                <p:nvSpPr>
-                  <p:cNvPr id="72" name="TextBox 71">
-                    <a:extLst>
-                      <a:ext uri="{FF2B5EF4-FFF2-40B4-BE49-F238E27FC236}">
-                        <a16:creationId xmlns:a16="http://schemas.microsoft.com/office/drawing/2014/main" id="{6677351C-CDD3-54AB-5F94-56E549B25854}"/>
-                      </a:ext>
-                    </a:extLst>
-                  </p:cNvPr>
-                  <p:cNvSpPr txBox="1"/>
-                  <p:nvPr/>
-                </p:nvSpPr>
-                <p:spPr>
-                  <a:xfrm>
-                    <a:off x="-15763948" y="11233079"/>
-                    <a:ext cx="1238754" cy="1015663"/>
-                  </a:xfrm>
-                  <a:prstGeom prst="rect">
-                    <a:avLst/>
-                  </a:prstGeom>
-                  <a:noFill/>
-                </p:spPr>
-                <p:txBody>
-                  <a:bodyPr wrap="square" rtlCol="0">
-                    <a:spAutoFit/>
-                  </a:bodyPr>
-                  <a:lstStyle/>
-                  <a:p>
-                    <a14:m>
-                      <m:oMathPara xmlns:m="http://schemas.openxmlformats.org/officeDocument/2006/math">
-                        <m:oMathParaPr>
-                          <m:jc m:val="centerGroup"/>
-                        </m:oMathParaPr>
-                        <m:oMath xmlns:m="http://schemas.openxmlformats.org/officeDocument/2006/math">
-                          <m:sSub>
-                            <m:sSubPr>
-                              <m:ctrlPr>
-                                <a:rPr lang="en-GB" sz="6000" i="1" smtClean="0">
-                                  <a:latin typeface="Cambria Math" panose="02040503050406030204" pitchFamily="18" charset="0"/>
-                                </a:rPr>
-                              </m:ctrlPr>
-                            </m:sSubPr>
-                            <m:e>
-                              <m:r>
-                                <a:rPr lang="nb-NO" sz="6000" b="0" i="1" smtClean="0">
-                                  <a:latin typeface="Cambria Math" panose="02040503050406030204" pitchFamily="18" charset="0"/>
-                                </a:rPr>
-                                <m:t>𝑇𝑒</m:t>
-                              </m:r>
-                            </m:e>
-                            <m:sub>
-                              <m:r>
-                                <a:rPr lang="nb-NO" sz="6000" b="0" i="1" smtClean="0">
-                                  <a:latin typeface="Cambria Math" panose="02040503050406030204" pitchFamily="18" charset="0"/>
-                                </a:rPr>
-                                <m:t>𝑇𝑟𝑎𝑖𝑛</m:t>
-                              </m:r>
-                            </m:sub>
-                          </m:sSub>
-                        </m:oMath>
-                      </m:oMathPara>
-                    </a14:m>
-                    <a:endParaRPr lang="en-GB" sz="6000" dirty="0">
-                      <a:latin typeface="Arial" panose="020B0604020202020204" pitchFamily="34" charset="0"/>
-                      <a:cs typeface="Arial" panose="020B0604020202020204" pitchFamily="34" charset="0"/>
-                    </a:endParaRPr>
-                  </a:p>
-                </p:txBody>
-              </p:sp>
-            </mc:Choice>
-            <mc:Fallback>
-              <p:sp>
-                <p:nvSpPr>
-                  <p:cNvPr id="72" name="TextBox 71">
-                    <a:extLst>
-                      <a:ext uri="{FF2B5EF4-FFF2-40B4-BE49-F238E27FC236}">
-                        <a16:creationId xmlns:a16="http://schemas.microsoft.com/office/drawing/2014/main" id="{6677351C-CDD3-54AB-5F94-56E549B25854}"/>
-                      </a:ext>
-                    </a:extLst>
-                  </p:cNvPr>
-                  <p:cNvSpPr txBox="1">
-                    <a:spLocks noRot="1" noChangeAspect="1" noMove="1" noResize="1" noEditPoints="1" noAdjustHandles="1" noChangeArrowheads="1" noChangeShapeType="1" noTextEdit="1"/>
-                  </p:cNvSpPr>
-                  <p:nvPr/>
-                </p:nvSpPr>
-                <p:spPr>
-                  <a:xfrm>
-                    <a:off x="-15763948" y="11233079"/>
-                    <a:ext cx="1238754" cy="1015663"/>
-                  </a:xfrm>
-                  <a:prstGeom prst="rect">
-                    <a:avLst/>
-                  </a:prstGeom>
-                  <a:blipFill>
-                    <a:blip r:embed="rId9"/>
-                    <a:stretch>
-                      <a:fillRect l="-13265" r="-115306" b="-11111"/>
-                    </a:stretch>
-                  </a:blipFill>
-                </p:spPr>
-                <p:txBody>
-                  <a:bodyPr/>
-                  <a:lstStyle/>
-                  <a:p>
-                    <a:r>
-                      <a:rPr lang="en-NO">
-                        <a:noFill/>
-                      </a:rPr>
-                      <a:t> </a:t>
-                    </a:r>
-                  </a:p>
-                </p:txBody>
-              </p:sp>
-            </mc:Fallback>
-          </mc:AlternateContent>
+                </p:grpSpPr>
+                <p:sp>
+                  <p:nvSpPr>
+                    <p:cNvPr id="40" name="Rounded Rectangle 39">
+                      <a:extLst>
+                        <a:ext uri="{FF2B5EF4-FFF2-40B4-BE49-F238E27FC236}">
+                          <a16:creationId xmlns:a16="http://schemas.microsoft.com/office/drawing/2014/main" id="{943582C1-D329-EB39-D68C-C8D05BDCDA8F}"/>
+                        </a:ext>
+                      </a:extLst>
+                    </p:cNvPr>
+                    <p:cNvSpPr/>
+                    <p:nvPr/>
+                  </p:nvSpPr>
+                  <p:spPr>
+                    <a:xfrm>
+                      <a:off x="-22287272" y="604167"/>
+                      <a:ext cx="6706845" cy="6812916"/>
+                    </a:xfrm>
+                    <a:prstGeom prst="roundRect">
+                      <a:avLst/>
+                    </a:prstGeom>
+                    <a:solidFill>
+                      <a:schemeClr val="accent5">
+                        <a:lumMod val="20000"/>
+                        <a:lumOff val="80000"/>
+                      </a:schemeClr>
+                    </a:solidFill>
+                    <a:ln w="76200"/>
+                  </p:spPr>
+                  <p:style>
+                    <a:lnRef idx="2">
+                      <a:schemeClr val="accent1">
+                        <a:shade val="50000"/>
+                      </a:schemeClr>
+                    </a:lnRef>
+                    <a:fillRef idx="1">
+                      <a:schemeClr val="accent1"/>
+                    </a:fillRef>
+                    <a:effectRef idx="0">
+                      <a:schemeClr val="accent1"/>
+                    </a:effectRef>
+                    <a:fontRef idx="minor">
+                      <a:schemeClr val="lt1"/>
+                    </a:fontRef>
+                  </p:style>
+                  <p:txBody>
+                    <a:bodyPr rtlCol="0" anchor="ctr"/>
+                    <a:lstStyle/>
+                    <a:p>
+                      <a:pPr algn="ctr"/>
+                      <a:endParaRPr lang="en-NO" dirty="0">
+                        <a:latin typeface="Arial" panose="020B0604020202020204" pitchFamily="34" charset="0"/>
+                        <a:cs typeface="Arial" panose="020B0604020202020204" pitchFamily="34" charset="0"/>
+                      </a:endParaRPr>
+                    </a:p>
+                  </p:txBody>
+                </p:sp>
+                <p:sp>
+                  <p:nvSpPr>
+                    <p:cNvPr id="44" name="TextBox 43">
+                      <a:extLst>
+                        <a:ext uri="{FF2B5EF4-FFF2-40B4-BE49-F238E27FC236}">
+                          <a16:creationId xmlns:a16="http://schemas.microsoft.com/office/drawing/2014/main" id="{F44A2B18-4F2E-CE0F-8113-11393AC09CFA}"/>
+                        </a:ext>
+                      </a:extLst>
+                    </p:cNvPr>
+                    <p:cNvSpPr txBox="1"/>
+                    <p:nvPr/>
+                  </p:nvSpPr>
+                  <p:spPr>
+                    <a:xfrm>
+                      <a:off x="-22378006" y="7686653"/>
+                      <a:ext cx="3553506" cy="1938992"/>
+                    </a:xfrm>
+                    <a:prstGeom prst="rect">
+                      <a:avLst/>
+                    </a:prstGeom>
+                    <a:noFill/>
+                  </p:spPr>
+                  <p:txBody>
+                    <a:bodyPr wrap="square" rtlCol="0">
+                      <a:spAutoFit/>
+                    </a:bodyPr>
+                    <a:lstStyle/>
+                    <a:p>
+                      <a:endParaRPr lang="en-GB" sz="6000">
+                        <a:latin typeface="Arial" panose="020B0604020202020204" pitchFamily="34" charset="0"/>
+                        <a:cs typeface="Arial" panose="020B0604020202020204" pitchFamily="34" charset="0"/>
+                      </a:endParaRPr>
+                    </a:p>
+                    <a:p>
+                      <a:endParaRPr lang="en-GB" sz="6000" dirty="0">
+                        <a:latin typeface="Arial" panose="020B0604020202020204" pitchFamily="34" charset="0"/>
+                        <a:cs typeface="Arial" panose="020B0604020202020204" pitchFamily="34" charset="0"/>
+                      </a:endParaRPr>
+                    </a:p>
+                  </p:txBody>
+                </p:sp>
+                <p:grpSp>
+                  <p:nvGrpSpPr>
+                    <p:cNvPr id="185" name="Group 184">
+                      <a:extLst>
+                        <a:ext uri="{FF2B5EF4-FFF2-40B4-BE49-F238E27FC236}">
+                          <a16:creationId xmlns:a16="http://schemas.microsoft.com/office/drawing/2014/main" id="{0225F6A8-A8D2-1574-ABE2-3ABEA452BF91}"/>
+                        </a:ext>
+                      </a:extLst>
+                    </p:cNvPr>
+                    <p:cNvGrpSpPr/>
+                    <p:nvPr/>
+                  </p:nvGrpSpPr>
+                  <p:grpSpPr>
+                    <a:xfrm>
+                      <a:off x="-20433452" y="9871283"/>
+                      <a:ext cx="1869329" cy="2055912"/>
+                      <a:chOff x="-19864592" y="9871283"/>
+                      <a:chExt cx="1869329" cy="2055912"/>
+                    </a:xfrm>
+                  </p:grpSpPr>
+                  <mc:AlternateContent xmlns:mc="http://schemas.openxmlformats.org/markup-compatibility/2006" xmlns:a14="http://schemas.microsoft.com/office/drawing/2010/main">
+                    <mc:Choice Requires="a14">
+                      <p:sp>
+                        <p:nvSpPr>
+                          <p:cNvPr id="45" name="TextBox 44">
+                            <a:extLst>
+                              <a:ext uri="{FF2B5EF4-FFF2-40B4-BE49-F238E27FC236}">
+                                <a16:creationId xmlns:a16="http://schemas.microsoft.com/office/drawing/2014/main" id="{1FA849D8-5C36-D601-000B-3D6775834591}"/>
+                              </a:ext>
+                            </a:extLst>
+                          </p:cNvPr>
+                          <p:cNvSpPr txBox="1"/>
+                          <p:nvPr/>
+                        </p:nvSpPr>
+                        <p:spPr>
+                          <a:xfrm>
+                            <a:off x="-19234017" y="9871283"/>
+                            <a:ext cx="1238754" cy="1034521"/>
+                          </a:xfrm>
+                          <a:prstGeom prst="rect">
+                            <a:avLst/>
+                          </a:prstGeom>
+                          <a:noFill/>
+                        </p:spPr>
+                        <p:txBody>
+                          <a:bodyPr wrap="square" rtlCol="0">
+                            <a:spAutoFit/>
+                          </a:bodyPr>
+                          <a:lstStyle/>
+                          <a:p>
+                            <a:pPr/>
+                            <a14:m>
+                              <m:oMathPara xmlns:m="http://schemas.openxmlformats.org/officeDocument/2006/math">
+                                <m:oMathParaPr>
+                                  <m:jc m:val="centerGroup"/>
+                                </m:oMathParaPr>
+                                <m:oMath xmlns:m="http://schemas.openxmlformats.org/officeDocument/2006/math">
+                                  <m:sSub>
+                                    <m:sSubPr>
+                                      <m:ctrlPr>
+                                        <a:rPr lang="en-GB" sz="6000" i="1" smtClean="0">
+                                          <a:latin typeface="Cambria Math" panose="02040503050406030204" pitchFamily="18" charset="0"/>
+                                        </a:rPr>
+                                      </m:ctrlPr>
+                                    </m:sSubPr>
+                                    <m:e>
+                                      <m:r>
+                                        <a:rPr lang="nb-NO" sz="6000" b="0" i="1" smtClean="0">
+                                          <a:latin typeface="Cambria Math" panose="02040503050406030204" pitchFamily="18" charset="0"/>
+                                        </a:rPr>
+                                        <m:t>𝐼</m:t>
+                                      </m:r>
+                                    </m:e>
+                                    <m:sub>
+                                      <m:r>
+                                        <a:rPr lang="nb-NO" sz="6000" b="0" i="1" smtClean="0">
+                                          <a:latin typeface="Cambria Math" panose="02040503050406030204" pitchFamily="18" charset="0"/>
+                                        </a:rPr>
+                                        <m:t>𝑇𝑒𝑠𝑡</m:t>
+                                      </m:r>
+                                    </m:sub>
+                                  </m:sSub>
+                                </m:oMath>
+                              </m:oMathPara>
+                            </a14:m>
+                            <a:endParaRPr lang="en-GB" sz="6000" dirty="0">
+                              <a:latin typeface="Arial" panose="020B0604020202020204" pitchFamily="34" charset="0"/>
+                              <a:cs typeface="Arial" panose="020B0604020202020204" pitchFamily="34" charset="0"/>
+                            </a:endParaRPr>
+                          </a:p>
+                        </p:txBody>
+                      </p:sp>
+                    </mc:Choice>
+                    <mc:Fallback xmlns="">
+                      <p:sp>
+                        <p:nvSpPr>
+                          <p:cNvPr id="45" name="TextBox 44">
+                            <a:extLst>
+                              <a:ext uri="{FF2B5EF4-FFF2-40B4-BE49-F238E27FC236}">
+                                <a16:creationId xmlns:a16="http://schemas.microsoft.com/office/drawing/2014/main" id="{1FA849D8-5C36-D601-000B-3D6775834591}"/>
+                              </a:ext>
+                            </a:extLst>
+                          </p:cNvPr>
+                          <p:cNvSpPr txBox="1">
+                            <a:spLocks noRot="1" noChangeAspect="1" noMove="1" noResize="1" noEditPoints="1" noAdjustHandles="1" noChangeArrowheads="1" noChangeShapeType="1" noTextEdit="1"/>
+                          </p:cNvSpPr>
+                          <p:nvPr/>
+                        </p:nvSpPr>
+                        <p:spPr>
+                          <a:xfrm>
+                            <a:off x="-19234017" y="9871283"/>
+                            <a:ext cx="1238754" cy="1034521"/>
+                          </a:xfrm>
+                          <a:prstGeom prst="rect">
+                            <a:avLst/>
+                          </a:prstGeom>
+                          <a:blipFill>
+                            <a:blip r:embed="rId11"/>
+                            <a:stretch>
+                              <a:fillRect l="-13265" r="-37755" b="-8537"/>
+                            </a:stretch>
+                          </a:blipFill>
+                        </p:spPr>
+                        <p:txBody>
+                          <a:bodyPr/>
+                          <a:lstStyle/>
+                          <a:p>
+                            <a:r>
+                              <a:rPr lang="en-NO">
+                                <a:noFill/>
+                              </a:rPr>
+                              <a:t> </a:t>
+                            </a:r>
+                          </a:p>
+                        </p:txBody>
+                      </p:sp>
+                    </mc:Fallback>
+                  </mc:AlternateContent>
+                  <mc:AlternateContent xmlns:mc="http://schemas.openxmlformats.org/markup-compatibility/2006">
+                    <mc:Choice xmlns:a14="http://schemas.microsoft.com/office/drawing/2010/main" Requires="a14">
+                      <p:sp>
+                        <p:nvSpPr>
+                          <p:cNvPr id="68" name="TextBox 67">
+                            <a:extLst>
+                              <a:ext uri="{FF2B5EF4-FFF2-40B4-BE49-F238E27FC236}">
+                                <a16:creationId xmlns:a16="http://schemas.microsoft.com/office/drawing/2014/main" id="{4092C939-AEA0-CE39-1C6C-BEF51FE73066}"/>
+                              </a:ext>
+                            </a:extLst>
+                          </p:cNvPr>
+                          <p:cNvSpPr txBox="1"/>
+                          <p:nvPr/>
+                        </p:nvSpPr>
+                        <p:spPr>
+                          <a:xfrm>
+                            <a:off x="-19864592" y="10816635"/>
+                            <a:ext cx="1238754" cy="1110560"/>
+                          </a:xfrm>
+                          <a:prstGeom prst="rect">
+                            <a:avLst/>
+                          </a:prstGeom>
+                          <a:noFill/>
+                        </p:spPr>
+                        <p:txBody>
+                          <a:bodyPr wrap="square" rtlCol="0">
+                            <a:spAutoFit/>
+                          </a:bodyPr>
+                          <a:lstStyle/>
+                          <a:p>
+                            <a:pPr/>
+                            <a14:m>
+                              <m:oMathPara xmlns:m="http://schemas.openxmlformats.org/officeDocument/2006/math">
+                                <m:oMathParaPr>
+                                  <m:jc m:val="centerGroup"/>
+                                </m:oMathParaPr>
+                                <m:oMath xmlns:m="http://schemas.openxmlformats.org/officeDocument/2006/math">
+                                  <m:sSub>
+                                    <m:sSubPr>
+                                      <m:ctrlPr>
+                                        <a:rPr lang="en-GB" sz="6000" i="1" smtClean="0">
+                                          <a:latin typeface="Cambria Math" panose="02040503050406030204" pitchFamily="18" charset="0"/>
+                                        </a:rPr>
+                                      </m:ctrlPr>
+                                    </m:sSubPr>
+                                    <m:e>
+                                      <m:sSub>
+                                        <m:sSubPr>
+                                          <m:ctrlPr>
+                                            <a:rPr lang="nb-NO" sz="6000" i="1" dirty="0">
+                                              <a:latin typeface="Cambria Math" panose="02040503050406030204" pitchFamily="18" charset="0"/>
+                                              <a:cs typeface="Arial" panose="020B0604020202020204" pitchFamily="34" charset="0"/>
+                                            </a:rPr>
+                                          </m:ctrlPr>
+                                        </m:sSubPr>
+                                        <m:e>
+                                          <m:r>
+                                            <a:rPr lang="nb-NO" sz="6000" i="1" dirty="0">
+                                              <a:latin typeface="Cambria Math" panose="02040503050406030204" pitchFamily="18" charset="0"/>
+                                              <a:cs typeface="Arial" panose="020B0604020202020204" pitchFamily="34" charset="0"/>
+                                            </a:rPr>
+                                            <m:t>𝑇</m:t>
+                                          </m:r>
+                                        </m:e>
+                                        <m:sub>
+                                          <m:r>
+                                            <a:rPr lang="nb-NO" sz="6000" i="1" dirty="0">
+                                              <a:latin typeface="Cambria Math" panose="02040503050406030204" pitchFamily="18" charset="0"/>
+                                              <a:cs typeface="Arial" panose="020B0604020202020204" pitchFamily="34" charset="0"/>
+                                            </a:rPr>
+                                            <m:t>𝑒</m:t>
+                                          </m:r>
+                                        </m:sub>
+                                      </m:sSub>
+                                    </m:e>
+                                    <m:sub>
+                                      <m:r>
+                                        <a:rPr lang="nb-NO" sz="6000" b="0" i="1" smtClean="0">
+                                          <a:latin typeface="Cambria Math" panose="02040503050406030204" pitchFamily="18" charset="0"/>
+                                        </a:rPr>
+                                        <m:t>𝑇𝑒𝑠𝑡</m:t>
+                                      </m:r>
+                                    </m:sub>
+                                  </m:sSub>
+                                </m:oMath>
+                              </m:oMathPara>
+                            </a14:m>
+                            <a:endParaRPr lang="en-GB" sz="6000" dirty="0">
+                              <a:latin typeface="Arial" panose="020B0604020202020204" pitchFamily="34" charset="0"/>
+                              <a:cs typeface="Arial" panose="020B0604020202020204" pitchFamily="34" charset="0"/>
+                            </a:endParaRPr>
+                          </a:p>
+                        </p:txBody>
+                      </p:sp>
+                    </mc:Choice>
+                    <mc:Fallback>
+                      <p:sp>
+                        <p:nvSpPr>
+                          <p:cNvPr id="68" name="TextBox 67">
+                            <a:extLst>
+                              <a:ext uri="{FF2B5EF4-FFF2-40B4-BE49-F238E27FC236}">
+                                <a16:creationId xmlns:a16="http://schemas.microsoft.com/office/drawing/2014/main" id="{4092C939-AEA0-CE39-1C6C-BEF51FE73066}"/>
+                              </a:ext>
+                            </a:extLst>
+                          </p:cNvPr>
+                          <p:cNvSpPr txBox="1">
+                            <a:spLocks noRot="1" noChangeAspect="1" noMove="1" noResize="1" noEditPoints="1" noAdjustHandles="1" noChangeArrowheads="1" noChangeShapeType="1" noTextEdit="1"/>
+                          </p:cNvSpPr>
+                          <p:nvPr/>
+                        </p:nvSpPr>
+                        <p:spPr>
+                          <a:xfrm>
+                            <a:off x="-19864592" y="10816635"/>
+                            <a:ext cx="1238754" cy="1110560"/>
+                          </a:xfrm>
+                          <a:prstGeom prst="rect">
+                            <a:avLst/>
+                          </a:prstGeom>
+                          <a:blipFill>
+                            <a:blip r:embed="rId12"/>
+                            <a:stretch>
+                              <a:fillRect l="-13131" r="-72727" b="-11364"/>
+                            </a:stretch>
+                          </a:blipFill>
+                        </p:spPr>
+                        <p:txBody>
+                          <a:bodyPr/>
+                          <a:lstStyle/>
+                          <a:p>
+                            <a:r>
+                              <a:rPr lang="en-NO">
+                                <a:noFill/>
+                              </a:rPr>
+                              <a:t> </a:t>
+                            </a:r>
+                          </a:p>
+                        </p:txBody>
+                      </p:sp>
+                    </mc:Fallback>
+                  </mc:AlternateContent>
+                </p:grpSp>
+                <p:grpSp>
+                  <p:nvGrpSpPr>
+                    <p:cNvPr id="184" name="Group 183">
+                      <a:extLst>
+                        <a:ext uri="{FF2B5EF4-FFF2-40B4-BE49-F238E27FC236}">
+                          <a16:creationId xmlns:a16="http://schemas.microsoft.com/office/drawing/2014/main" id="{66E5F91E-B206-97FD-848C-7228216211CD}"/>
+                        </a:ext>
+                      </a:extLst>
+                    </p:cNvPr>
+                    <p:cNvGrpSpPr/>
+                    <p:nvPr/>
+                  </p:nvGrpSpPr>
+                  <p:grpSpPr>
+                    <a:xfrm>
+                      <a:off x="-20849982" y="7520757"/>
+                      <a:ext cx="1832053" cy="1921344"/>
+                      <a:chOff x="-20220439" y="7577123"/>
+                      <a:chExt cx="1832053" cy="1921344"/>
+                    </a:xfrm>
+                  </p:grpSpPr>
+                  <mc:AlternateContent xmlns:mc="http://schemas.openxmlformats.org/markup-compatibility/2006" xmlns:a14="http://schemas.microsoft.com/office/drawing/2010/main">
+                    <mc:Choice Requires="a14">
+                      <p:sp>
+                        <p:nvSpPr>
+                          <p:cNvPr id="69" name="TextBox 68">
+                            <a:extLst>
+                              <a:ext uri="{FF2B5EF4-FFF2-40B4-BE49-F238E27FC236}">
+                                <a16:creationId xmlns:a16="http://schemas.microsoft.com/office/drawing/2014/main" id="{0E9C2538-D341-2844-E5C6-47D442C10BED}"/>
+                              </a:ext>
+                            </a:extLst>
+                          </p:cNvPr>
+                          <p:cNvSpPr txBox="1"/>
+                          <p:nvPr/>
+                        </p:nvSpPr>
+                        <p:spPr>
+                          <a:xfrm>
+                            <a:off x="-19627140" y="7577123"/>
+                            <a:ext cx="1238754" cy="1034521"/>
+                          </a:xfrm>
+                          <a:prstGeom prst="rect">
+                            <a:avLst/>
+                          </a:prstGeom>
+                          <a:noFill/>
+                        </p:spPr>
+                        <p:txBody>
+                          <a:bodyPr wrap="square" rtlCol="0">
+                            <a:spAutoFit/>
+                          </a:bodyPr>
+                          <a:lstStyle/>
+                          <a:p>
+                            <a:pPr/>
+                            <a14:m>
+                              <m:oMathPara xmlns:m="http://schemas.openxmlformats.org/officeDocument/2006/math">
+                                <m:oMathParaPr>
+                                  <m:jc m:val="centerGroup"/>
+                                </m:oMathParaPr>
+                                <m:oMath xmlns:m="http://schemas.openxmlformats.org/officeDocument/2006/math">
+                                  <m:sSub>
+                                    <m:sSubPr>
+                                      <m:ctrlPr>
+                                        <a:rPr lang="en-GB" sz="6000" i="1" smtClean="0">
+                                          <a:latin typeface="Cambria Math" panose="02040503050406030204" pitchFamily="18" charset="0"/>
+                                        </a:rPr>
+                                      </m:ctrlPr>
+                                    </m:sSubPr>
+                                    <m:e>
+                                      <m:r>
+                                        <a:rPr lang="nb-NO" sz="6000" b="0" i="1" smtClean="0">
+                                          <a:latin typeface="Cambria Math" panose="02040503050406030204" pitchFamily="18" charset="0"/>
+                                        </a:rPr>
+                                        <m:t>𝐼</m:t>
+                                      </m:r>
+                                    </m:e>
+                                    <m:sub>
+                                      <m:r>
+                                        <a:rPr lang="nb-NO" sz="6000" b="0" i="1" smtClean="0">
+                                          <a:latin typeface="Cambria Math" panose="02040503050406030204" pitchFamily="18" charset="0"/>
+                                        </a:rPr>
+                                        <m:t>𝑉𝑎𝑙𝑖𝑑𝑎𝑡𝑒</m:t>
+                                      </m:r>
+                                    </m:sub>
+                                  </m:sSub>
+                                </m:oMath>
+                              </m:oMathPara>
+                            </a14:m>
+                            <a:endParaRPr lang="en-GB" sz="6000" dirty="0">
+                              <a:latin typeface="Arial" panose="020B0604020202020204" pitchFamily="34" charset="0"/>
+                              <a:cs typeface="Arial" panose="020B0604020202020204" pitchFamily="34" charset="0"/>
+                            </a:endParaRPr>
+                          </a:p>
+                        </p:txBody>
+                      </p:sp>
+                    </mc:Choice>
+                    <mc:Fallback xmlns="">
+                      <p:sp>
+                        <p:nvSpPr>
+                          <p:cNvPr id="69" name="TextBox 68">
+                            <a:extLst>
+                              <a:ext uri="{FF2B5EF4-FFF2-40B4-BE49-F238E27FC236}">
+                                <a16:creationId xmlns:a16="http://schemas.microsoft.com/office/drawing/2014/main" id="{0E9C2538-D341-2844-E5C6-47D442C10BED}"/>
+                              </a:ext>
+                            </a:extLst>
+                          </p:cNvPr>
+                          <p:cNvSpPr txBox="1">
+                            <a:spLocks noRot="1" noChangeAspect="1" noMove="1" noResize="1" noEditPoints="1" noAdjustHandles="1" noChangeArrowheads="1" noChangeShapeType="1" noTextEdit="1"/>
+                          </p:cNvSpPr>
+                          <p:nvPr/>
+                        </p:nvSpPr>
+                        <p:spPr>
+                          <a:xfrm>
+                            <a:off x="-19627140" y="7577123"/>
+                            <a:ext cx="1238754" cy="1034521"/>
+                          </a:xfrm>
+                          <a:prstGeom prst="rect">
+                            <a:avLst/>
+                          </a:prstGeom>
+                          <a:blipFill>
+                            <a:blip r:embed="rId13"/>
+                            <a:stretch>
+                              <a:fillRect l="-13131" r="-130303" b="-9756"/>
+                            </a:stretch>
+                          </a:blipFill>
+                        </p:spPr>
+                        <p:txBody>
+                          <a:bodyPr/>
+                          <a:lstStyle/>
+                          <a:p>
+                            <a:r>
+                              <a:rPr lang="en-NO">
+                                <a:noFill/>
+                              </a:rPr>
+                              <a:t> </a:t>
+                            </a:r>
+                          </a:p>
+                        </p:txBody>
+                      </p:sp>
+                    </mc:Fallback>
+                  </mc:AlternateContent>
+                  <mc:AlternateContent xmlns:mc="http://schemas.openxmlformats.org/markup-compatibility/2006">
+                    <mc:Choice xmlns:a14="http://schemas.microsoft.com/office/drawing/2010/main" Requires="a14">
+                      <p:sp>
+                        <p:nvSpPr>
+                          <p:cNvPr id="70" name="TextBox 69">
+                            <a:extLst>
+                              <a:ext uri="{FF2B5EF4-FFF2-40B4-BE49-F238E27FC236}">
+                                <a16:creationId xmlns:a16="http://schemas.microsoft.com/office/drawing/2014/main" id="{E5B05CEB-8DF3-40D6-7347-F409CE9176EC}"/>
+                              </a:ext>
+                            </a:extLst>
+                          </p:cNvPr>
+                          <p:cNvSpPr txBox="1"/>
+                          <p:nvPr/>
+                        </p:nvSpPr>
+                        <p:spPr>
+                          <a:xfrm>
+                            <a:off x="-20220439" y="8387650"/>
+                            <a:ext cx="1238754" cy="1110817"/>
+                          </a:xfrm>
+                          <a:prstGeom prst="rect">
+                            <a:avLst/>
+                          </a:prstGeom>
+                          <a:noFill/>
+                        </p:spPr>
+                        <p:txBody>
+                          <a:bodyPr wrap="square" rtlCol="0">
+                            <a:spAutoFit/>
+                          </a:bodyPr>
+                          <a:lstStyle/>
+                          <a:p>
+                            <a:pPr/>
+                            <a14:m>
+                              <m:oMathPara xmlns:m="http://schemas.openxmlformats.org/officeDocument/2006/math">
+                                <m:oMathParaPr>
+                                  <m:jc m:val="centerGroup"/>
+                                </m:oMathParaPr>
+                                <m:oMath xmlns:m="http://schemas.openxmlformats.org/officeDocument/2006/math">
+                                  <m:sSub>
+                                    <m:sSubPr>
+                                      <m:ctrlPr>
+                                        <a:rPr lang="en-GB" sz="6000" i="1" smtClean="0">
+                                          <a:latin typeface="Cambria Math" panose="02040503050406030204" pitchFamily="18" charset="0"/>
+                                        </a:rPr>
+                                      </m:ctrlPr>
+                                    </m:sSubPr>
+                                    <m:e>
+                                      <m:sSub>
+                                        <m:sSubPr>
+                                          <m:ctrlPr>
+                                            <a:rPr lang="nb-NO" sz="6000" i="1" dirty="0">
+                                              <a:latin typeface="Cambria Math" panose="02040503050406030204" pitchFamily="18" charset="0"/>
+                                              <a:cs typeface="Arial" panose="020B0604020202020204" pitchFamily="34" charset="0"/>
+                                            </a:rPr>
+                                          </m:ctrlPr>
+                                        </m:sSubPr>
+                                        <m:e>
+                                          <m:r>
+                                            <a:rPr lang="nb-NO" sz="6000" i="1" dirty="0">
+                                              <a:latin typeface="Cambria Math" panose="02040503050406030204" pitchFamily="18" charset="0"/>
+                                              <a:cs typeface="Arial" panose="020B0604020202020204" pitchFamily="34" charset="0"/>
+                                            </a:rPr>
+                                            <m:t>𝑇</m:t>
+                                          </m:r>
+                                        </m:e>
+                                        <m:sub>
+                                          <m:r>
+                                            <a:rPr lang="nb-NO" sz="6000" i="1" dirty="0">
+                                              <a:latin typeface="Cambria Math" panose="02040503050406030204" pitchFamily="18" charset="0"/>
+                                              <a:cs typeface="Arial" panose="020B0604020202020204" pitchFamily="34" charset="0"/>
+                                            </a:rPr>
+                                            <m:t>𝑒</m:t>
+                                          </m:r>
+                                        </m:sub>
+                                      </m:sSub>
+                                    </m:e>
+                                    <m:sub>
+                                      <m:r>
+                                        <a:rPr lang="nb-NO" sz="6000" b="0" i="1" smtClean="0">
+                                          <a:latin typeface="Cambria Math" panose="02040503050406030204" pitchFamily="18" charset="0"/>
+                                        </a:rPr>
+                                        <m:t>𝑉𝑎𝑙𝑖𝑑𝑎𝑡𝑒</m:t>
+                                      </m:r>
+                                    </m:sub>
+                                  </m:sSub>
+                                </m:oMath>
+                              </m:oMathPara>
+                            </a14:m>
+                            <a:endParaRPr lang="en-GB" sz="6000" dirty="0">
+                              <a:latin typeface="Arial" panose="020B0604020202020204" pitchFamily="34" charset="0"/>
+                              <a:cs typeface="Arial" panose="020B0604020202020204" pitchFamily="34" charset="0"/>
+                            </a:endParaRPr>
+                          </a:p>
+                        </p:txBody>
+                      </p:sp>
+                    </mc:Choice>
+                    <mc:Fallback>
+                      <p:sp>
+                        <p:nvSpPr>
+                          <p:cNvPr id="70" name="TextBox 69">
+                            <a:extLst>
+                              <a:ext uri="{FF2B5EF4-FFF2-40B4-BE49-F238E27FC236}">
+                                <a16:creationId xmlns:a16="http://schemas.microsoft.com/office/drawing/2014/main" id="{E5B05CEB-8DF3-40D6-7347-F409CE9176EC}"/>
+                              </a:ext>
+                            </a:extLst>
+                          </p:cNvPr>
+                          <p:cNvSpPr txBox="1">
+                            <a:spLocks noRot="1" noChangeAspect="1" noMove="1" noResize="1" noEditPoints="1" noAdjustHandles="1" noChangeArrowheads="1" noChangeShapeType="1" noTextEdit="1"/>
+                          </p:cNvSpPr>
+                          <p:nvPr/>
+                        </p:nvSpPr>
+                        <p:spPr>
+                          <a:xfrm>
+                            <a:off x="-20220439" y="8387650"/>
+                            <a:ext cx="1238754" cy="1110817"/>
+                          </a:xfrm>
+                          <a:prstGeom prst="rect">
+                            <a:avLst/>
+                          </a:prstGeom>
+                          <a:blipFill>
+                            <a:blip r:embed="rId14"/>
+                            <a:stretch>
+                              <a:fillRect l="-13131" r="-166667" b="-11364"/>
+                            </a:stretch>
+                          </a:blipFill>
+                        </p:spPr>
+                        <p:txBody>
+                          <a:bodyPr/>
+                          <a:lstStyle/>
+                          <a:p>
+                            <a:r>
+                              <a:rPr lang="en-NO">
+                                <a:noFill/>
+                              </a:rPr>
+                              <a:t> </a:t>
+                            </a:r>
+                          </a:p>
+                        </p:txBody>
+                      </p:sp>
+                    </mc:Fallback>
+                  </mc:AlternateContent>
+                </p:grpSp>
+                <p:grpSp>
+                  <p:nvGrpSpPr>
+                    <p:cNvPr id="183" name="Group 182">
+                      <a:extLst>
+                        <a:ext uri="{FF2B5EF4-FFF2-40B4-BE49-F238E27FC236}">
+                          <a16:creationId xmlns:a16="http://schemas.microsoft.com/office/drawing/2014/main" id="{183894DB-89FF-65D3-86C6-9BDDBDB4844E}"/>
+                        </a:ext>
+                      </a:extLst>
+                    </p:cNvPr>
+                    <p:cNvGrpSpPr/>
+                    <p:nvPr/>
+                  </p:nvGrpSpPr>
+                  <p:grpSpPr>
+                    <a:xfrm>
+                      <a:off x="-20355275" y="4078773"/>
+                      <a:ext cx="1834912" cy="2011516"/>
+                      <a:chOff x="-20124191" y="4130327"/>
+                      <a:chExt cx="1834912" cy="2011516"/>
+                    </a:xfrm>
+                  </p:grpSpPr>
+                  <mc:AlternateContent xmlns:mc="http://schemas.openxmlformats.org/markup-compatibility/2006" xmlns:a14="http://schemas.microsoft.com/office/drawing/2010/main">
+                    <mc:Choice Requires="a14">
+                      <p:sp>
+                        <p:nvSpPr>
+                          <p:cNvPr id="71" name="TextBox 70">
+                            <a:extLst>
+                              <a:ext uri="{FF2B5EF4-FFF2-40B4-BE49-F238E27FC236}">
+                                <a16:creationId xmlns:a16="http://schemas.microsoft.com/office/drawing/2014/main" id="{E0417FCA-5339-3011-9920-1D07AAD6A5BD}"/>
+                              </a:ext>
+                            </a:extLst>
+                          </p:cNvPr>
+                          <p:cNvSpPr txBox="1"/>
+                          <p:nvPr/>
+                        </p:nvSpPr>
+                        <p:spPr>
+                          <a:xfrm>
+                            <a:off x="-19528033" y="4130327"/>
+                            <a:ext cx="1238754" cy="1015663"/>
+                          </a:xfrm>
+                          <a:prstGeom prst="rect">
+                            <a:avLst/>
+                          </a:prstGeom>
+                          <a:noFill/>
+                        </p:spPr>
+                        <p:txBody>
+                          <a:bodyPr wrap="square" rtlCol="0">
+                            <a:spAutoFit/>
+                          </a:bodyPr>
+                          <a:lstStyle/>
+                          <a:p>
+                            <a:pPr/>
+                            <a14:m>
+                              <m:oMathPara xmlns:m="http://schemas.openxmlformats.org/officeDocument/2006/math">
+                                <m:oMathParaPr>
+                                  <m:jc m:val="centerGroup"/>
+                                </m:oMathParaPr>
+                                <m:oMath xmlns:m="http://schemas.openxmlformats.org/officeDocument/2006/math">
+                                  <m:sSub>
+                                    <m:sSubPr>
+                                      <m:ctrlPr>
+                                        <a:rPr lang="en-GB" sz="6000" i="1" smtClean="0">
+                                          <a:latin typeface="Cambria Math" panose="02040503050406030204" pitchFamily="18" charset="0"/>
+                                        </a:rPr>
+                                      </m:ctrlPr>
+                                    </m:sSubPr>
+                                    <m:e>
+                                      <m:r>
+                                        <a:rPr lang="nb-NO" sz="6000" b="0" i="1" smtClean="0">
+                                          <a:latin typeface="Cambria Math" panose="02040503050406030204" pitchFamily="18" charset="0"/>
+                                        </a:rPr>
+                                        <m:t>𝐼</m:t>
+                                      </m:r>
+                                    </m:e>
+                                    <m:sub>
+                                      <m:r>
+                                        <a:rPr lang="nb-NO" sz="6000" b="0" i="1" smtClean="0">
+                                          <a:latin typeface="Cambria Math" panose="02040503050406030204" pitchFamily="18" charset="0"/>
+                                        </a:rPr>
+                                        <m:t>𝑇𝑟𝑎𝑖𝑛</m:t>
+                                      </m:r>
+                                    </m:sub>
+                                  </m:sSub>
+                                </m:oMath>
+                              </m:oMathPara>
+                            </a14:m>
+                            <a:endParaRPr lang="en-GB" sz="6000" dirty="0">
+                              <a:latin typeface="Arial" panose="020B0604020202020204" pitchFamily="34" charset="0"/>
+                              <a:cs typeface="Arial" panose="020B0604020202020204" pitchFamily="34" charset="0"/>
+                            </a:endParaRPr>
+                          </a:p>
+                        </p:txBody>
+                      </p:sp>
+                    </mc:Choice>
+                    <mc:Fallback xmlns="">
+                      <p:sp>
+                        <p:nvSpPr>
+                          <p:cNvPr id="71" name="TextBox 70">
+                            <a:extLst>
+                              <a:ext uri="{FF2B5EF4-FFF2-40B4-BE49-F238E27FC236}">
+                                <a16:creationId xmlns:a16="http://schemas.microsoft.com/office/drawing/2014/main" id="{E0417FCA-5339-3011-9920-1D07AAD6A5BD}"/>
+                              </a:ext>
+                            </a:extLst>
+                          </p:cNvPr>
+                          <p:cNvSpPr txBox="1">
+                            <a:spLocks noRot="1" noChangeAspect="1" noMove="1" noResize="1" noEditPoints="1" noAdjustHandles="1" noChangeArrowheads="1" noChangeShapeType="1" noTextEdit="1"/>
+                          </p:cNvSpPr>
+                          <p:nvPr/>
+                        </p:nvSpPr>
+                        <p:spPr>
+                          <a:xfrm>
+                            <a:off x="-19528033" y="4130327"/>
+                            <a:ext cx="1238754" cy="1015663"/>
+                          </a:xfrm>
+                          <a:prstGeom prst="rect">
+                            <a:avLst/>
+                          </a:prstGeom>
+                          <a:blipFill>
+                            <a:blip r:embed="rId15"/>
+                            <a:stretch>
+                              <a:fillRect l="-13131" r="-67677" b="-11111"/>
+                            </a:stretch>
+                          </a:blipFill>
+                        </p:spPr>
+                        <p:txBody>
+                          <a:bodyPr/>
+                          <a:lstStyle/>
+                          <a:p>
+                            <a:r>
+                              <a:rPr lang="en-NO">
+                                <a:noFill/>
+                              </a:rPr>
+                              <a:t> </a:t>
+                            </a:r>
+                          </a:p>
+                        </p:txBody>
+                      </p:sp>
+                    </mc:Fallback>
+                  </mc:AlternateContent>
+                  <mc:AlternateContent xmlns:mc="http://schemas.openxmlformats.org/markup-compatibility/2006">
+                    <mc:Choice xmlns:a14="http://schemas.microsoft.com/office/drawing/2010/main" Requires="a14">
+                      <p:sp>
+                        <p:nvSpPr>
+                          <p:cNvPr id="72" name="TextBox 71">
+                            <a:extLst>
+                              <a:ext uri="{FF2B5EF4-FFF2-40B4-BE49-F238E27FC236}">
+                                <a16:creationId xmlns:a16="http://schemas.microsoft.com/office/drawing/2014/main" id="{6677351C-CDD3-54AB-5F94-56E549B25854}"/>
+                              </a:ext>
+                            </a:extLst>
+                          </p:cNvPr>
+                          <p:cNvSpPr txBox="1"/>
+                          <p:nvPr/>
+                        </p:nvSpPr>
+                        <p:spPr>
+                          <a:xfrm>
+                            <a:off x="-20124191" y="5031283"/>
+                            <a:ext cx="1238754" cy="1110560"/>
+                          </a:xfrm>
+                          <a:prstGeom prst="rect">
+                            <a:avLst/>
+                          </a:prstGeom>
+                          <a:noFill/>
+                        </p:spPr>
+                        <p:txBody>
+                          <a:bodyPr wrap="square" rtlCol="0">
+                            <a:spAutoFit/>
+                          </a:bodyPr>
+                          <a:lstStyle/>
+                          <a:p>
+                            <a:pPr/>
+                            <a14:m>
+                              <m:oMathPara xmlns:m="http://schemas.openxmlformats.org/officeDocument/2006/math">
+                                <m:oMathParaPr>
+                                  <m:jc m:val="centerGroup"/>
+                                </m:oMathParaPr>
+                                <m:oMath xmlns:m="http://schemas.openxmlformats.org/officeDocument/2006/math">
+                                  <m:sSub>
+                                    <m:sSubPr>
+                                      <m:ctrlPr>
+                                        <a:rPr lang="en-GB" sz="6000" i="1" smtClean="0">
+                                          <a:latin typeface="Cambria Math" panose="02040503050406030204" pitchFamily="18" charset="0"/>
+                                        </a:rPr>
+                                      </m:ctrlPr>
+                                    </m:sSubPr>
+                                    <m:e>
+                                      <m:sSub>
+                                        <m:sSubPr>
+                                          <m:ctrlPr>
+                                            <a:rPr lang="nb-NO" sz="6000" i="1" dirty="0">
+                                              <a:latin typeface="Cambria Math" panose="02040503050406030204" pitchFamily="18" charset="0"/>
+                                              <a:cs typeface="Arial" panose="020B0604020202020204" pitchFamily="34" charset="0"/>
+                                            </a:rPr>
+                                          </m:ctrlPr>
+                                        </m:sSubPr>
+                                        <m:e>
+                                          <m:r>
+                                            <a:rPr lang="nb-NO" sz="6000" i="1" dirty="0">
+                                              <a:latin typeface="Cambria Math" panose="02040503050406030204" pitchFamily="18" charset="0"/>
+                                              <a:cs typeface="Arial" panose="020B0604020202020204" pitchFamily="34" charset="0"/>
+                                            </a:rPr>
+                                            <m:t>𝑇</m:t>
+                                          </m:r>
+                                        </m:e>
+                                        <m:sub>
+                                          <m:r>
+                                            <a:rPr lang="nb-NO" sz="6000" i="1" dirty="0">
+                                              <a:latin typeface="Cambria Math" panose="02040503050406030204" pitchFamily="18" charset="0"/>
+                                              <a:cs typeface="Arial" panose="020B0604020202020204" pitchFamily="34" charset="0"/>
+                                            </a:rPr>
+                                            <m:t>𝑒</m:t>
+                                          </m:r>
+                                        </m:sub>
+                                      </m:sSub>
+                                    </m:e>
+                                    <m:sub>
+                                      <m:r>
+                                        <a:rPr lang="nb-NO" sz="6000" b="0" i="1" smtClean="0">
+                                          <a:latin typeface="Cambria Math" panose="02040503050406030204" pitchFamily="18" charset="0"/>
+                                        </a:rPr>
+                                        <m:t>𝑇𝑟𝑎𝑖𝑛</m:t>
+                                      </m:r>
+                                    </m:sub>
+                                  </m:sSub>
+                                </m:oMath>
+                              </m:oMathPara>
+                            </a14:m>
+                            <a:endParaRPr lang="en-GB" sz="6000" dirty="0">
+                              <a:latin typeface="Arial" panose="020B0604020202020204" pitchFamily="34" charset="0"/>
+                              <a:cs typeface="Arial" panose="020B0604020202020204" pitchFamily="34" charset="0"/>
+                            </a:endParaRPr>
+                          </a:p>
+                        </p:txBody>
+                      </p:sp>
+                    </mc:Choice>
+                    <mc:Fallback>
+                      <p:sp>
+                        <p:nvSpPr>
+                          <p:cNvPr id="72" name="TextBox 71">
+                            <a:extLst>
+                              <a:ext uri="{FF2B5EF4-FFF2-40B4-BE49-F238E27FC236}">
+                                <a16:creationId xmlns:a16="http://schemas.microsoft.com/office/drawing/2014/main" id="{6677351C-CDD3-54AB-5F94-56E549B25854}"/>
+                              </a:ext>
+                            </a:extLst>
+                          </p:cNvPr>
+                          <p:cNvSpPr txBox="1">
+                            <a:spLocks noRot="1" noChangeAspect="1" noMove="1" noResize="1" noEditPoints="1" noAdjustHandles="1" noChangeArrowheads="1" noChangeShapeType="1" noTextEdit="1"/>
+                          </p:cNvSpPr>
+                          <p:nvPr/>
+                        </p:nvSpPr>
+                        <p:spPr>
+                          <a:xfrm>
+                            <a:off x="-20124191" y="5031283"/>
+                            <a:ext cx="1238754" cy="1110560"/>
+                          </a:xfrm>
+                          <a:prstGeom prst="rect">
+                            <a:avLst/>
+                          </a:prstGeom>
+                          <a:blipFill>
+                            <a:blip r:embed="rId16"/>
+                            <a:stretch>
+                              <a:fillRect l="-14286" r="-105102" b="-12500"/>
+                            </a:stretch>
+                          </a:blipFill>
+                        </p:spPr>
+                        <p:txBody>
+                          <a:bodyPr/>
+                          <a:lstStyle/>
+                          <a:p>
+                            <a:r>
+                              <a:rPr lang="en-NO">
+                                <a:noFill/>
+                              </a:rPr>
+                              <a:t> </a:t>
+                            </a:r>
+                          </a:p>
+                        </p:txBody>
+                      </p:sp>
+                    </mc:Fallback>
+                  </mc:AlternateContent>
+                </p:grpSp>
+                <p:sp>
+                  <p:nvSpPr>
+                    <p:cNvPr id="77" name="TextBox 76">
+                      <a:extLst>
+                        <a:ext uri="{FF2B5EF4-FFF2-40B4-BE49-F238E27FC236}">
+                          <a16:creationId xmlns:a16="http://schemas.microsoft.com/office/drawing/2014/main" id="{F945784F-34C1-B87C-5ABE-D86531A4C7F4}"/>
+                        </a:ext>
+                      </a:extLst>
+                    </p:cNvPr>
+                    <p:cNvSpPr txBox="1"/>
+                    <p:nvPr/>
+                  </p:nvSpPr>
+                  <p:spPr>
+                    <a:xfrm>
+                      <a:off x="-22195792" y="1174990"/>
+                      <a:ext cx="6341416" cy="2308324"/>
+                    </a:xfrm>
+                    <a:prstGeom prst="rect">
+                      <a:avLst/>
+                    </a:prstGeom>
+                    <a:noFill/>
+                  </p:spPr>
+                  <p:txBody>
+                    <a:bodyPr wrap="square" rtlCol="0">
+                      <a:spAutoFit/>
+                    </a:bodyPr>
+                    <a:lstStyle/>
+                    <a:p>
+                      <a:pPr algn="ctr"/>
+                      <a:r>
+                        <a:rPr lang="en-GB" sz="7200" dirty="0">
+                          <a:latin typeface="Arial" panose="020B0604020202020204" pitchFamily="34" charset="0"/>
+                          <a:cs typeface="Arial" panose="020B0604020202020204" pitchFamily="34" charset="0"/>
+                        </a:rPr>
+                        <a:t>Synthetic Data:</a:t>
+                      </a:r>
+                    </a:p>
+                  </p:txBody>
+                </p:sp>
+              </p:grpSp>
+            </p:grpSp>
+          </p:grpSp>
           <p:sp>
             <p:nvSpPr>
-              <p:cNvPr id="77" name="TextBox 76">
+              <p:cNvPr id="154" name="TextBox 153">
                 <a:extLst>
                   <a:ext uri="{FF2B5EF4-FFF2-40B4-BE49-F238E27FC236}">
-                    <a16:creationId xmlns:a16="http://schemas.microsoft.com/office/drawing/2014/main" id="{F945784F-34C1-B87C-5ABE-D86531A4C7F4}"/>
+                    <a16:creationId xmlns:a16="http://schemas.microsoft.com/office/drawing/2014/main" id="{7F5BD88D-89AF-2E49-6250-A7B6FB7A0E1D}"/>
                   </a:ext>
                 </a:extLst>
               </p:cNvPr>
@@ -6148,131 +8887,8 @@
             </p:nvSpPr>
             <p:spPr>
               <a:xfrm>
-                <a:off x="-16855986" y="7676621"/>
-                <a:ext cx="5328911" cy="2308324"/>
-              </a:xfrm>
-              <a:prstGeom prst="rect">
-                <a:avLst/>
-              </a:prstGeom>
-              <a:noFill/>
-            </p:spPr>
-            <p:txBody>
-              <a:bodyPr wrap="square" rtlCol="0">
-                <a:spAutoFit/>
-              </a:bodyPr>
-              <a:lstStyle/>
-              <a:p>
-                <a:pPr algn="ctr"/>
-                <a:r>
-                  <a:rPr lang="en-GB" sz="7200" dirty="0">
-                    <a:latin typeface="Arial" panose="020B0604020202020204" pitchFamily="34" charset="0"/>
-                    <a:cs typeface="Arial" panose="020B0604020202020204" pitchFamily="34" charset="0"/>
-                  </a:rPr>
-                  <a:t>Synthetic Data:</a:t>
-                </a:r>
-              </a:p>
-            </p:txBody>
-          </p:sp>
-        </p:grpSp>
-        <p:sp>
-          <p:nvSpPr>
-            <p:cNvPr id="154" name="TextBox 153">
-              <a:extLst>
-                <a:ext uri="{FF2B5EF4-FFF2-40B4-BE49-F238E27FC236}">
-                  <a16:creationId xmlns:a16="http://schemas.microsoft.com/office/drawing/2014/main" id="{7F5BD88D-89AF-2E49-6250-A7B6FB7A0E1D}"/>
-                </a:ext>
-              </a:extLst>
-            </p:cNvPr>
-            <p:cNvSpPr txBox="1"/>
-            <p:nvPr/>
-          </p:nvSpPr>
-          <p:spPr>
-            <a:xfrm>
-              <a:off x="-17969652" y="-645726"/>
-              <a:ext cx="6225420" cy="1200329"/>
-            </a:xfrm>
-            <a:prstGeom prst="rect">
-              <a:avLst/>
-            </a:prstGeom>
-            <a:noFill/>
-          </p:spPr>
-          <p:txBody>
-            <a:bodyPr wrap="square" rtlCol="0">
-              <a:spAutoFit/>
-            </a:bodyPr>
-            <a:lstStyle/>
-            <a:p>
-              <a:r>
-                <a:rPr lang="en-GB" sz="7200" dirty="0">
-                  <a:latin typeface="Arial" panose="020B0604020202020204" pitchFamily="34" charset="0"/>
-                  <a:cs typeface="Arial" panose="020B0604020202020204" pitchFamily="34" charset="0"/>
-                </a:rPr>
-                <a:t>STEP 2:</a:t>
-              </a:r>
-              <a:endParaRPr lang="en-GB" sz="6000" dirty="0">
-                <a:latin typeface="Arial" panose="020B0604020202020204" pitchFamily="34" charset="0"/>
-                <a:cs typeface="Arial" panose="020B0604020202020204" pitchFamily="34" charset="0"/>
-              </a:endParaRPr>
-            </a:p>
-          </p:txBody>
-        </p:sp>
-      </p:grpSp>
-      <p:grpSp>
-        <p:nvGrpSpPr>
-          <p:cNvPr id="158" name="Group 157">
-            <a:extLst>
-              <a:ext uri="{FF2B5EF4-FFF2-40B4-BE49-F238E27FC236}">
-                <a16:creationId xmlns:a16="http://schemas.microsoft.com/office/drawing/2014/main" id="{7EC8FA6A-FE31-F0D4-6EA8-8172B03B487A}"/>
-              </a:ext>
-            </a:extLst>
-          </p:cNvPr>
-          <p:cNvGrpSpPr/>
-          <p:nvPr/>
-        </p:nvGrpSpPr>
-        <p:grpSpPr>
-          <a:xfrm>
-            <a:off x="-18932269" y="13016862"/>
-            <a:ext cx="27159190" cy="13158414"/>
-            <a:chOff x="-18932269" y="13016862"/>
-            <a:chExt cx="27159190" cy="13158414"/>
-          </a:xfrm>
-        </p:grpSpPr>
-        <p:grpSp>
-          <p:nvGrpSpPr>
-            <p:cNvPr id="149" name="Group 148">
-              <a:extLst>
-                <a:ext uri="{FF2B5EF4-FFF2-40B4-BE49-F238E27FC236}">
-                  <a16:creationId xmlns:a16="http://schemas.microsoft.com/office/drawing/2014/main" id="{AF42A559-C286-6140-E89A-B10ADEC101A5}"/>
-                </a:ext>
-              </a:extLst>
-            </p:cNvPr>
-            <p:cNvGrpSpPr/>
-            <p:nvPr/>
-          </p:nvGrpSpPr>
-          <p:grpSpPr>
-            <a:xfrm>
-              <a:off x="-18932269" y="14272755"/>
-              <a:ext cx="27159190" cy="11902521"/>
-              <a:chOff x="9315887" y="-417019"/>
-              <a:chExt cx="27159190" cy="11902521"/>
-            </a:xfrm>
-          </p:grpSpPr>
-          <p:sp>
-            <p:nvSpPr>
-              <p:cNvPr id="98" name="TextBox 97">
-                <a:extLst>
-                  <a:ext uri="{FF2B5EF4-FFF2-40B4-BE49-F238E27FC236}">
-                    <a16:creationId xmlns:a16="http://schemas.microsoft.com/office/drawing/2014/main" id="{3310965F-E524-7139-4208-872CFE08959B}"/>
-                  </a:ext>
-                </a:extLst>
-              </p:cNvPr>
-              <p:cNvSpPr txBox="1"/>
-              <p:nvPr/>
-            </p:nvSpPr>
-            <p:spPr>
-              <a:xfrm>
-                <a:off x="11105459" y="-206787"/>
-                <a:ext cx="5328911" cy="1200329"/>
+                <a:off x="-23813102" y="-698927"/>
+                <a:ext cx="6225420" cy="1200329"/>
               </a:xfrm>
               <a:prstGeom prst="rect">
                 <a:avLst/>
@@ -6290,56 +8906,9 @@
                     <a:latin typeface="Arial" panose="020B0604020202020204" pitchFamily="34" charset="0"/>
                     <a:cs typeface="Arial" panose="020B0604020202020204" pitchFamily="34" charset="0"/>
                   </a:rPr>
-                  <a:t>IRI Data:</a:t>
+                  <a:t>STEP 2:</a:t>
                 </a:r>
-              </a:p>
-            </p:txBody>
-          </p:sp>
-          <p:sp>
-            <p:nvSpPr>
-              <p:cNvPr id="99" name="Rounded Rectangle 98">
-                <a:extLst>
-                  <a:ext uri="{FF2B5EF4-FFF2-40B4-BE49-F238E27FC236}">
-                    <a16:creationId xmlns:a16="http://schemas.microsoft.com/office/drawing/2014/main" id="{E08F0672-5453-6DA0-640E-BEEAACE26FBA}"/>
-                  </a:ext>
-                </a:extLst>
-              </p:cNvPr>
-              <p:cNvSpPr/>
-              <p:nvPr/>
-            </p:nvSpPr>
-            <p:spPr>
-              <a:xfrm>
-                <a:off x="9315887" y="-417019"/>
-                <a:ext cx="6928095" cy="6562387"/>
-              </a:xfrm>
-              <a:prstGeom prst="roundRect">
-                <a:avLst/>
-              </a:prstGeom>
-              <a:noFill/>
-              <a:ln w="76200"/>
-            </p:spPr>
-            <p:style>
-              <a:lnRef idx="2">
-                <a:schemeClr val="accent1">
-                  <a:shade val="50000"/>
-                </a:schemeClr>
-              </a:lnRef>
-              <a:fillRef idx="1">
-                <a:schemeClr val="accent1"/>
-              </a:fillRef>
-              <a:effectRef idx="0">
-                <a:schemeClr val="accent1"/>
-              </a:effectRef>
-              <a:fontRef idx="minor">
-                <a:schemeClr val="lt1"/>
-              </a:fontRef>
-            </p:style>
-            <p:txBody>
-              <a:bodyPr rtlCol="0" anchor="ctr"/>
-              <a:lstStyle/>
-              <a:p>
-                <a:pPr algn="ctr"/>
-                <a:endParaRPr lang="en-NO" dirty="0">
+                <a:endParaRPr lang="en-GB" sz="6000" dirty="0">
                   <a:latin typeface="Arial" panose="020B0604020202020204" pitchFamily="34" charset="0"/>
                   <a:cs typeface="Arial" panose="020B0604020202020204" pitchFamily="34" charset="0"/>
                 </a:endParaRPr>
@@ -6348,10 +8917,10 @@
           </p:sp>
           <p:sp>
             <p:nvSpPr>
-              <p:cNvPr id="100" name="TextBox 99">
+              <p:cNvPr id="182" name="TextBox 181">
                 <a:extLst>
                   <a:ext uri="{FF2B5EF4-FFF2-40B4-BE49-F238E27FC236}">
-                    <a16:creationId xmlns:a16="http://schemas.microsoft.com/office/drawing/2014/main" id="{7E739A6B-1C9A-A249-7514-5CA688ABFC03}"/>
+                    <a16:creationId xmlns:a16="http://schemas.microsoft.com/office/drawing/2014/main" id="{54DB567F-2FCC-F83B-5902-ABC160D795E8}"/>
                   </a:ext>
                 </a:extLst>
               </p:cNvPr>
@@ -6360,8 +8929,8 @@
             </p:nvSpPr>
             <p:spPr>
               <a:xfrm>
-                <a:off x="9410959" y="1139281"/>
-                <a:ext cx="6804606" cy="4708981"/>
+                <a:off x="-3396343" y="2808514"/>
+                <a:ext cx="184731" cy="369332"/>
               </a:xfrm>
               <a:prstGeom prst="rect">
                 <a:avLst/>
@@ -6369,1266 +8938,60 @@
               <a:noFill/>
             </p:spPr>
             <p:txBody>
-              <a:bodyPr wrap="square" rtlCol="0">
+              <a:bodyPr wrap="none" rtlCol="0">
                 <a:spAutoFit/>
               </a:bodyPr>
               <a:lstStyle/>
               <a:p>
-                <a:r>
-                  <a:rPr lang="en-GB" sz="6000" dirty="0">
-                    <a:latin typeface="Arial" panose="020B0604020202020204" pitchFamily="34" charset="0"/>
-                    <a:cs typeface="Arial" panose="020B0604020202020204" pitchFamily="34" charset="0"/>
-                  </a:rPr>
-                  <a:t>Ionospheric plasma parameters:</a:t>
-                </a:r>
-              </a:p>
-              <a:p>
-                <a:pPr marL="857250" indent="-857250">
-                  <a:buFont typeface="Arial" panose="020B0604020202020204" pitchFamily="34" charset="0"/>
-                  <a:buChar char="•"/>
-                </a:pPr>
-                <a:r>
-                  <a:rPr lang="en-GB" sz="6000" dirty="0">
-                    <a:latin typeface="Arial" panose="020B0604020202020204" pitchFamily="34" charset="0"/>
-                    <a:cs typeface="Arial" panose="020B0604020202020204" pitchFamily="34" charset="0"/>
-                  </a:rPr>
-                  <a:t>ne</a:t>
-                </a:r>
-              </a:p>
-              <a:p>
-                <a:pPr marL="857250" indent="-857250">
-                  <a:buFont typeface="Arial" panose="020B0604020202020204" pitchFamily="34" charset="0"/>
-                  <a:buChar char="•"/>
-                </a:pPr>
-                <a:r>
-                  <a:rPr lang="en-GB" sz="6000" dirty="0">
-                    <a:latin typeface="Arial" panose="020B0604020202020204" pitchFamily="34" charset="0"/>
-                    <a:cs typeface="Arial" panose="020B0604020202020204" pitchFamily="34" charset="0"/>
-                  </a:rPr>
-                  <a:t>Te</a:t>
-                </a:r>
-              </a:p>
-              <a:p>
-                <a:pPr marL="857250" indent="-857250">
-                  <a:buFont typeface="Arial" panose="020B0604020202020204" pitchFamily="34" charset="0"/>
-                  <a:buChar char="•"/>
-                </a:pPr>
-                <a:r>
-                  <a:rPr lang="en-GB" sz="6000" dirty="0">
-                    <a:latin typeface="Arial" panose="020B0604020202020204" pitchFamily="34" charset="0"/>
-                    <a:cs typeface="Arial" panose="020B0604020202020204" pitchFamily="34" charset="0"/>
-                  </a:rPr>
-                  <a:t>V0s</a:t>
-                </a:r>
-                <a:endParaRPr lang="en-NO" sz="6000" dirty="0">
-                  <a:latin typeface="Arial" panose="020B0604020202020204" pitchFamily="34" charset="0"/>
-                  <a:cs typeface="Arial" panose="020B0604020202020204" pitchFamily="34" charset="0"/>
-                </a:endParaRPr>
-              </a:p>
-            </p:txBody>
-          </p:sp>
-          <p:sp>
-            <p:nvSpPr>
-              <p:cNvPr id="101" name="Rounded Rectangle 100">
-                <a:extLst>
-                  <a:ext uri="{FF2B5EF4-FFF2-40B4-BE49-F238E27FC236}">
-                    <a16:creationId xmlns:a16="http://schemas.microsoft.com/office/drawing/2014/main" id="{632F2696-134E-7934-8AE6-4B0518282B84}"/>
-                  </a:ext>
-                </a:extLst>
-              </p:cNvPr>
-              <p:cNvSpPr/>
-              <p:nvPr/>
-            </p:nvSpPr>
-            <p:spPr>
-              <a:xfrm>
-                <a:off x="9439376" y="6704113"/>
-                <a:ext cx="6804606" cy="4486033"/>
-              </a:xfrm>
-              <a:prstGeom prst="roundRect">
-                <a:avLst/>
-              </a:prstGeom>
-              <a:noFill/>
-              <a:ln w="76200"/>
-            </p:spPr>
-            <p:style>
-              <a:lnRef idx="2">
-                <a:schemeClr val="accent1">
-                  <a:shade val="50000"/>
-                </a:schemeClr>
-              </a:lnRef>
-              <a:fillRef idx="1">
-                <a:schemeClr val="accent1"/>
-              </a:fillRef>
-              <a:effectRef idx="0">
-                <a:schemeClr val="accent1"/>
-              </a:effectRef>
-              <a:fontRef idx="minor">
-                <a:schemeClr val="lt1"/>
-              </a:fontRef>
-            </p:style>
-            <p:txBody>
-              <a:bodyPr rtlCol="0" anchor="ctr"/>
-              <a:lstStyle/>
-              <a:p>
-                <a:pPr algn="ctr"/>
-                <a:endParaRPr lang="en-NO" dirty="0">
-                  <a:latin typeface="Arial" panose="020B0604020202020204" pitchFamily="34" charset="0"/>
-                  <a:cs typeface="Arial" panose="020B0604020202020204" pitchFamily="34" charset="0"/>
-                </a:endParaRPr>
-              </a:p>
-            </p:txBody>
-          </p:sp>
-          <p:sp>
-            <p:nvSpPr>
-              <p:cNvPr id="102" name="TextBox 101">
-                <a:extLst>
-                  <a:ext uri="{FF2B5EF4-FFF2-40B4-BE49-F238E27FC236}">
-                    <a16:creationId xmlns:a16="http://schemas.microsoft.com/office/drawing/2014/main" id="{7542E7E9-CBB3-9AA0-E28A-72A57F96F3B5}"/>
-                  </a:ext>
-                </a:extLst>
-              </p:cNvPr>
-              <p:cNvSpPr txBox="1"/>
-              <p:nvPr/>
-            </p:nvSpPr>
-            <p:spPr>
-              <a:xfrm>
-                <a:off x="9527862" y="7090048"/>
-                <a:ext cx="7025762" cy="3785652"/>
-              </a:xfrm>
-              <a:prstGeom prst="rect">
-                <a:avLst/>
-              </a:prstGeom>
-              <a:noFill/>
-            </p:spPr>
-            <p:txBody>
-              <a:bodyPr wrap="square" rtlCol="0">
-                <a:spAutoFit/>
-              </a:bodyPr>
-              <a:lstStyle/>
-              <a:p>
-                <a:r>
-                  <a:rPr lang="en-GB" sz="6000" dirty="0">
-                    <a:latin typeface="Arial" panose="020B0604020202020204" pitchFamily="34" charset="0"/>
-                    <a:cs typeface="Arial" panose="020B0604020202020204" pitchFamily="34" charset="0"/>
-                  </a:rPr>
-                  <a:t>Probe parameters:</a:t>
-                </a:r>
-              </a:p>
-              <a:p>
-                <a:pPr marL="857250" indent="-857250">
-                  <a:buFont typeface="Arial" panose="020B0604020202020204" pitchFamily="34" charset="0"/>
-                  <a:buChar char="•"/>
-                </a:pPr>
-                <a:r>
-                  <a:rPr lang="nb-NO" sz="6000" noProof="1">
-                    <a:latin typeface="Arial" panose="020B0604020202020204" pitchFamily="34" charset="0"/>
-                    <a:cs typeface="Arial" panose="020B0604020202020204" pitchFamily="34" charset="0"/>
-                  </a:rPr>
-                  <a:t>Probe</a:t>
-                </a:r>
-                <a:r>
-                  <a:rPr lang="nb-NO" sz="6000" dirty="0">
-                    <a:latin typeface="Arial" panose="020B0604020202020204" pitchFamily="34" charset="0"/>
-                    <a:cs typeface="Arial" panose="020B0604020202020204" pitchFamily="34" charset="0"/>
-                  </a:rPr>
-                  <a:t> Geometries</a:t>
-                </a:r>
-              </a:p>
-              <a:p>
-                <a:pPr marL="857250" indent="-857250">
-                  <a:buFont typeface="Arial" panose="020B0604020202020204" pitchFamily="34" charset="0"/>
-                  <a:buChar char="•"/>
-                </a:pPr>
-                <a:r>
-                  <a:rPr lang="nb-NO" sz="6000" dirty="0">
-                    <a:latin typeface="Arial" panose="020B0604020202020204" pitchFamily="34" charset="0"/>
-                    <a:cs typeface="Arial" panose="020B0604020202020204" pitchFamily="34" charset="0"/>
-                  </a:rPr>
-                  <a:t>Vb</a:t>
-                </a:r>
-              </a:p>
-            </p:txBody>
-          </p:sp>
-          <p:sp>
-            <p:nvSpPr>
-              <p:cNvPr id="109" name="Rounded Rectangle 108">
-                <a:extLst>
-                  <a:ext uri="{FF2B5EF4-FFF2-40B4-BE49-F238E27FC236}">
-                    <a16:creationId xmlns:a16="http://schemas.microsoft.com/office/drawing/2014/main" id="{F05A3693-B147-6C81-5809-545B36FA8235}"/>
-                  </a:ext>
-                </a:extLst>
-              </p:cNvPr>
-              <p:cNvSpPr/>
-              <p:nvPr/>
-            </p:nvSpPr>
-            <p:spPr>
-              <a:xfrm>
-                <a:off x="23316189" y="-417019"/>
-                <a:ext cx="5801945" cy="7471322"/>
-              </a:xfrm>
-              <a:prstGeom prst="roundRect">
-                <a:avLst/>
-              </a:prstGeom>
-              <a:noFill/>
-              <a:ln w="76200"/>
-            </p:spPr>
-            <p:style>
-              <a:lnRef idx="2">
-                <a:schemeClr val="accent1">
-                  <a:shade val="50000"/>
-                </a:schemeClr>
-              </a:lnRef>
-              <a:fillRef idx="1">
-                <a:schemeClr val="accent1"/>
-              </a:fillRef>
-              <a:effectRef idx="0">
-                <a:schemeClr val="accent1"/>
-              </a:effectRef>
-              <a:fontRef idx="minor">
-                <a:schemeClr val="lt1"/>
-              </a:fontRef>
-            </p:style>
-            <p:txBody>
-              <a:bodyPr rtlCol="0" anchor="ctr"/>
-              <a:lstStyle/>
-              <a:p>
-                <a:pPr algn="ctr"/>
-                <a:endParaRPr lang="en-NO" dirty="0">
-                  <a:latin typeface="Arial" panose="020B0604020202020204" pitchFamily="34" charset="0"/>
-                  <a:cs typeface="Arial" panose="020B0604020202020204" pitchFamily="34" charset="0"/>
-                </a:endParaRPr>
-              </a:p>
-            </p:txBody>
-          </p:sp>
-          <p:sp>
-            <p:nvSpPr>
-              <p:cNvPr id="110" name="TextBox 109">
-                <a:extLst>
-                  <a:ext uri="{FF2B5EF4-FFF2-40B4-BE49-F238E27FC236}">
-                    <a16:creationId xmlns:a16="http://schemas.microsoft.com/office/drawing/2014/main" id="{834685E7-4413-5784-0437-7B9236DBD275}"/>
-                  </a:ext>
-                </a:extLst>
-              </p:cNvPr>
-              <p:cNvSpPr txBox="1"/>
-              <p:nvPr/>
-            </p:nvSpPr>
-            <p:spPr>
-              <a:xfrm>
-                <a:off x="25833009" y="-379619"/>
-                <a:ext cx="869124" cy="3323987"/>
-              </a:xfrm>
-              <a:prstGeom prst="rect">
-                <a:avLst/>
-              </a:prstGeom>
-              <a:noFill/>
-            </p:spPr>
-            <p:txBody>
-              <a:bodyPr wrap="square" rtlCol="0">
-                <a:spAutoFit/>
-              </a:bodyPr>
-              <a:lstStyle/>
-              <a:p>
-                <a:r>
-                  <a:rPr lang="nb-NO" sz="15000" dirty="0">
-                    <a:latin typeface="Arial" panose="020B0604020202020204" pitchFamily="34" charset="0"/>
-                    <a:cs typeface="Arial" panose="020B0604020202020204" pitchFamily="34" charset="0"/>
-                  </a:rPr>
-                  <a:t>I</a:t>
-                </a:r>
-              </a:p>
-              <a:p>
-                <a:endParaRPr lang="en-NO" sz="6000" dirty="0">
-                  <a:latin typeface="Arial" panose="020B0604020202020204" pitchFamily="34" charset="0"/>
-                  <a:cs typeface="Arial" panose="020B0604020202020204" pitchFamily="34" charset="0"/>
-                </a:endParaRPr>
-              </a:p>
-            </p:txBody>
-          </p:sp>
-          <p:sp>
-            <p:nvSpPr>
-              <p:cNvPr id="111" name="TextBox 110">
-                <a:extLst>
-                  <a:ext uri="{FF2B5EF4-FFF2-40B4-BE49-F238E27FC236}">
-                    <a16:creationId xmlns:a16="http://schemas.microsoft.com/office/drawing/2014/main" id="{26592DAE-6818-DA14-D710-8B11C935C4A9}"/>
-                  </a:ext>
-                </a:extLst>
-              </p:cNvPr>
-              <p:cNvSpPr txBox="1"/>
-              <p:nvPr/>
-            </p:nvSpPr>
-            <p:spPr>
-              <a:xfrm>
-                <a:off x="22839998" y="1737416"/>
-                <a:ext cx="6754326" cy="1938992"/>
-              </a:xfrm>
-              <a:prstGeom prst="rect">
-                <a:avLst/>
-              </a:prstGeom>
-              <a:noFill/>
-            </p:spPr>
-            <p:txBody>
-              <a:bodyPr wrap="square" rtlCol="0">
-                <a:spAutoFit/>
-              </a:bodyPr>
-              <a:lstStyle/>
-              <a:p>
-                <a:pPr algn="ctr"/>
-                <a:r>
-                  <a:rPr lang="nb-NO" sz="6000" dirty="0">
-                    <a:latin typeface="Arial" panose="020B0604020202020204" pitchFamily="34" charset="0"/>
-                    <a:cs typeface="Arial" panose="020B0604020202020204" pitchFamily="34" charset="0"/>
-                  </a:rPr>
-                  <a:t>derived</a:t>
-                </a:r>
-              </a:p>
-              <a:p>
-                <a:pPr algn="ctr"/>
-                <a:r>
-                  <a:rPr lang="nb-NO" sz="6000" dirty="0">
-                    <a:latin typeface="Arial" panose="020B0604020202020204" pitchFamily="34" charset="0"/>
-                    <a:cs typeface="Arial" panose="020B0604020202020204" pitchFamily="34" charset="0"/>
-                  </a:rPr>
-                  <a:t>currents</a:t>
-                </a:r>
-              </a:p>
-            </p:txBody>
-          </p:sp>
-          <p:cxnSp>
-            <p:nvCxnSpPr>
-              <p:cNvPr id="112" name="Straight Arrow Connector 111">
-                <a:extLst>
-                  <a:ext uri="{FF2B5EF4-FFF2-40B4-BE49-F238E27FC236}">
-                    <a16:creationId xmlns:a16="http://schemas.microsoft.com/office/drawing/2014/main" id="{0AA9AD64-4BAD-E549-E44E-F557C978B0BC}"/>
-                  </a:ext>
-                </a:extLst>
-              </p:cNvPr>
-              <p:cNvCxnSpPr>
-                <a:cxnSpLocks/>
-              </p:cNvCxnSpPr>
-              <p:nvPr/>
-            </p:nvCxnSpPr>
-            <p:spPr>
-              <a:xfrm>
-                <a:off x="17049991" y="5386564"/>
-                <a:ext cx="6266198" cy="0"/>
-              </a:xfrm>
-              <a:prstGeom prst="straightConnector1">
-                <a:avLst/>
-              </a:prstGeom>
-              <a:ln w="76200">
-                <a:solidFill>
-                  <a:schemeClr val="accent1"/>
-                </a:solidFill>
-                <a:tailEnd type="triangle"/>
-              </a:ln>
-            </p:spPr>
-            <p:style>
-              <a:lnRef idx="1">
-                <a:schemeClr val="accent1"/>
-              </a:lnRef>
-              <a:fillRef idx="0">
-                <a:schemeClr val="accent1"/>
-              </a:fillRef>
-              <a:effectRef idx="0">
-                <a:schemeClr val="accent1"/>
-              </a:effectRef>
-              <a:fontRef idx="minor">
-                <a:schemeClr val="tx1"/>
-              </a:fontRef>
-            </p:style>
-          </p:cxnSp>
-          <p:cxnSp>
-            <p:nvCxnSpPr>
-              <p:cNvPr id="113" name="Straight Arrow Connector 112">
-                <a:extLst>
-                  <a:ext uri="{FF2B5EF4-FFF2-40B4-BE49-F238E27FC236}">
-                    <a16:creationId xmlns:a16="http://schemas.microsoft.com/office/drawing/2014/main" id="{483C7B26-F9B8-1AF2-FF69-FFB58F93FC83}"/>
-                  </a:ext>
-                </a:extLst>
-              </p:cNvPr>
-              <p:cNvCxnSpPr>
-                <a:cxnSpLocks/>
-                <a:endCxn id="134" idx="1"/>
-              </p:cNvCxnSpPr>
-              <p:nvPr/>
-            </p:nvCxnSpPr>
-            <p:spPr>
-              <a:xfrm>
-                <a:off x="30538593" y="5386564"/>
-                <a:ext cx="1972068" cy="0"/>
-              </a:xfrm>
-              <a:prstGeom prst="straightConnector1">
-                <a:avLst/>
-              </a:prstGeom>
-              <a:ln w="76200">
-                <a:solidFill>
-                  <a:schemeClr val="accent1"/>
-                </a:solidFill>
-                <a:tailEnd type="triangle"/>
-              </a:ln>
-            </p:spPr>
-            <p:style>
-              <a:lnRef idx="1">
-                <a:schemeClr val="accent1"/>
-              </a:lnRef>
-              <a:fillRef idx="0">
-                <a:schemeClr val="accent1"/>
-              </a:fillRef>
-              <a:effectRef idx="0">
-                <a:schemeClr val="accent1"/>
-              </a:effectRef>
-              <a:fontRef idx="minor">
-                <a:schemeClr val="tx1"/>
-              </a:fontRef>
-            </p:style>
-          </p:cxnSp>
-          <p:sp>
-            <p:nvSpPr>
-              <p:cNvPr id="117" name="TextBox 116">
-                <a:extLst>
-                  <a:ext uri="{FF2B5EF4-FFF2-40B4-BE49-F238E27FC236}">
-                    <a16:creationId xmlns:a16="http://schemas.microsoft.com/office/drawing/2014/main" id="{A33274E3-B88D-A8FF-C269-C6B0FCB8131B}"/>
-                  </a:ext>
-                </a:extLst>
-              </p:cNvPr>
-              <p:cNvSpPr txBox="1"/>
-              <p:nvPr/>
-            </p:nvSpPr>
-            <p:spPr>
-              <a:xfrm>
-                <a:off x="17057135" y="2808916"/>
-                <a:ext cx="6423434" cy="4770537"/>
-              </a:xfrm>
-              <a:prstGeom prst="rect">
-                <a:avLst/>
-              </a:prstGeom>
-              <a:noFill/>
-            </p:spPr>
-            <p:txBody>
-              <a:bodyPr wrap="square" rtlCol="0">
-                <a:spAutoFit/>
-              </a:bodyPr>
-              <a:lstStyle/>
-              <a:p>
-                <a:r>
-                  <a:rPr lang="en-GB" sz="7200" dirty="0">
-                    <a:latin typeface="Arial" panose="020B0604020202020204" pitchFamily="34" charset="0"/>
-                    <a:cs typeface="Arial" panose="020B0604020202020204" pitchFamily="34" charset="0"/>
-                  </a:rPr>
-                  <a:t>Langmuir Library:</a:t>
-                </a:r>
-              </a:p>
-              <a:p>
-                <a:endParaRPr lang="en-GB" sz="5000" dirty="0">
-                  <a:latin typeface="Arial" panose="020B0604020202020204" pitchFamily="34" charset="0"/>
-                  <a:cs typeface="Arial" panose="020B0604020202020204" pitchFamily="34" charset="0"/>
-                </a:endParaRPr>
-              </a:p>
-              <a:p>
-                <a:r>
-                  <a:rPr lang="en-GB" sz="5500" dirty="0">
-                    <a:latin typeface="Arial" panose="020B0604020202020204" pitchFamily="34" charset="0"/>
-                    <a:cs typeface="Arial" panose="020B0604020202020204" pitchFamily="34" charset="0"/>
-                  </a:rPr>
-                  <a:t>Finite length model</a:t>
-                </a:r>
-              </a:p>
-              <a:p>
-                <a:r>
-                  <a:rPr lang="en-GB" sz="5500" dirty="0">
-                    <a:latin typeface="Arial" panose="020B0604020202020204" pitchFamily="34" charset="0"/>
-                    <a:cs typeface="Arial" panose="020B0604020202020204" pitchFamily="34" charset="0"/>
-                  </a:rPr>
-                  <a:t>Finite radius model</a:t>
-                </a:r>
-              </a:p>
-            </p:txBody>
-          </p:sp>
-          <p:sp>
-            <p:nvSpPr>
-              <p:cNvPr id="119" name="Right Brace 118">
-                <a:extLst>
-                  <a:ext uri="{FF2B5EF4-FFF2-40B4-BE49-F238E27FC236}">
-                    <a16:creationId xmlns:a16="http://schemas.microsoft.com/office/drawing/2014/main" id="{9B9D31F6-1F69-514C-3E46-83D03B618B7E}"/>
-                  </a:ext>
-                </a:extLst>
-              </p:cNvPr>
-              <p:cNvSpPr/>
-              <p:nvPr/>
-            </p:nvSpPr>
-            <p:spPr>
-              <a:xfrm>
-                <a:off x="16311150" y="2944368"/>
-                <a:ext cx="1391513" cy="6370970"/>
-              </a:xfrm>
-              <a:prstGeom prst="rightBrace">
-                <a:avLst>
-                  <a:gd name="adj1" fmla="val 2065"/>
-                  <a:gd name="adj2" fmla="val 38369"/>
-                </a:avLst>
-              </a:prstGeom>
-              <a:ln w="76200"/>
-            </p:spPr>
-            <p:style>
-              <a:lnRef idx="1">
-                <a:schemeClr val="accent1"/>
-              </a:lnRef>
-              <a:fillRef idx="0">
-                <a:schemeClr val="accent1"/>
-              </a:fillRef>
-              <a:effectRef idx="0">
-                <a:schemeClr val="accent1"/>
-              </a:effectRef>
-              <a:fontRef idx="minor">
-                <a:schemeClr val="tx1"/>
-              </a:fontRef>
-            </p:style>
-            <p:txBody>
-              <a:bodyPr rtlCol="0" anchor="ctr"/>
-              <a:lstStyle/>
-              <a:p>
-                <a:pPr algn="ctr"/>
-                <a:endParaRPr lang="en-NO" dirty="0">
-                  <a:latin typeface="Arial" panose="020B0604020202020204" pitchFamily="34" charset="0"/>
-                  <a:cs typeface="Arial" panose="020B0604020202020204" pitchFamily="34" charset="0"/>
-                </a:endParaRPr>
-              </a:p>
-            </p:txBody>
-          </p:sp>
-          <p:sp>
-            <p:nvSpPr>
-              <p:cNvPr id="124" name="Rounded Rectangle 123">
-                <a:extLst>
-                  <a:ext uri="{FF2B5EF4-FFF2-40B4-BE49-F238E27FC236}">
-                    <a16:creationId xmlns:a16="http://schemas.microsoft.com/office/drawing/2014/main" id="{41A0642D-6985-CB21-FAE1-5A6F11F93681}"/>
-                  </a:ext>
-                </a:extLst>
-              </p:cNvPr>
-              <p:cNvSpPr/>
-              <p:nvPr/>
-            </p:nvSpPr>
-            <p:spPr>
-              <a:xfrm>
-                <a:off x="23316190" y="7224762"/>
-                <a:ext cx="5902762" cy="3965384"/>
-              </a:xfrm>
-              <a:prstGeom prst="roundRect">
-                <a:avLst/>
-              </a:prstGeom>
-              <a:noFill/>
-              <a:ln w="76200"/>
-            </p:spPr>
-            <p:style>
-              <a:lnRef idx="2">
-                <a:schemeClr val="accent1">
-                  <a:shade val="50000"/>
-                </a:schemeClr>
-              </a:lnRef>
-              <a:fillRef idx="1">
-                <a:schemeClr val="accent1"/>
-              </a:fillRef>
-              <a:effectRef idx="0">
-                <a:schemeClr val="accent1"/>
-              </a:effectRef>
-              <a:fontRef idx="minor">
-                <a:schemeClr val="lt1"/>
-              </a:fontRef>
-            </p:style>
-            <p:txBody>
-              <a:bodyPr rtlCol="0" anchor="ctr"/>
-              <a:lstStyle/>
-              <a:p>
-                <a:pPr algn="ctr"/>
-                <a:endParaRPr lang="en-NO" dirty="0">
-                  <a:latin typeface="Arial" panose="020B0604020202020204" pitchFamily="34" charset="0"/>
-                  <a:cs typeface="Arial" panose="020B0604020202020204" pitchFamily="34" charset="0"/>
-                </a:endParaRPr>
-              </a:p>
-            </p:txBody>
-          </p:sp>
-          <p:sp>
-            <p:nvSpPr>
-              <p:cNvPr id="131" name="TextBox 130">
-                <a:extLst>
-                  <a:ext uri="{FF2B5EF4-FFF2-40B4-BE49-F238E27FC236}">
-                    <a16:creationId xmlns:a16="http://schemas.microsoft.com/office/drawing/2014/main" id="{64FA2D89-C6F3-E9DF-A160-AD05F30EB520}"/>
-                  </a:ext>
-                </a:extLst>
-              </p:cNvPr>
-              <p:cNvSpPr txBox="1"/>
-              <p:nvPr/>
-            </p:nvSpPr>
-            <p:spPr>
-              <a:xfrm>
-                <a:off x="24607785" y="7699850"/>
-                <a:ext cx="3966214" cy="3785652"/>
-              </a:xfrm>
-              <a:prstGeom prst="rect">
-                <a:avLst/>
-              </a:prstGeom>
-              <a:noFill/>
-            </p:spPr>
-            <p:txBody>
-              <a:bodyPr wrap="square" rtlCol="0">
-                <a:spAutoFit/>
-              </a:bodyPr>
-              <a:lstStyle/>
-              <a:p>
-                <a:r>
-                  <a:rPr lang="nb-NO" sz="6000" dirty="0">
-                    <a:latin typeface="Arial" panose="020B0604020202020204" pitchFamily="34" charset="0"/>
-                    <a:cs typeface="Arial" panose="020B0604020202020204" pitchFamily="34" charset="0"/>
-                  </a:rPr>
-                  <a:t>Machine Learning Model</a:t>
-                </a:r>
-              </a:p>
-              <a:p>
-                <a:endParaRPr lang="nb-NO" sz="6000" dirty="0">
-                  <a:latin typeface="Arial" panose="020B0604020202020204" pitchFamily="34" charset="0"/>
-                  <a:cs typeface="Arial" panose="020B0604020202020204" pitchFamily="34" charset="0"/>
-                </a:endParaRPr>
-              </a:p>
-            </p:txBody>
-          </p:sp>
-          <p:sp>
-            <p:nvSpPr>
-              <p:cNvPr id="132" name="Right Brace 131">
-                <a:extLst>
-                  <a:ext uri="{FF2B5EF4-FFF2-40B4-BE49-F238E27FC236}">
-                    <a16:creationId xmlns:a16="http://schemas.microsoft.com/office/drawing/2014/main" id="{3E780044-396B-4F28-4AF2-120F56471740}"/>
-                  </a:ext>
-                </a:extLst>
-              </p:cNvPr>
-              <p:cNvSpPr/>
-              <p:nvPr/>
-            </p:nvSpPr>
-            <p:spPr>
-              <a:xfrm>
-                <a:off x="29147080" y="2944368"/>
-                <a:ext cx="1391513" cy="6370970"/>
-              </a:xfrm>
-              <a:prstGeom prst="rightBrace">
-                <a:avLst>
-                  <a:gd name="adj1" fmla="val 2065"/>
-                  <a:gd name="adj2" fmla="val 38369"/>
-                </a:avLst>
-              </a:prstGeom>
-              <a:ln w="76200"/>
-            </p:spPr>
-            <p:style>
-              <a:lnRef idx="1">
-                <a:schemeClr val="accent1"/>
-              </a:lnRef>
-              <a:fillRef idx="0">
-                <a:schemeClr val="accent1"/>
-              </a:fillRef>
-              <a:effectRef idx="0">
-                <a:schemeClr val="accent1"/>
-              </a:effectRef>
-              <a:fontRef idx="minor">
-                <a:schemeClr val="tx1"/>
-              </a:fontRef>
-            </p:style>
-            <p:txBody>
-              <a:bodyPr rtlCol="0" anchor="ctr"/>
-              <a:lstStyle/>
-              <a:p>
-                <a:pPr algn="ctr"/>
-                <a:endParaRPr lang="en-NO" dirty="0">
-                  <a:latin typeface="Arial" panose="020B0604020202020204" pitchFamily="34" charset="0"/>
-                  <a:cs typeface="Arial" panose="020B0604020202020204" pitchFamily="34" charset="0"/>
-                </a:endParaRPr>
-              </a:p>
-            </p:txBody>
-          </p:sp>
-          <p:sp>
-            <p:nvSpPr>
-              <p:cNvPr id="134" name="Rounded Rectangle 133">
-                <a:extLst>
-                  <a:ext uri="{FF2B5EF4-FFF2-40B4-BE49-F238E27FC236}">
-                    <a16:creationId xmlns:a16="http://schemas.microsoft.com/office/drawing/2014/main" id="{A8440408-6510-A6FE-098A-1C63AA886791}"/>
-                  </a:ext>
-                </a:extLst>
-              </p:cNvPr>
-              <p:cNvSpPr/>
-              <p:nvPr/>
-            </p:nvSpPr>
-            <p:spPr>
-              <a:xfrm>
-                <a:off x="32510661" y="-417019"/>
-                <a:ext cx="3927391" cy="11607165"/>
-              </a:xfrm>
-              <a:prstGeom prst="roundRect">
-                <a:avLst/>
-              </a:prstGeom>
-              <a:noFill/>
-              <a:ln w="76200"/>
-            </p:spPr>
-            <p:style>
-              <a:lnRef idx="2">
-                <a:schemeClr val="accent1">
-                  <a:shade val="50000"/>
-                </a:schemeClr>
-              </a:lnRef>
-              <a:fillRef idx="1">
-                <a:schemeClr val="accent1"/>
-              </a:fillRef>
-              <a:effectRef idx="0">
-                <a:schemeClr val="accent1"/>
-              </a:effectRef>
-              <a:fontRef idx="minor">
-                <a:schemeClr val="lt1"/>
-              </a:fontRef>
-            </p:style>
-            <p:txBody>
-              <a:bodyPr rtlCol="0" anchor="ctr"/>
-              <a:lstStyle/>
-              <a:p>
-                <a:pPr algn="ctr"/>
-                <a:endParaRPr lang="en-NO" dirty="0">
-                  <a:latin typeface="Arial" panose="020B0604020202020204" pitchFamily="34" charset="0"/>
-                  <a:cs typeface="Arial" panose="020B0604020202020204" pitchFamily="34" charset="0"/>
-                </a:endParaRPr>
-              </a:p>
-            </p:txBody>
-          </p:sp>
-          <mc:AlternateContent xmlns:mc="http://schemas.openxmlformats.org/markup-compatibility/2006">
-            <mc:Choice xmlns:a14="http://schemas.microsoft.com/office/drawing/2010/main" Requires="a14">
-              <p:sp>
-                <p:nvSpPr>
-                  <p:cNvPr id="135" name="TextBox 134">
-                    <a:extLst>
-                      <a:ext uri="{FF2B5EF4-FFF2-40B4-BE49-F238E27FC236}">
-                        <a16:creationId xmlns:a16="http://schemas.microsoft.com/office/drawing/2014/main" id="{F59FC32F-9448-9587-85F7-6C67867D4C1F}"/>
-                      </a:ext>
-                    </a:extLst>
-                  </p:cNvPr>
-                  <p:cNvSpPr txBox="1"/>
-                  <p:nvPr/>
-                </p:nvSpPr>
-                <p:spPr>
-                  <a:xfrm>
-                    <a:off x="32508863" y="940420"/>
-                    <a:ext cx="3966214" cy="10248960"/>
-                  </a:xfrm>
-                  <a:prstGeom prst="rect">
-                    <a:avLst/>
-                  </a:prstGeom>
-                  <a:noFill/>
-                </p:spPr>
-                <p:txBody>
-                  <a:bodyPr wrap="square" rtlCol="0">
-                    <a:spAutoFit/>
-                  </a:bodyPr>
-                  <a:lstStyle/>
-                  <a:p>
-                    <a:pPr algn="ctr"/>
-                    <a:r>
-                      <a:rPr lang="en-GB" sz="6000" b="1" dirty="0">
-                        <a:latin typeface="Arial" panose="020B0604020202020204" pitchFamily="34" charset="0"/>
-                        <a:cs typeface="Arial" panose="020B0604020202020204" pitchFamily="34" charset="0"/>
-                      </a:rPr>
-                      <a:t>Predict Te </a:t>
-                    </a:r>
-                    <a:r>
-                      <a:rPr lang="en-GB" sz="6000" dirty="0">
-                        <a:latin typeface="Arial" panose="020B0604020202020204" pitchFamily="34" charset="0"/>
-                        <a:cs typeface="Arial" panose="020B0604020202020204" pitchFamily="34" charset="0"/>
-                      </a:rPr>
-                      <a:t>from </a:t>
-                    </a:r>
-                    <a14:m>
-                      <m:oMath xmlns:m="http://schemas.openxmlformats.org/officeDocument/2006/math">
-                        <m:sSub>
-                          <m:sSubPr>
-                            <m:ctrlPr>
-                              <a:rPr lang="en-GB" sz="6000" i="1" smtClean="0">
-                                <a:latin typeface="Cambria Math" panose="02040503050406030204" pitchFamily="18" charset="0"/>
-                              </a:rPr>
-                            </m:ctrlPr>
-                          </m:sSubPr>
-                          <m:e>
-                            <m:r>
-                              <a:rPr lang="nb-NO" sz="6000" b="0" i="1" smtClean="0">
-                                <a:latin typeface="Cambria Math" panose="02040503050406030204" pitchFamily="18" charset="0"/>
-                              </a:rPr>
-                              <m:t>𝐼</m:t>
-                            </m:r>
-                          </m:e>
-                          <m:sub>
-                            <m:r>
-                              <a:rPr lang="nb-NO" sz="6000" b="0" i="1" smtClean="0">
-                                <a:latin typeface="Cambria Math" panose="02040503050406030204" pitchFamily="18" charset="0"/>
-                              </a:rPr>
-                              <m:t>𝐼𝑅𝐼</m:t>
-                            </m:r>
-                          </m:sub>
-                        </m:sSub>
-                      </m:oMath>
-                    </a14:m>
-                    <a:endParaRPr lang="en-GB" sz="6000" dirty="0">
-                      <a:latin typeface="Arial" panose="020B0604020202020204" pitchFamily="34" charset="0"/>
-                      <a:cs typeface="Arial" panose="020B0604020202020204" pitchFamily="34" charset="0"/>
-                    </a:endParaRPr>
-                  </a:p>
-                  <a:p>
-                    <a:pPr algn="ctr"/>
-                    <a:endParaRPr lang="en-GB" sz="6000" dirty="0">
-                      <a:latin typeface="Arial" panose="020B0604020202020204" pitchFamily="34" charset="0"/>
-                      <a:cs typeface="Arial" panose="020B0604020202020204" pitchFamily="34" charset="0"/>
-                    </a:endParaRPr>
-                  </a:p>
-                  <a:p>
-                    <a:pPr algn="ctr"/>
-                    <a:r>
-                      <a:rPr lang="en-GB" sz="6000" b="1" dirty="0">
-                        <a:latin typeface="Arial" panose="020B0604020202020204" pitchFamily="34" charset="0"/>
-                        <a:cs typeface="Arial" panose="020B0604020202020204" pitchFamily="34" charset="0"/>
-                      </a:rPr>
-                      <a:t>Compare:</a:t>
-                    </a:r>
-                  </a:p>
-                  <a:p>
-                    <a:pPr algn="ctr"/>
-                    <a:r>
-                      <a:rPr lang="en-GB" sz="6000" dirty="0">
-                        <a:latin typeface="Arial" panose="020B0604020202020204" pitchFamily="34" charset="0"/>
-                        <a:cs typeface="Arial" panose="020B0604020202020204" pitchFamily="34" charset="0"/>
-                      </a:rPr>
-                      <a:t> </a:t>
-                    </a:r>
-                    <a14:m>
-                      <m:oMath xmlns:m="http://schemas.openxmlformats.org/officeDocument/2006/math">
-                        <m:sSub>
-                          <m:sSubPr>
-                            <m:ctrlPr>
-                              <a:rPr lang="en-GB" sz="6000" i="1" smtClean="0">
-                                <a:latin typeface="Cambria Math" panose="02040503050406030204" pitchFamily="18" charset="0"/>
-                              </a:rPr>
-                            </m:ctrlPr>
-                          </m:sSubPr>
-                          <m:e>
-                            <m:r>
-                              <a:rPr lang="nb-NO" sz="6000" b="0" i="1" smtClean="0">
-                                <a:latin typeface="Cambria Math" panose="02040503050406030204" pitchFamily="18" charset="0"/>
-                              </a:rPr>
-                              <m:t>𝑇𝑒</m:t>
-                            </m:r>
-                          </m:e>
-                          <m:sub>
-                            <m:r>
-                              <a:rPr lang="nb-NO" sz="6000" b="0" i="1" smtClean="0">
-                                <a:latin typeface="Cambria Math" panose="02040503050406030204" pitchFamily="18" charset="0"/>
-                              </a:rPr>
-                              <m:t>𝑃𝑟𝑒𝑑𝑖𝑐𝑡</m:t>
-                            </m:r>
-                          </m:sub>
-                        </m:sSub>
-                      </m:oMath>
-                    </a14:m>
-                    <a:endParaRPr lang="en-GB" sz="6000" dirty="0">
-                      <a:latin typeface="Arial" panose="020B0604020202020204" pitchFamily="34" charset="0"/>
-                      <a:cs typeface="Arial" panose="020B0604020202020204" pitchFamily="34" charset="0"/>
-                    </a:endParaRPr>
-                  </a:p>
-                  <a:p>
-                    <a:pPr algn="ctr"/>
-                    <a:r>
-                      <a:rPr lang="en-GB" sz="6000" dirty="0">
-                        <a:latin typeface="Arial" panose="020B0604020202020204" pitchFamily="34" charset="0"/>
-                        <a:cs typeface="Arial" panose="020B0604020202020204" pitchFamily="34" charset="0"/>
-                      </a:rPr>
-                      <a:t>to </a:t>
-                    </a:r>
-                    <a14:m>
-                      <m:oMath xmlns:m="http://schemas.openxmlformats.org/officeDocument/2006/math">
-                        <m:sSub>
-                          <m:sSubPr>
-                            <m:ctrlPr>
-                              <a:rPr lang="en-GB" sz="6000" i="1" smtClean="0">
-                                <a:latin typeface="Cambria Math" panose="02040503050406030204" pitchFamily="18" charset="0"/>
-                              </a:rPr>
-                            </m:ctrlPr>
-                          </m:sSubPr>
-                          <m:e>
-                            <m:r>
-                              <a:rPr lang="nb-NO" sz="6000" b="0" i="1" smtClean="0">
-                                <a:latin typeface="Cambria Math" panose="02040503050406030204" pitchFamily="18" charset="0"/>
-                              </a:rPr>
-                              <m:t>𝑇𝑒</m:t>
-                            </m:r>
-                          </m:e>
-                          <m:sub>
-                            <m:r>
-                              <a:rPr lang="nb-NO" sz="6000" b="0" i="1" smtClean="0">
-                                <a:latin typeface="Cambria Math" panose="02040503050406030204" pitchFamily="18" charset="0"/>
-                              </a:rPr>
-                              <m:t>𝐼𝑅𝐼</m:t>
-                            </m:r>
-                          </m:sub>
-                        </m:sSub>
-                      </m:oMath>
-                    </a14:m>
-                    <a:endParaRPr lang="en-GB" sz="6000" dirty="0">
-                      <a:latin typeface="Arial" panose="020B0604020202020204" pitchFamily="34" charset="0"/>
-                      <a:cs typeface="Arial" panose="020B0604020202020204" pitchFamily="34" charset="0"/>
-                    </a:endParaRPr>
-                  </a:p>
-                  <a:p>
-                    <a:pPr algn="ctr"/>
-                    <a:endParaRPr lang="en-GB" sz="6000" dirty="0">
-                      <a:latin typeface="Arial" panose="020B0604020202020204" pitchFamily="34" charset="0"/>
-                      <a:cs typeface="Arial" panose="020B0604020202020204" pitchFamily="34" charset="0"/>
-                    </a:endParaRPr>
-                  </a:p>
-                  <a:p>
-                    <a:pPr algn="ctr"/>
-                    <a:r>
-                      <a:rPr lang="en-GB" sz="6000" b="1" dirty="0">
-                        <a:latin typeface="Arial" panose="020B0604020202020204" pitchFamily="34" charset="0"/>
-                        <a:cs typeface="Arial" panose="020B0604020202020204" pitchFamily="34" charset="0"/>
-                      </a:rPr>
-                      <a:t>Evaluate:</a:t>
-                    </a:r>
-                  </a:p>
-                  <a:p>
-                    <a:pPr algn="ctr"/>
-                    <a:r>
-                      <a:rPr lang="en-GB" sz="6000" dirty="0">
-                        <a:latin typeface="Arial" panose="020B0604020202020204" pitchFamily="34" charset="0"/>
-                        <a:cs typeface="Arial" panose="020B0604020202020204" pitchFamily="34" charset="0"/>
-                      </a:rPr>
-                      <a:t>RMSRE &amp; </a:t>
-                    </a:r>
-                    <a:r>
-                      <a:rPr lang="en-GB" sz="6000" dirty="0" err="1">
-                        <a:latin typeface="Arial" panose="020B0604020202020204" pitchFamily="34" charset="0"/>
-                        <a:cs typeface="Arial" panose="020B0604020202020204" pitchFamily="34" charset="0"/>
-                      </a:rPr>
-                      <a:t>corr</a:t>
-                    </a:r>
-                    <a:endParaRPr lang="en-GB" sz="6000" dirty="0">
-                      <a:latin typeface="Arial" panose="020B0604020202020204" pitchFamily="34" charset="0"/>
-                      <a:cs typeface="Arial" panose="020B0604020202020204" pitchFamily="34" charset="0"/>
-                    </a:endParaRPr>
-                  </a:p>
-                  <a:p>
-                    <a:pPr algn="ctr"/>
-                    <a:endParaRPr lang="en-GB" sz="6000" dirty="0">
-                      <a:latin typeface="Arial" panose="020B0604020202020204" pitchFamily="34" charset="0"/>
-                      <a:cs typeface="Arial" panose="020B0604020202020204" pitchFamily="34" charset="0"/>
-                    </a:endParaRPr>
-                  </a:p>
-                </p:txBody>
-              </p:sp>
-            </mc:Choice>
-            <mc:Fallback>
-              <p:sp>
-                <p:nvSpPr>
-                  <p:cNvPr id="135" name="TextBox 134">
-                    <a:extLst>
-                      <a:ext uri="{FF2B5EF4-FFF2-40B4-BE49-F238E27FC236}">
-                        <a16:creationId xmlns:a16="http://schemas.microsoft.com/office/drawing/2014/main" id="{F59FC32F-9448-9587-85F7-6C67867D4C1F}"/>
-                      </a:ext>
-                    </a:extLst>
-                  </p:cNvPr>
-                  <p:cNvSpPr txBox="1">
-                    <a:spLocks noRot="1" noChangeAspect="1" noMove="1" noResize="1" noEditPoints="1" noAdjustHandles="1" noChangeArrowheads="1" noChangeShapeType="1" noTextEdit="1"/>
-                  </p:cNvSpPr>
-                  <p:nvPr/>
-                </p:nvSpPr>
-                <p:spPr>
-                  <a:xfrm>
-                    <a:off x="32508863" y="940420"/>
-                    <a:ext cx="3966214" cy="10248960"/>
-                  </a:xfrm>
-                  <a:prstGeom prst="rect">
-                    <a:avLst/>
-                  </a:prstGeom>
-                  <a:blipFill>
-                    <a:blip r:embed="rId10"/>
-                    <a:stretch>
-                      <a:fillRect l="-7348" t="-1733" r="-12780"/>
-                    </a:stretch>
-                  </a:blipFill>
-                </p:spPr>
-                <p:txBody>
-                  <a:bodyPr/>
-                  <a:lstStyle/>
-                  <a:p>
-                    <a:r>
-                      <a:rPr lang="en-NO">
-                        <a:noFill/>
-                      </a:rPr>
-                      <a:t> </a:t>
-                    </a:r>
-                  </a:p>
-                </p:txBody>
-              </p:sp>
-            </mc:Fallback>
-          </mc:AlternateContent>
-          <mc:AlternateContent xmlns:mc="http://schemas.openxmlformats.org/markup-compatibility/2006">
-            <mc:Choice xmlns:a14="http://schemas.microsoft.com/office/drawing/2010/main" Requires="a14">
-              <p:sp>
-                <p:nvSpPr>
-                  <p:cNvPr id="137" name="TextBox 136">
-                    <a:extLst>
-                      <a:ext uri="{FF2B5EF4-FFF2-40B4-BE49-F238E27FC236}">
-                        <a16:creationId xmlns:a16="http://schemas.microsoft.com/office/drawing/2014/main" id="{8F493422-E3C0-7443-77E6-8A55F2A8D779}"/>
-                      </a:ext>
-                    </a:extLst>
-                  </p:cNvPr>
-                  <p:cNvSpPr txBox="1"/>
-                  <p:nvPr/>
-                </p:nvSpPr>
-                <p:spPr>
-                  <a:xfrm>
-                    <a:off x="29856721" y="3918568"/>
-                    <a:ext cx="2689166" cy="2769989"/>
-                  </a:xfrm>
-                  <a:prstGeom prst="rect">
-                    <a:avLst/>
-                  </a:prstGeom>
-                  <a:noFill/>
-                </p:spPr>
-                <p:txBody>
-                  <a:bodyPr wrap="square" rtlCol="0">
-                    <a:spAutoFit/>
-                  </a:bodyPr>
-                  <a:lstStyle/>
-                  <a:p>
-                    <a14:m>
-                      <m:oMathPara xmlns:m="http://schemas.openxmlformats.org/officeDocument/2006/math">
-                        <m:oMathParaPr>
-                          <m:jc m:val="centerGroup"/>
-                        </m:oMathParaPr>
-                        <m:oMath xmlns:m="http://schemas.openxmlformats.org/officeDocument/2006/math">
-                          <m:sSub>
-                            <m:sSubPr>
-                              <m:ctrlPr>
-                                <a:rPr lang="en-GB" sz="7200" i="1" smtClean="0">
-                                  <a:latin typeface="Cambria Math" panose="02040503050406030204" pitchFamily="18" charset="0"/>
-                                </a:rPr>
-                              </m:ctrlPr>
-                            </m:sSubPr>
-                            <m:e>
-                              <m:r>
-                                <a:rPr lang="nb-NO" sz="7200" b="0" i="1" smtClean="0">
-                                  <a:latin typeface="Cambria Math" panose="02040503050406030204" pitchFamily="18" charset="0"/>
-                                </a:rPr>
-                                <m:t>𝐼</m:t>
-                              </m:r>
-                            </m:e>
-                            <m:sub>
-                              <m:r>
-                                <a:rPr lang="nb-NO" sz="7200" b="0" i="1" smtClean="0">
-                                  <a:latin typeface="Cambria Math" panose="02040503050406030204" pitchFamily="18" charset="0"/>
-                                </a:rPr>
-                                <m:t>𝐼𝑅𝐼</m:t>
-                              </m:r>
-                            </m:sub>
-                          </m:sSub>
-                        </m:oMath>
-                      </m:oMathPara>
-                    </a14:m>
-                    <a:endParaRPr lang="nb-NO" sz="7200" b="0" dirty="0">
-                      <a:latin typeface="Arial" panose="020B0604020202020204" pitchFamily="34" charset="0"/>
-                      <a:cs typeface="Arial" panose="020B0604020202020204" pitchFamily="34" charset="0"/>
-                    </a:endParaRPr>
-                  </a:p>
-                  <a:p>
-                    <a:endParaRPr lang="en-GB" sz="3000" dirty="0">
-                      <a:latin typeface="Arial" panose="020B0604020202020204" pitchFamily="34" charset="0"/>
-                      <a:cs typeface="Arial" panose="020B0604020202020204" pitchFamily="34" charset="0"/>
-                    </a:endParaRPr>
-                  </a:p>
-                  <a:p>
-                    <a:r>
-                      <a:rPr lang="en-GB" sz="7200" dirty="0">
-                        <a:latin typeface="Arial" panose="020B0604020202020204" pitchFamily="34" charset="0"/>
-                        <a:cs typeface="Arial" panose="020B0604020202020204" pitchFamily="34" charset="0"/>
-                      </a:rPr>
-                      <a:t> </a:t>
-                    </a:r>
-                    <a14:m>
-                      <m:oMath xmlns:m="http://schemas.openxmlformats.org/officeDocument/2006/math">
-                        <m:sSub>
-                          <m:sSubPr>
-                            <m:ctrlPr>
-                              <a:rPr lang="en-GB" sz="7200" i="1" smtClean="0">
-                                <a:latin typeface="Cambria Math" panose="02040503050406030204" pitchFamily="18" charset="0"/>
-                              </a:rPr>
-                            </m:ctrlPr>
-                          </m:sSubPr>
-                          <m:e>
-                            <m:r>
-                              <a:rPr lang="nb-NO" sz="7200" b="0" i="1" smtClean="0">
-                                <a:latin typeface="Cambria Math" panose="02040503050406030204" pitchFamily="18" charset="0"/>
-                              </a:rPr>
-                              <m:t>𝑇𝑒</m:t>
-                            </m:r>
-                          </m:e>
-                          <m:sub>
-                            <m:r>
-                              <a:rPr lang="nb-NO" sz="7200" b="0" i="1" smtClean="0">
-                                <a:latin typeface="Cambria Math" panose="02040503050406030204" pitchFamily="18" charset="0"/>
-                              </a:rPr>
-                              <m:t>𝐼𝑅𝐼</m:t>
-                            </m:r>
-                          </m:sub>
-                        </m:sSub>
-                      </m:oMath>
-                    </a14:m>
-                    <a:endParaRPr lang="en-GB" sz="6000" dirty="0">
-                      <a:latin typeface="Arial" panose="020B0604020202020204" pitchFamily="34" charset="0"/>
-                      <a:cs typeface="Arial" panose="020B0604020202020204" pitchFamily="34" charset="0"/>
-                    </a:endParaRPr>
-                  </a:p>
-                </p:txBody>
-              </p:sp>
-            </mc:Choice>
-            <mc:Fallback>
-              <p:sp>
-                <p:nvSpPr>
-                  <p:cNvPr id="137" name="TextBox 136">
-                    <a:extLst>
-                      <a:ext uri="{FF2B5EF4-FFF2-40B4-BE49-F238E27FC236}">
-                        <a16:creationId xmlns:a16="http://schemas.microsoft.com/office/drawing/2014/main" id="{8F493422-E3C0-7443-77E6-8A55F2A8D779}"/>
-                      </a:ext>
-                    </a:extLst>
-                  </p:cNvPr>
-                  <p:cNvSpPr txBox="1">
-                    <a:spLocks noRot="1" noChangeAspect="1" noMove="1" noResize="1" noEditPoints="1" noAdjustHandles="1" noChangeArrowheads="1" noChangeShapeType="1" noTextEdit="1"/>
-                  </p:cNvSpPr>
-                  <p:nvPr/>
-                </p:nvSpPr>
-                <p:spPr>
-                  <a:xfrm>
-                    <a:off x="29856721" y="3918568"/>
-                    <a:ext cx="2689166" cy="2769989"/>
-                  </a:xfrm>
-                  <a:prstGeom prst="rect">
-                    <a:avLst/>
-                  </a:prstGeom>
-                  <a:blipFill>
-                    <a:blip r:embed="rId11"/>
-                    <a:stretch>
-                      <a:fillRect b="-4110"/>
-                    </a:stretch>
-                  </a:blipFill>
-                </p:spPr>
-                <p:txBody>
-                  <a:bodyPr/>
-                  <a:lstStyle/>
-                  <a:p>
-                    <a:r>
-                      <a:rPr lang="en-NO">
-                        <a:noFill/>
-                      </a:rPr>
-                      <a:t> </a:t>
-                    </a:r>
-                  </a:p>
-                </p:txBody>
-              </p:sp>
-            </mc:Fallback>
-          </mc:AlternateContent>
-          <p:sp>
-            <p:nvSpPr>
-              <p:cNvPr id="139" name="TextBox 138">
-                <a:extLst>
-                  <a:ext uri="{FF2B5EF4-FFF2-40B4-BE49-F238E27FC236}">
-                    <a16:creationId xmlns:a16="http://schemas.microsoft.com/office/drawing/2014/main" id="{49B3AAE0-ECFB-1529-7985-95FF503CBC21}"/>
-                  </a:ext>
-                </a:extLst>
-              </p:cNvPr>
-              <p:cNvSpPr txBox="1"/>
-              <p:nvPr/>
-            </p:nvSpPr>
-            <p:spPr>
-              <a:xfrm>
-                <a:off x="23480569" y="4309562"/>
-                <a:ext cx="6196171" cy="1785104"/>
-              </a:xfrm>
-              <a:prstGeom prst="rect">
-                <a:avLst/>
-              </a:prstGeom>
-              <a:noFill/>
-            </p:spPr>
-            <p:txBody>
-              <a:bodyPr wrap="square" rtlCol="0">
-                <a:spAutoFit/>
-              </a:bodyPr>
-              <a:lstStyle/>
-              <a:p>
-                <a:r>
-                  <a:rPr lang="nb-NO" sz="5500" u="sng" dirty="0">
-                    <a:latin typeface="Arial" panose="020B0604020202020204" pitchFamily="34" charset="0"/>
-                    <a:cs typeface="Arial" panose="020B0604020202020204" pitchFamily="34" charset="0"/>
-                  </a:rPr>
-                  <a:t>Test Robustness</a:t>
-                </a:r>
-                <a:r>
-                  <a:rPr lang="nb-NO" sz="5500" dirty="0">
-                    <a:latin typeface="Arial" panose="020B0604020202020204" pitchFamily="34" charset="0"/>
-                    <a:cs typeface="Arial" panose="020B0604020202020204" pitchFamily="34" charset="0"/>
-                  </a:rPr>
-                  <a:t>:</a:t>
-                </a:r>
-              </a:p>
-              <a:p>
-                <a:r>
-                  <a:rPr lang="nb-NO" sz="5500" dirty="0">
-                    <a:latin typeface="Arial" panose="020B0604020202020204" pitchFamily="34" charset="0"/>
-                    <a:cs typeface="Arial" panose="020B0604020202020204" pitchFamily="34" charset="0"/>
-                  </a:rPr>
-                  <a:t>add noise (𝝈)</a:t>
-                </a:r>
+                <a:endParaRPr lang="en-NO" dirty="0"/>
               </a:p>
             </p:txBody>
           </p:sp>
         </p:grpSp>
-        <p:sp>
-          <p:nvSpPr>
-            <p:cNvPr id="155" name="TextBox 154">
+        <p:cxnSp>
+          <p:nvCxnSpPr>
+            <p:cNvPr id="14" name="Straight Arrow Connector 13">
               <a:extLst>
                 <a:ext uri="{FF2B5EF4-FFF2-40B4-BE49-F238E27FC236}">
-                  <a16:creationId xmlns:a16="http://schemas.microsoft.com/office/drawing/2014/main" id="{BB6CD69C-1A0E-7FDC-2B6E-6F6531CBEBC6}"/>
+                  <a16:creationId xmlns:a16="http://schemas.microsoft.com/office/drawing/2014/main" id="{6F39C0A8-BD38-0C4C-8AB4-6639C4076731}"/>
                 </a:ext>
               </a:extLst>
             </p:cNvPr>
-            <p:cNvSpPr txBox="1"/>
+            <p:cNvCxnSpPr>
+              <a:cxnSpLocks/>
+            </p:cNvCxnSpPr>
             <p:nvPr/>
-          </p:nvSpPr>
+          </p:nvCxnSpPr>
           <p:spPr>
-            <a:xfrm>
-              <a:off x="-18808780" y="13016862"/>
-              <a:ext cx="6225420" cy="1200329"/>
+            <a:xfrm flipV="1">
+              <a:off x="1458315" y="-12760473"/>
+              <a:ext cx="1605663" cy="11811"/>
             </a:xfrm>
-            <a:prstGeom prst="rect">
+            <a:prstGeom prst="straightConnector1">
               <a:avLst/>
             </a:prstGeom>
-            <a:noFill/>
+            <a:ln w="101600">
+              <a:solidFill>
+                <a:schemeClr val="accent1"/>
+              </a:solidFill>
+              <a:tailEnd type="triangle"/>
+            </a:ln>
           </p:spPr>
-          <p:txBody>
-            <a:bodyPr wrap="square" rtlCol="0">
-              <a:spAutoFit/>
-            </a:bodyPr>
-            <a:lstStyle/>
-            <a:p>
-              <a:r>
-                <a:rPr lang="en-GB" sz="7200" dirty="0">
-                  <a:latin typeface="Arial" panose="020B0604020202020204" pitchFamily="34" charset="0"/>
-                  <a:cs typeface="Arial" panose="020B0604020202020204" pitchFamily="34" charset="0"/>
-                </a:rPr>
-                <a:t>STEP 3:</a:t>
-              </a:r>
-              <a:endParaRPr lang="en-GB" sz="6000" dirty="0">
-                <a:latin typeface="Arial" panose="020B0604020202020204" pitchFamily="34" charset="0"/>
-                <a:cs typeface="Arial" panose="020B0604020202020204" pitchFamily="34" charset="0"/>
-              </a:endParaRPr>
-            </a:p>
-          </p:txBody>
-        </p:sp>
+          <p:style>
+            <a:lnRef idx="1">
+              <a:schemeClr val="accent1"/>
+            </a:lnRef>
+            <a:fillRef idx="0">
+              <a:schemeClr val="accent1"/>
+            </a:fillRef>
+            <a:effectRef idx="0">
+              <a:schemeClr val="accent1"/>
+            </a:effectRef>
+            <a:fontRef idx="minor">
+              <a:schemeClr val="tx1"/>
+            </a:fontRef>
+          </p:style>
+        </p:cxnSp>
       </p:grpSp>
     </p:spTree>
     <p:extLst>
@@ -7936,4 +9299,299 @@
     </a:ext>
   </a:extLst>
 </a:theme>
+</file>
+
+<file path=ppt/theme/theme2.xml><?xml version="1.0" encoding="utf-8"?>
+<a:theme xmlns:a="http://schemas.openxmlformats.org/drawingml/2006/main" name="Office Theme">
+  <a:themeElements>
+    <a:clrScheme name="Office">
+      <a:dk1>
+        <a:sysClr val="windowText" lastClr="000000"/>
+      </a:dk1>
+      <a:lt1>
+        <a:sysClr val="window" lastClr="FFFFFF"/>
+      </a:lt1>
+      <a:dk2>
+        <a:srgbClr val="44546A"/>
+      </a:dk2>
+      <a:lt2>
+        <a:srgbClr val="E7E6E6"/>
+      </a:lt2>
+      <a:accent1>
+        <a:srgbClr val="4472C4"/>
+      </a:accent1>
+      <a:accent2>
+        <a:srgbClr val="ED7D31"/>
+      </a:accent2>
+      <a:accent3>
+        <a:srgbClr val="A5A5A5"/>
+      </a:accent3>
+      <a:accent4>
+        <a:srgbClr val="FFC000"/>
+      </a:accent4>
+      <a:accent5>
+        <a:srgbClr val="5B9BD5"/>
+      </a:accent5>
+      <a:accent6>
+        <a:srgbClr val="70AD47"/>
+      </a:accent6>
+      <a:hlink>
+        <a:srgbClr val="0563C1"/>
+      </a:hlink>
+      <a:folHlink>
+        <a:srgbClr val="954F72"/>
+      </a:folHlink>
+    </a:clrScheme>
+    <a:fontScheme name="Office">
+      <a:majorFont>
+        <a:latin typeface="Calibri Light" panose="020F0302020204030204"/>
+        <a:ea typeface=""/>
+        <a:cs typeface=""/>
+        <a:font script="Jpan" typeface="游ゴシック Light"/>
+        <a:font script="Hang" typeface="맑은 고딕"/>
+        <a:font script="Hans" typeface="等线 Light"/>
+        <a:font script="Hant" typeface="新細明體"/>
+        <a:font script="Arab" typeface="Times New Roman"/>
+        <a:font script="Hebr" typeface="Times New Roman"/>
+        <a:font script="Thai" typeface="Angsana New"/>
+        <a:font script="Ethi" typeface="Nyala"/>
+        <a:font script="Beng" typeface="Vrinda"/>
+        <a:font script="Gujr" typeface="Shruti"/>
+        <a:font script="Khmr" typeface="MoolBoran"/>
+        <a:font script="Knda" typeface="Tunga"/>
+        <a:font script="Guru" typeface="Raavi"/>
+        <a:font script="Cans" typeface="Euphemia"/>
+        <a:font script="Cher" typeface="Plantagenet Cherokee"/>
+        <a:font script="Yiii" typeface="Microsoft Yi Baiti"/>
+        <a:font script="Tibt" typeface="Microsoft Himalaya"/>
+        <a:font script="Thaa" typeface="MV Boli"/>
+        <a:font script="Deva" typeface="Mangal"/>
+        <a:font script="Telu" typeface="Gautami"/>
+        <a:font script="Taml" typeface="Latha"/>
+        <a:font script="Syrc" typeface="Estrangelo Edessa"/>
+        <a:font script="Orya" typeface="Kalinga"/>
+        <a:font script="Mlym" typeface="Kartika"/>
+        <a:font script="Laoo" typeface="DokChampa"/>
+        <a:font script="Sinh" typeface="Iskoola Pota"/>
+        <a:font script="Mong" typeface="Mongolian Baiti"/>
+        <a:font script="Viet" typeface="Times New Roman"/>
+        <a:font script="Uigh" typeface="Microsoft Uighur"/>
+        <a:font script="Geor" typeface="Sylfaen"/>
+        <a:font script="Armn" typeface="Arial"/>
+        <a:font script="Bugi" typeface="Leelawadee UI"/>
+        <a:font script="Bopo" typeface="Microsoft JhengHei"/>
+        <a:font script="Java" typeface="Javanese Text"/>
+        <a:font script="Lisu" typeface="Segoe UI"/>
+        <a:font script="Mymr" typeface="Myanmar Text"/>
+        <a:font script="Nkoo" typeface="Ebrima"/>
+        <a:font script="Olck" typeface="Nirmala UI"/>
+        <a:font script="Osma" typeface="Ebrima"/>
+        <a:font script="Phag" typeface="Phagspa"/>
+        <a:font script="Syrn" typeface="Estrangelo Edessa"/>
+        <a:font script="Syrj" typeface="Estrangelo Edessa"/>
+        <a:font script="Syre" typeface="Estrangelo Edessa"/>
+        <a:font script="Sora" typeface="Nirmala UI"/>
+        <a:font script="Tale" typeface="Microsoft Tai Le"/>
+        <a:font script="Talu" typeface="Microsoft New Tai Lue"/>
+        <a:font script="Tfng" typeface="Ebrima"/>
+      </a:majorFont>
+      <a:minorFont>
+        <a:latin typeface="Calibri" panose="020F0502020204030204"/>
+        <a:ea typeface=""/>
+        <a:cs typeface=""/>
+        <a:font script="Jpan" typeface="游ゴシック"/>
+        <a:font script="Hang" typeface="맑은 고딕"/>
+        <a:font script="Hans" typeface="等线"/>
+        <a:font script="Hant" typeface="新細明體"/>
+        <a:font script="Arab" typeface="Arial"/>
+        <a:font script="Hebr" typeface="Arial"/>
+        <a:font script="Thai" typeface="Cordia New"/>
+        <a:font script="Ethi" typeface="Nyala"/>
+        <a:font script="Beng" typeface="Vrinda"/>
+        <a:font script="Gujr" typeface="Shruti"/>
+        <a:font script="Khmr" typeface="DaunPenh"/>
+        <a:font script="Knda" typeface="Tunga"/>
+        <a:font script="Guru" typeface="Raavi"/>
+        <a:font script="Cans" typeface="Euphemia"/>
+        <a:font script="Cher" typeface="Plantagenet Cherokee"/>
+        <a:font script="Yiii" typeface="Microsoft Yi Baiti"/>
+        <a:font script="Tibt" typeface="Microsoft Himalaya"/>
+        <a:font script="Thaa" typeface="MV Boli"/>
+        <a:font script="Deva" typeface="Mangal"/>
+        <a:font script="Telu" typeface="Gautami"/>
+        <a:font script="Taml" typeface="Latha"/>
+        <a:font script="Syrc" typeface="Estrangelo Edessa"/>
+        <a:font script="Orya" typeface="Kalinga"/>
+        <a:font script="Mlym" typeface="Kartika"/>
+        <a:font script="Laoo" typeface="DokChampa"/>
+        <a:font script="Sinh" typeface="Iskoola Pota"/>
+        <a:font script="Mong" typeface="Mongolian Baiti"/>
+        <a:font script="Viet" typeface="Arial"/>
+        <a:font script="Uigh" typeface="Microsoft Uighur"/>
+        <a:font script="Geor" typeface="Sylfaen"/>
+        <a:font script="Armn" typeface="Arial"/>
+        <a:font script="Bugi" typeface="Leelawadee UI"/>
+        <a:font script="Bopo" typeface="Microsoft JhengHei"/>
+        <a:font script="Java" typeface="Javanese Text"/>
+        <a:font script="Lisu" typeface="Segoe UI"/>
+        <a:font script="Mymr" typeface="Myanmar Text"/>
+        <a:font script="Nkoo" typeface="Ebrima"/>
+        <a:font script="Olck" typeface="Nirmala UI"/>
+        <a:font script="Osma" typeface="Ebrima"/>
+        <a:font script="Phag" typeface="Phagspa"/>
+        <a:font script="Syrn" typeface="Estrangelo Edessa"/>
+        <a:font script="Syrj" typeface="Estrangelo Edessa"/>
+        <a:font script="Syre" typeface="Estrangelo Edessa"/>
+        <a:font script="Sora" typeface="Nirmala UI"/>
+        <a:font script="Tale" typeface="Microsoft Tai Le"/>
+        <a:font script="Talu" typeface="Microsoft New Tai Lue"/>
+        <a:font script="Tfng" typeface="Ebrima"/>
+      </a:minorFont>
+    </a:fontScheme>
+    <a:fmtScheme name="Office">
+      <a:fillStyleLst>
+        <a:solidFill>
+          <a:schemeClr val="phClr"/>
+        </a:solidFill>
+        <a:gradFill rotWithShape="1">
+          <a:gsLst>
+            <a:gs pos="0">
+              <a:schemeClr val="phClr">
+                <a:lumMod val="110000"/>
+                <a:satMod val="105000"/>
+                <a:tint val="67000"/>
+              </a:schemeClr>
+            </a:gs>
+            <a:gs pos="50000">
+              <a:schemeClr val="phClr">
+                <a:lumMod val="105000"/>
+                <a:satMod val="103000"/>
+                <a:tint val="73000"/>
+              </a:schemeClr>
+            </a:gs>
+            <a:gs pos="100000">
+              <a:schemeClr val="phClr">
+                <a:lumMod val="105000"/>
+                <a:satMod val="109000"/>
+                <a:tint val="81000"/>
+              </a:schemeClr>
+            </a:gs>
+          </a:gsLst>
+          <a:lin ang="5400000" scaled="0"/>
+        </a:gradFill>
+        <a:gradFill rotWithShape="1">
+          <a:gsLst>
+            <a:gs pos="0">
+              <a:schemeClr val="phClr">
+                <a:satMod val="103000"/>
+                <a:lumMod val="102000"/>
+                <a:tint val="94000"/>
+              </a:schemeClr>
+            </a:gs>
+            <a:gs pos="50000">
+              <a:schemeClr val="phClr">
+                <a:satMod val="110000"/>
+                <a:lumMod val="100000"/>
+                <a:shade val="100000"/>
+              </a:schemeClr>
+            </a:gs>
+            <a:gs pos="100000">
+              <a:schemeClr val="phClr">
+                <a:lumMod val="99000"/>
+                <a:satMod val="120000"/>
+                <a:shade val="78000"/>
+              </a:schemeClr>
+            </a:gs>
+          </a:gsLst>
+          <a:lin ang="5400000" scaled="0"/>
+        </a:gradFill>
+      </a:fillStyleLst>
+      <a:lnStyleLst>
+        <a:ln w="6350" cap="flat" cmpd="sng" algn="ctr">
+          <a:solidFill>
+            <a:schemeClr val="phClr"/>
+          </a:solidFill>
+          <a:prstDash val="solid"/>
+          <a:miter lim="800000"/>
+        </a:ln>
+        <a:ln w="12700" cap="flat" cmpd="sng" algn="ctr">
+          <a:solidFill>
+            <a:schemeClr val="phClr"/>
+          </a:solidFill>
+          <a:prstDash val="solid"/>
+          <a:miter lim="800000"/>
+        </a:ln>
+        <a:ln w="19050" cap="flat" cmpd="sng" algn="ctr">
+          <a:solidFill>
+            <a:schemeClr val="phClr"/>
+          </a:solidFill>
+          <a:prstDash val="solid"/>
+          <a:miter lim="800000"/>
+        </a:ln>
+      </a:lnStyleLst>
+      <a:effectStyleLst>
+        <a:effectStyle>
+          <a:effectLst/>
+        </a:effectStyle>
+        <a:effectStyle>
+          <a:effectLst/>
+        </a:effectStyle>
+        <a:effectStyle>
+          <a:effectLst>
+            <a:outerShdw blurRad="57150" dist="19050" dir="5400000" algn="ctr" rotWithShape="0">
+              <a:srgbClr val="000000">
+                <a:alpha val="63000"/>
+              </a:srgbClr>
+            </a:outerShdw>
+          </a:effectLst>
+        </a:effectStyle>
+      </a:effectStyleLst>
+      <a:bgFillStyleLst>
+        <a:solidFill>
+          <a:schemeClr val="phClr"/>
+        </a:solidFill>
+        <a:solidFill>
+          <a:schemeClr val="phClr">
+            <a:tint val="95000"/>
+            <a:satMod val="170000"/>
+          </a:schemeClr>
+        </a:solidFill>
+        <a:gradFill rotWithShape="1">
+          <a:gsLst>
+            <a:gs pos="0">
+              <a:schemeClr val="phClr">
+                <a:tint val="93000"/>
+                <a:satMod val="150000"/>
+                <a:shade val="98000"/>
+                <a:lumMod val="102000"/>
+              </a:schemeClr>
+            </a:gs>
+            <a:gs pos="50000">
+              <a:schemeClr val="phClr">
+                <a:tint val="98000"/>
+                <a:satMod val="130000"/>
+                <a:shade val="90000"/>
+                <a:lumMod val="103000"/>
+              </a:schemeClr>
+            </a:gs>
+            <a:gs pos="100000">
+              <a:schemeClr val="phClr">
+                <a:shade val="63000"/>
+                <a:satMod val="120000"/>
+              </a:schemeClr>
+            </a:gs>
+          </a:gsLst>
+          <a:lin ang="5400000" scaled="0"/>
+        </a:gradFill>
+      </a:bgFillStyleLst>
+    </a:fmtScheme>
+  </a:themeElements>
+  <a:objectDefaults/>
+  <a:extraClrSchemeLst/>
+  <a:extLst>
+    <a:ext uri="{05A4C25C-085E-4340-85A3-A5531E510DB2}">
+      <thm15:themeFamily xmlns:thm15="http://schemas.microsoft.com/office/thememl/2012/main" name="Office Theme" id="{62F939B6-93AF-4DB8-9C6B-D6C7DFDC589F}" vid="{4A3C46E8-61CC-4603-A589-7422A47A8E4A}"/>
+    </a:ext>
+  </a:extLst>
+</a:theme>
 </file>